--- a/docs/windows模板/演示文稿 2.pptx
+++ b/docs/windows模板/演示文稿 2.pptx
@@ -142,7 +142,7 @@
   </p:defaultTextStyle>
   <p:extLst>
     <p:ext uri="{EFAFB233-063F-42B5-8137-9DF3F51BA10A}">
-      <p15:sldGuideLst xmlns:p15="http://schemas.microsoft.com/office/powerpoint/2012/main" xmlns="">
+      <p15:sldGuideLst xmlns="" xmlns:p15="http://schemas.microsoft.com/office/powerpoint/2012/main">
         <p15:guide id="1" orient="horz" pos="2160">
           <p15:clr>
             <a:srgbClr val="A4A3A4"/>
@@ -161,7 +161,7 @@
       </p15:sldGuideLst>
     </p:ext>
     <p:ext uri="{2D200454-40CA-4A62-9FC3-DE9A4176ACB9}">
-      <p15:notesGuideLst xmlns:p15="http://schemas.microsoft.com/office/powerpoint/2012/main" xmlns="">
+      <p15:notesGuideLst xmlns="" xmlns:p15="http://schemas.microsoft.com/office/powerpoint/2012/main">
         <p15:guide id="1" orient="horz" pos="2880">
           <p15:clr>
             <a:srgbClr val="A4A3A4"/>
@@ -261,7 +261,7 @@
             <a:fld id="{BDB7646E-8811-423A-9C42-2CBFADA00A96}" type="datetimeFigureOut">
               <a:rPr lang="en-US" altLang="zh-CN" smtClean="0"/>
               <a:pPr/>
-              <a:t>11/1/2014</a:t>
+              <a:t>11/3/2014</a:t>
             </a:fld>
             <a:endParaRPr lang="zh-CN"/>
           </a:p>
@@ -337,7 +337,7 @@
     </p:spTree>
     <p:extLst>
       <p:ext uri="{BB962C8B-B14F-4D97-AF65-F5344CB8AC3E}">
-        <p14:creationId xmlns:p14="http://schemas.microsoft.com/office/powerpoint/2010/main" xmlns="" val="516225429"/>
+        <p14:creationId xmlns="" xmlns:p14="http://schemas.microsoft.com/office/powerpoint/2010/main" val="516225429"/>
       </p:ext>
     </p:extLst>
   </p:cSld>
@@ -612,7 +612,7 @@
     </p:spTree>
     <p:extLst>
       <p:ext uri="{BB962C8B-B14F-4D97-AF65-F5344CB8AC3E}">
-        <p14:creationId xmlns:p14="http://schemas.microsoft.com/office/powerpoint/2010/main" xmlns="" val="1556669918"/>
+        <p14:creationId xmlns="" xmlns:p14="http://schemas.microsoft.com/office/powerpoint/2010/main" val="1556669918"/>
       </p:ext>
     </p:extLst>
   </p:cSld>
@@ -874,7 +874,7 @@
             <a:fld id="{841221E5-7225-48EB-A4EE-420E7BFCF705}" type="slidenum">
               <a:rPr lang="en-US" altLang="zh-CN" smtClean="0"/>
               <a:pPr/>
-              <a:t>21</a:t>
+              <a:t>19</a:t>
             </a:fld>
             <a:endParaRPr lang="zh-CN" altLang="en-US"/>
           </a:p>
@@ -956,7 +956,7 @@
             <a:fld id="{841221E5-7225-48EB-A4EE-420E7BFCF705}" type="slidenum">
               <a:rPr lang="en-US" altLang="zh-CN" smtClean="0"/>
               <a:pPr/>
-              <a:t>22</a:t>
+              <a:t>20</a:t>
             </a:fld>
             <a:endParaRPr lang="zh-CN" altLang="en-US"/>
           </a:p>
@@ -1038,7 +1038,7 @@
             <a:fld id="{841221E5-7225-48EB-A4EE-420E7BFCF705}" type="slidenum">
               <a:rPr lang="en-US" altLang="zh-CN" smtClean="0"/>
               <a:pPr/>
-              <a:t>23</a:t>
+              <a:t>21</a:t>
             </a:fld>
             <a:endParaRPr lang="zh-CN" altLang="en-US"/>
           </a:p>
@@ -1120,7 +1120,7 @@
             <a:fld id="{841221E5-7225-48EB-A4EE-420E7BFCF705}" type="slidenum">
               <a:rPr lang="en-US" altLang="zh-CN" smtClean="0"/>
               <a:pPr/>
-              <a:t>24</a:t>
+              <a:t>22</a:t>
             </a:fld>
             <a:endParaRPr lang="zh-CN" altLang="en-US"/>
           </a:p>
@@ -1202,7 +1202,7 @@
             <a:fld id="{841221E5-7225-48EB-A4EE-420E7BFCF705}" type="slidenum">
               <a:rPr lang="en-US" altLang="zh-CN" smtClean="0"/>
               <a:pPr/>
-              <a:t>25</a:t>
+              <a:t>23</a:t>
             </a:fld>
             <a:endParaRPr lang="zh-CN" altLang="en-US"/>
           </a:p>
@@ -1284,7 +1284,7 @@
             <a:fld id="{841221E5-7225-48EB-A4EE-420E7BFCF705}" type="slidenum">
               <a:rPr lang="en-US" altLang="zh-CN" smtClean="0"/>
               <a:pPr/>
-              <a:t>26</a:t>
+              <a:t>24</a:t>
             </a:fld>
             <a:endParaRPr lang="zh-CN" altLang="en-US"/>
           </a:p>
@@ -1366,7 +1366,7 @@
             <a:fld id="{841221E5-7225-48EB-A4EE-420E7BFCF705}" type="slidenum">
               <a:rPr lang="en-US" altLang="zh-CN" smtClean="0"/>
               <a:pPr/>
-              <a:t>27</a:t>
+              <a:t>25</a:t>
             </a:fld>
             <a:endParaRPr lang="zh-CN" altLang="en-US"/>
           </a:p>
@@ -1448,7 +1448,7 @@
             <a:fld id="{841221E5-7225-48EB-A4EE-420E7BFCF705}" type="slidenum">
               <a:rPr lang="en-US" altLang="zh-CN" smtClean="0"/>
               <a:pPr/>
-              <a:t>28</a:t>
+              <a:t>26</a:t>
             </a:fld>
             <a:endParaRPr lang="zh-CN" altLang="en-US"/>
           </a:p>
@@ -1530,7 +1530,7 @@
             <a:fld id="{841221E5-7225-48EB-A4EE-420E7BFCF705}" type="slidenum">
               <a:rPr lang="en-US" altLang="zh-CN" smtClean="0"/>
               <a:pPr/>
-              <a:t>29</a:t>
+              <a:t>27</a:t>
             </a:fld>
             <a:endParaRPr lang="zh-CN" altLang="en-US"/>
           </a:p>
@@ -1612,7 +1612,7 @@
             <a:fld id="{841221E5-7225-48EB-A4EE-420E7BFCF705}" type="slidenum">
               <a:rPr lang="en-US" altLang="zh-CN" smtClean="0"/>
               <a:pPr/>
-              <a:t>30</a:t>
+              <a:t>28</a:t>
             </a:fld>
             <a:endParaRPr lang="zh-CN" altLang="en-US"/>
           </a:p>
@@ -1708,6 +1708,170 @@
 </p:notes>
 </file>
 
+<file path=ppt/notesSlides/notesSlide20.xml><?xml version="1.0" encoding="utf-8"?>
+<p:notes xmlns:a="http://schemas.openxmlformats.org/drawingml/2006/main" xmlns:r="http://schemas.openxmlformats.org/officeDocument/2006/relationships" xmlns:p="http://schemas.openxmlformats.org/presentationml/2006/main">
+  <p:cSld>
+    <p:spTree>
+      <p:nvGrpSpPr>
+        <p:cNvPr id="1" name=""/>
+        <p:cNvGrpSpPr/>
+        <p:nvPr/>
+      </p:nvGrpSpPr>
+      <p:grpSpPr>
+        <a:xfrm>
+          <a:off x="0" y="0"/>
+          <a:ext cx="0" cy="0"/>
+          <a:chOff x="0" y="0"/>
+          <a:chExt cx="0" cy="0"/>
+        </a:xfrm>
+      </p:grpSpPr>
+      <p:sp>
+        <p:nvSpPr>
+          <p:cNvPr id="2" name="幻灯片图像占位符 1"/>
+          <p:cNvSpPr>
+            <a:spLocks noGrp="1" noRot="1" noChangeAspect="1"/>
+          </p:cNvSpPr>
+          <p:nvPr>
+            <p:ph type="sldImg"/>
+          </p:nvPr>
+        </p:nvSpPr>
+        <p:spPr/>
+      </p:sp>
+      <p:sp>
+        <p:nvSpPr>
+          <p:cNvPr id="3" name="备注占位符 2"/>
+          <p:cNvSpPr>
+            <a:spLocks noGrp="1"/>
+          </p:cNvSpPr>
+          <p:nvPr>
+            <p:ph type="body" idx="1"/>
+          </p:nvPr>
+        </p:nvSpPr>
+        <p:spPr/>
+        <p:txBody>
+          <a:bodyPr>
+            <a:normAutofit/>
+          </a:bodyPr>
+          <a:lstStyle/>
+          <a:p>
+            <a:endParaRPr lang="zh-CN" altLang="en-US" dirty="0"/>
+          </a:p>
+        </p:txBody>
+      </p:sp>
+      <p:sp>
+        <p:nvSpPr>
+          <p:cNvPr id="4" name="灯片编号占位符 3"/>
+          <p:cNvSpPr>
+            <a:spLocks noGrp="1"/>
+          </p:cNvSpPr>
+          <p:nvPr>
+            <p:ph type="sldNum" sz="quarter" idx="10"/>
+          </p:nvPr>
+        </p:nvSpPr>
+        <p:spPr/>
+        <p:txBody>
+          <a:bodyPr/>
+          <a:lstStyle/>
+          <a:p>
+            <a:fld id="{841221E5-7225-48EB-A4EE-420E7BFCF705}" type="slidenum">
+              <a:rPr lang="en-US" altLang="zh-CN" smtClean="0"/>
+              <a:pPr/>
+              <a:t>29</a:t>
+            </a:fld>
+            <a:endParaRPr lang="zh-CN" altLang="en-US"/>
+          </a:p>
+        </p:txBody>
+      </p:sp>
+    </p:spTree>
+  </p:cSld>
+  <p:clrMapOvr>
+    <a:masterClrMapping/>
+  </p:clrMapOvr>
+</p:notes>
+</file>
+
+<file path=ppt/notesSlides/notesSlide21.xml><?xml version="1.0" encoding="utf-8"?>
+<p:notes xmlns:a="http://schemas.openxmlformats.org/drawingml/2006/main" xmlns:r="http://schemas.openxmlformats.org/officeDocument/2006/relationships" xmlns:p="http://schemas.openxmlformats.org/presentationml/2006/main">
+  <p:cSld>
+    <p:spTree>
+      <p:nvGrpSpPr>
+        <p:cNvPr id="1" name=""/>
+        <p:cNvGrpSpPr/>
+        <p:nvPr/>
+      </p:nvGrpSpPr>
+      <p:grpSpPr>
+        <a:xfrm>
+          <a:off x="0" y="0"/>
+          <a:ext cx="0" cy="0"/>
+          <a:chOff x="0" y="0"/>
+          <a:chExt cx="0" cy="0"/>
+        </a:xfrm>
+      </p:grpSpPr>
+      <p:sp>
+        <p:nvSpPr>
+          <p:cNvPr id="2" name="幻灯片图像占位符 1"/>
+          <p:cNvSpPr>
+            <a:spLocks noGrp="1" noRot="1" noChangeAspect="1"/>
+          </p:cNvSpPr>
+          <p:nvPr>
+            <p:ph type="sldImg"/>
+          </p:nvPr>
+        </p:nvSpPr>
+        <p:spPr/>
+      </p:sp>
+      <p:sp>
+        <p:nvSpPr>
+          <p:cNvPr id="3" name="备注占位符 2"/>
+          <p:cNvSpPr>
+            <a:spLocks noGrp="1"/>
+          </p:cNvSpPr>
+          <p:nvPr>
+            <p:ph type="body" idx="1"/>
+          </p:nvPr>
+        </p:nvSpPr>
+        <p:spPr/>
+        <p:txBody>
+          <a:bodyPr>
+            <a:normAutofit/>
+          </a:bodyPr>
+          <a:lstStyle/>
+          <a:p>
+            <a:endParaRPr lang="zh-CN" altLang="en-US" dirty="0"/>
+          </a:p>
+        </p:txBody>
+      </p:sp>
+      <p:sp>
+        <p:nvSpPr>
+          <p:cNvPr id="4" name="灯片编号占位符 3"/>
+          <p:cNvSpPr>
+            <a:spLocks noGrp="1"/>
+          </p:cNvSpPr>
+          <p:nvPr>
+            <p:ph type="sldNum" sz="quarter" idx="10"/>
+          </p:nvPr>
+        </p:nvSpPr>
+        <p:spPr/>
+        <p:txBody>
+          <a:bodyPr/>
+          <a:lstStyle/>
+          <a:p>
+            <a:fld id="{841221E5-7225-48EB-A4EE-420E7BFCF705}" type="slidenum">
+              <a:rPr lang="en-US" altLang="zh-CN" smtClean="0"/>
+              <a:pPr/>
+              <a:t>30</a:t>
+            </a:fld>
+            <a:endParaRPr lang="zh-CN" altLang="en-US"/>
+          </a:p>
+        </p:txBody>
+      </p:sp>
+    </p:spTree>
+  </p:cSld>
+  <p:clrMapOvr>
+    <a:masterClrMapping/>
+  </p:clrMapOvr>
+</p:notes>
+</file>
+
 <file path=ppt/notesSlides/notesSlide3.xml><?xml version="1.0" encoding="utf-8"?>
 <p:notes xmlns:a="http://schemas.openxmlformats.org/drawingml/2006/main" xmlns:r="http://schemas.openxmlformats.org/officeDocument/2006/relationships" xmlns:p="http://schemas.openxmlformats.org/presentationml/2006/main">
   <p:cSld>
@@ -2027,25 +2191,7 @@
           </a:bodyPr>
           <a:lstStyle/>
           <a:p>
-            <a:r>
-              <a:rPr lang="zh-CN" altLang="en-US" dirty="0" smtClean="0"/>
-              <a:t>演示新建仓库，</a:t>
-            </a:r>
-            <a:endParaRPr lang="en-US" altLang="zh-CN" dirty="0" smtClean="0"/>
-          </a:p>
-          <a:p>
-            <a:r>
-              <a:rPr lang="zh-CN" altLang="en-US" dirty="0" smtClean="0"/>
-              <a:t>添加文件，</a:t>
-            </a:r>
-            <a:endParaRPr lang="en-US" altLang="zh-CN" dirty="0" smtClean="0"/>
-          </a:p>
-          <a:p>
-            <a:r>
-              <a:rPr lang="zh-CN" altLang="en-US" dirty="0" smtClean="0"/>
-              <a:t>提交改动</a:t>
-            </a:r>
-            <a:endParaRPr lang="en-US" altLang="zh-CN" dirty="0" smtClean="0"/>
+            <a:endParaRPr lang="zh-CN" altLang="en-US" dirty="0"/>
           </a:p>
         </p:txBody>
       </p:sp>
@@ -2067,7 +2213,7 @@
             <a:fld id="{841221E5-7225-48EB-A4EE-420E7BFCF705}" type="slidenum">
               <a:rPr lang="en-US" altLang="zh-CN" smtClean="0"/>
               <a:pPr/>
-              <a:t>14</a:t>
+              <a:t>6</a:t>
             </a:fld>
             <a:endParaRPr lang="zh-CN" altLang="en-US"/>
           </a:p>
@@ -2127,10 +2273,6 @@
           </a:bodyPr>
           <a:lstStyle/>
           <a:p>
-            <a:r>
-              <a:rPr lang="zh-CN" altLang="en-US" dirty="0" smtClean="0"/>
-              <a:t>比如你新增了一行，这就是一个修改，删除了一行，也是一个修改，更改了某些字符，也是一个修改，删了一些又加了一些，也是一个修改，甚至创建一个新文件，也算一个修改。</a:t>
-            </a:r>
             <a:endParaRPr lang="zh-CN" altLang="en-US" dirty="0"/>
           </a:p>
         </p:txBody>
@@ -2153,7 +2295,7 @@
             <a:fld id="{841221E5-7225-48EB-A4EE-420E7BFCF705}" type="slidenum">
               <a:rPr lang="en-US" altLang="zh-CN" smtClean="0"/>
               <a:pPr/>
-              <a:t>16</a:t>
+              <a:t>11</a:t>
             </a:fld>
             <a:endParaRPr lang="zh-CN" altLang="en-US"/>
           </a:p>
@@ -2213,7 +2355,25 @@
           </a:bodyPr>
           <a:lstStyle/>
           <a:p>
-            <a:endParaRPr lang="zh-CN" altLang="en-US" dirty="0"/>
+            <a:r>
+              <a:rPr lang="zh-CN" altLang="en-US" dirty="0" smtClean="0"/>
+              <a:t>演示新建仓库，</a:t>
+            </a:r>
+            <a:endParaRPr lang="en-US" altLang="zh-CN" dirty="0" smtClean="0"/>
+          </a:p>
+          <a:p>
+            <a:r>
+              <a:rPr lang="zh-CN" altLang="en-US" dirty="0" smtClean="0"/>
+              <a:t>添加文件，</a:t>
+            </a:r>
+            <a:endParaRPr lang="en-US" altLang="zh-CN" dirty="0" smtClean="0"/>
+          </a:p>
+          <a:p>
+            <a:r>
+              <a:rPr lang="zh-CN" altLang="en-US" dirty="0" smtClean="0"/>
+              <a:t>提交改动</a:t>
+            </a:r>
+            <a:endParaRPr lang="en-US" altLang="zh-CN" dirty="0" smtClean="0"/>
           </a:p>
         </p:txBody>
       </p:sp>
@@ -2235,7 +2395,7 @@
             <a:fld id="{841221E5-7225-48EB-A4EE-420E7BFCF705}" type="slidenum">
               <a:rPr lang="en-US" altLang="zh-CN" smtClean="0"/>
               <a:pPr/>
-              <a:t>17</a:t>
+              <a:t>14</a:t>
             </a:fld>
             <a:endParaRPr lang="zh-CN" altLang="en-US"/>
           </a:p>
@@ -2295,6 +2455,10 @@
           </a:bodyPr>
           <a:lstStyle/>
           <a:p>
+            <a:r>
+              <a:rPr lang="zh-CN" altLang="en-US" dirty="0" smtClean="0"/>
+              <a:t>比如你新增了一行，这就是一个修改，删除了一行，也是一个修改，更改了某些字符，也是一个修改，删了一些又加了一些，也是一个修改，甚至创建一个新文件，也算一个修改。</a:t>
+            </a:r>
             <a:endParaRPr lang="zh-CN" altLang="en-US" dirty="0"/>
           </a:p>
         </p:txBody>
@@ -2317,7 +2481,7 @@
             <a:fld id="{841221E5-7225-48EB-A4EE-420E7BFCF705}" type="slidenum">
               <a:rPr lang="en-US" altLang="zh-CN" smtClean="0"/>
               <a:pPr/>
-              <a:t>18</a:t>
+              <a:t>16</a:t>
             </a:fld>
             <a:endParaRPr lang="zh-CN" altLang="en-US"/>
           </a:p>
@@ -2399,7 +2563,7 @@
             <a:fld id="{841221E5-7225-48EB-A4EE-420E7BFCF705}" type="slidenum">
               <a:rPr lang="en-US" altLang="zh-CN" smtClean="0"/>
               <a:pPr/>
-              <a:t>19</a:t>
+              <a:t>17</a:t>
             </a:fld>
             <a:endParaRPr lang="zh-CN" altLang="en-US"/>
           </a:p>
@@ -2481,7 +2645,7 @@
             <a:fld id="{841221E5-7225-48EB-A4EE-420E7BFCF705}" type="slidenum">
               <a:rPr lang="en-US" altLang="zh-CN" smtClean="0"/>
               <a:pPr/>
-              <a:t>20</a:t>
+              <a:t>18</a:t>
             </a:fld>
             <a:endParaRPr lang="zh-CN" altLang="en-US"/>
           </a:p>
@@ -3147,7 +3311,7 @@
             <a:fld id="{C2C6F8EA-316C-41DE-B9A4-EDCC3A85ED9A}" type="datetimeFigureOut">
               <a:rPr lang="en-US" altLang="zh-CN" smtClean="0"/>
               <a:pPr/>
-              <a:t>11/1/2014</a:t>
+              <a:t>11/3/2014</a:t>
             </a:fld>
             <a:endParaRPr lang="zh-CN" altLang="en-US"/>
           </a:p>
@@ -3219,7 +3383,7 @@
     </p:spTree>
     <p:extLst>
       <p:ext uri="{BB962C8B-B14F-4D97-AF65-F5344CB8AC3E}">
-        <p14:creationId xmlns:p14="http://schemas.microsoft.com/office/powerpoint/2010/main" xmlns="" val="3817955988"/>
+        <p14:creationId xmlns="" xmlns:p14="http://schemas.microsoft.com/office/powerpoint/2010/main" val="3817955988"/>
       </p:ext>
     </p:extLst>
   </p:cSld>
@@ -3227,7 +3391,7 @@
     <a:masterClrMapping/>
   </p:clrMapOvr>
   <mc:AlternateContent xmlns:mc="http://schemas.openxmlformats.org/markup-compatibility/2006">
-    <mc:Choice xmlns:p14="http://schemas.microsoft.com/office/powerpoint/2010/main" xmlns="" Requires="p14">
+    <mc:Choice xmlns="" xmlns:p14="http://schemas.microsoft.com/office/powerpoint/2010/main" Requires="p14">
       <p:transition spd="med" p14:dur="700">
         <p:fade/>
       </p:transition>
@@ -3424,7 +3588,7 @@
     </p:spTree>
     <p:extLst>
       <p:ext uri="{BB962C8B-B14F-4D97-AF65-F5344CB8AC3E}">
-        <p14:creationId xmlns:p14="http://schemas.microsoft.com/office/powerpoint/2010/main" xmlns="" val="2040880889"/>
+        <p14:creationId xmlns="" xmlns:p14="http://schemas.microsoft.com/office/powerpoint/2010/main" val="2040880889"/>
       </p:ext>
     </p:extLst>
   </p:cSld>
@@ -3432,7 +3596,7 @@
     <a:masterClrMapping/>
   </p:clrMapOvr>
   <mc:AlternateContent xmlns:mc="http://schemas.openxmlformats.org/markup-compatibility/2006">
-    <mc:Choice xmlns:p14="http://schemas.microsoft.com/office/powerpoint/2010/main" xmlns="" Requires="p14">
+    <mc:Choice xmlns="" xmlns:p14="http://schemas.microsoft.com/office/powerpoint/2010/main" Requires="p14">
       <p:transition spd="med" p14:dur="700">
         <p:fade/>
       </p:transition>
@@ -3958,7 +4122,7 @@
             <a:fld id="{C2C6F8EA-316C-41DE-B9A4-EDCC3A85ED9A}" type="datetimeFigureOut">
               <a:rPr lang="en-US" altLang="zh-CN" smtClean="0"/>
               <a:pPr/>
-              <a:t>11/1/2014</a:t>
+              <a:t>11/3/2014</a:t>
             </a:fld>
             <a:endParaRPr lang="zh-CN" altLang="en-US"/>
           </a:p>
@@ -4024,7 +4188,7 @@
     </p:spTree>
     <p:extLst>
       <p:ext uri="{BB962C8B-B14F-4D97-AF65-F5344CB8AC3E}">
-        <p14:creationId xmlns:p14="http://schemas.microsoft.com/office/powerpoint/2010/main" xmlns="" val="612817689"/>
+        <p14:creationId xmlns="" xmlns:p14="http://schemas.microsoft.com/office/powerpoint/2010/main" val="612817689"/>
       </p:ext>
     </p:extLst>
   </p:cSld>
@@ -4032,7 +4196,7 @@
     <a:masterClrMapping/>
   </p:clrMapOvr>
   <mc:AlternateContent xmlns:mc="http://schemas.openxmlformats.org/markup-compatibility/2006">
-    <mc:Choice xmlns:p14="http://schemas.microsoft.com/office/powerpoint/2010/main" xmlns="" Requires="p14">
+    <mc:Choice xmlns="" xmlns:p14="http://schemas.microsoft.com/office/powerpoint/2010/main" Requires="p14">
       <p:transition spd="med" p14:dur="700">
         <p:fade/>
       </p:transition>
@@ -4222,7 +4386,7 @@
     </p:spTree>
     <p:extLst>
       <p:ext uri="{BB962C8B-B14F-4D97-AF65-F5344CB8AC3E}">
-        <p14:creationId xmlns:p14="http://schemas.microsoft.com/office/powerpoint/2010/main" xmlns="" val="2185532848"/>
+        <p14:creationId xmlns="" xmlns:p14="http://schemas.microsoft.com/office/powerpoint/2010/main" val="2185532848"/>
       </p:ext>
     </p:extLst>
   </p:cSld>
@@ -4230,7 +4394,7 @@
     <a:masterClrMapping/>
   </p:clrMapOvr>
   <mc:AlternateContent xmlns:mc="http://schemas.openxmlformats.org/markup-compatibility/2006">
-    <mc:Choice xmlns:p14="http://schemas.microsoft.com/office/powerpoint/2010/main" xmlns="" Requires="p14">
+    <mc:Choice xmlns="" xmlns:p14="http://schemas.microsoft.com/office/powerpoint/2010/main" Requires="p14">
       <p:transition spd="med" p14:dur="700">
         <p:fade/>
       </p:transition>
@@ -5212,7 +5376,7 @@
     </p:spTree>
     <p:extLst>
       <p:ext uri="{BB962C8B-B14F-4D97-AF65-F5344CB8AC3E}">
-        <p14:creationId xmlns:p14="http://schemas.microsoft.com/office/powerpoint/2010/main" xmlns="" val="3234467543"/>
+        <p14:creationId xmlns="" xmlns:p14="http://schemas.microsoft.com/office/powerpoint/2010/main" val="3234467543"/>
       </p:ext>
     </p:extLst>
   </p:cSld>
@@ -5220,7 +5384,7 @@
     <a:masterClrMapping/>
   </p:clrMapOvr>
   <mc:AlternateContent xmlns:mc="http://schemas.openxmlformats.org/markup-compatibility/2006">
-    <mc:Choice xmlns:p14="http://schemas.microsoft.com/office/powerpoint/2010/main" xmlns="" Requires="p14">
+    <mc:Choice xmlns="" xmlns:p14="http://schemas.microsoft.com/office/powerpoint/2010/main" Requires="p14">
       <p:transition spd="med" p14:dur="700">
         <p:fade/>
       </p:transition>
@@ -5518,7 +5682,7 @@
     </p:spTree>
     <p:extLst>
       <p:ext uri="{BB962C8B-B14F-4D97-AF65-F5344CB8AC3E}">
-        <p14:creationId xmlns:p14="http://schemas.microsoft.com/office/powerpoint/2010/main" xmlns="" val="1239113715"/>
+        <p14:creationId xmlns="" xmlns:p14="http://schemas.microsoft.com/office/powerpoint/2010/main" val="1239113715"/>
       </p:ext>
     </p:extLst>
   </p:cSld>
@@ -5526,7 +5690,7 @@
     <a:masterClrMapping/>
   </p:clrMapOvr>
   <mc:AlternateContent xmlns:mc="http://schemas.openxmlformats.org/markup-compatibility/2006">
-    <mc:Choice xmlns:p14="http://schemas.microsoft.com/office/powerpoint/2010/main" xmlns="" Requires="p14">
+    <mc:Choice xmlns="" xmlns:p14="http://schemas.microsoft.com/office/powerpoint/2010/main" Requires="p14">
       <p:transition spd="med" p14:dur="700">
         <p:fade/>
       </p:transition>
@@ -5965,7 +6129,7 @@
     </p:spTree>
     <p:extLst>
       <p:ext uri="{BB962C8B-B14F-4D97-AF65-F5344CB8AC3E}">
-        <p14:creationId xmlns:p14="http://schemas.microsoft.com/office/powerpoint/2010/main" xmlns="" val="2138358032"/>
+        <p14:creationId xmlns="" xmlns:p14="http://schemas.microsoft.com/office/powerpoint/2010/main" val="2138358032"/>
       </p:ext>
     </p:extLst>
   </p:cSld>
@@ -5973,7 +6137,7 @@
     <a:masterClrMapping/>
   </p:clrMapOvr>
   <mc:AlternateContent xmlns:mc="http://schemas.openxmlformats.org/markup-compatibility/2006">
-    <mc:Choice xmlns:p14="http://schemas.microsoft.com/office/powerpoint/2010/main" xmlns="" Requires="p14">
+    <mc:Choice xmlns="" xmlns:p14="http://schemas.microsoft.com/office/powerpoint/2010/main" Requires="p14">
       <p:transition spd="med" p14:dur="700">
         <p:fade/>
       </p:transition>
@@ -6103,7 +6267,7 @@
     </p:spTree>
     <p:extLst>
       <p:ext uri="{BB962C8B-B14F-4D97-AF65-F5344CB8AC3E}">
-        <p14:creationId xmlns:p14="http://schemas.microsoft.com/office/powerpoint/2010/main" xmlns="" val="3163578801"/>
+        <p14:creationId xmlns="" xmlns:p14="http://schemas.microsoft.com/office/powerpoint/2010/main" val="3163578801"/>
       </p:ext>
     </p:extLst>
   </p:cSld>
@@ -6111,7 +6275,7 @@
     <a:masterClrMapping/>
   </p:clrMapOvr>
   <mc:AlternateContent xmlns:mc="http://schemas.openxmlformats.org/markup-compatibility/2006">
-    <mc:Choice xmlns:p14="http://schemas.microsoft.com/office/powerpoint/2010/main" xmlns="" Requires="p14">
+    <mc:Choice xmlns="" xmlns:p14="http://schemas.microsoft.com/office/powerpoint/2010/main" Requires="p14">
       <p:transition spd="med" p14:dur="700">
         <p:fade/>
       </p:transition>
@@ -6414,7 +6578,7 @@
             <a:fld id="{C2C6F8EA-316C-41DE-B9A4-EDCC3A85ED9A}" type="datetimeFigureOut">
               <a:rPr lang="en-US" altLang="zh-CN" smtClean="0"/>
               <a:pPr/>
-              <a:t>11/1/2014</a:t>
+              <a:t>11/3/2014</a:t>
             </a:fld>
             <a:endParaRPr lang="zh-CN" altLang="en-US"/>
           </a:p>
@@ -6483,7 +6647,7 @@
     </p:spTree>
     <p:extLst>
       <p:ext uri="{BB962C8B-B14F-4D97-AF65-F5344CB8AC3E}">
-        <p14:creationId xmlns:p14="http://schemas.microsoft.com/office/powerpoint/2010/main" xmlns="" val="178381615"/>
+        <p14:creationId xmlns="" xmlns:p14="http://schemas.microsoft.com/office/powerpoint/2010/main" val="178381615"/>
       </p:ext>
     </p:extLst>
   </p:cSld>
@@ -6491,7 +6655,7 @@
     <a:masterClrMapping/>
   </p:clrMapOvr>
   <mc:AlternateContent xmlns:mc="http://schemas.openxmlformats.org/markup-compatibility/2006">
-    <mc:Choice xmlns:p14="http://schemas.microsoft.com/office/powerpoint/2010/main" xmlns="" Requires="p14">
+    <mc:Choice xmlns="" xmlns:p14="http://schemas.microsoft.com/office/powerpoint/2010/main" Requires="p14">
       <p:transition spd="med" p14:dur="700">
         <p:fade/>
       </p:transition>
@@ -6949,7 +7113,7 @@
             <a:fld id="{C2C6F8EA-316C-41DE-B9A4-EDCC3A85ED9A}" type="datetimeFigureOut">
               <a:rPr lang="en-US" altLang="zh-CN" smtClean="0"/>
               <a:pPr/>
-              <a:t>11/1/2014</a:t>
+              <a:t>11/3/2014</a:t>
             </a:fld>
             <a:endParaRPr lang="zh-CN" altLang="en-US"/>
           </a:p>
@@ -7015,7 +7179,7 @@
     </p:spTree>
     <p:extLst>
       <p:ext uri="{BB962C8B-B14F-4D97-AF65-F5344CB8AC3E}">
-        <p14:creationId xmlns:p14="http://schemas.microsoft.com/office/powerpoint/2010/main" xmlns="" val="3518043182"/>
+        <p14:creationId xmlns="" xmlns:p14="http://schemas.microsoft.com/office/powerpoint/2010/main" val="3518043182"/>
       </p:ext>
     </p:extLst>
   </p:cSld>
@@ -7023,7 +7187,7 @@
     <a:masterClrMapping/>
   </p:clrMapOvr>
   <mc:AlternateContent xmlns:mc="http://schemas.openxmlformats.org/markup-compatibility/2006">
-    <mc:Choice xmlns:p14="http://schemas.microsoft.com/office/powerpoint/2010/main" xmlns="" Requires="p14">
+    <mc:Choice xmlns="" xmlns:p14="http://schemas.microsoft.com/office/powerpoint/2010/main" Requires="p14">
       <p:transition spd="med" p14:dur="700">
         <p:fade/>
       </p:transition>
@@ -7429,7 +7593,7 @@
             <a:fld id="{C2C6F8EA-316C-41DE-B9A4-EDCC3A85ED9A}" type="datetimeFigureOut">
               <a:rPr lang="en-US" altLang="zh-CN" smtClean="0"/>
               <a:pPr/>
-              <a:t>11/1/2014</a:t>
+              <a:t>11/3/2014</a:t>
             </a:fld>
             <a:endParaRPr lang="zh-CN" altLang="en-US"/>
           </a:p>
@@ -7530,7 +7694,7 @@
     </p:spTree>
     <p:extLst>
       <p:ext uri="{BB962C8B-B14F-4D97-AF65-F5344CB8AC3E}">
-        <p14:creationId xmlns:p14="http://schemas.microsoft.com/office/powerpoint/2010/main" xmlns="" val="3973900260"/>
+        <p14:creationId xmlns="" xmlns:p14="http://schemas.microsoft.com/office/powerpoint/2010/main" val="3973900260"/>
       </p:ext>
     </p:extLst>
   </p:cSld>
@@ -7538,7 +7702,7 @@
     <a:masterClrMapping/>
   </p:clrMapOvr>
   <mc:AlternateContent xmlns:mc="http://schemas.openxmlformats.org/markup-compatibility/2006">
-    <mc:Choice xmlns:p14="http://schemas.microsoft.com/office/powerpoint/2010/main" xmlns="" Requires="p14">
+    <mc:Choice xmlns="" xmlns:p14="http://schemas.microsoft.com/office/powerpoint/2010/main" Requires="p14">
       <p:transition spd="med" p14:dur="700">
         <p:fade/>
       </p:transition>
@@ -8062,7 +8226,7 @@
             <a:fld id="{C2C6F8EA-316C-41DE-B9A4-EDCC3A85ED9A}" type="datetimeFigureOut">
               <a:rPr lang="en-US" altLang="zh-CN" smtClean="0"/>
               <a:pPr/>
-              <a:t>11/1/2014</a:t>
+              <a:t>11/3/2014</a:t>
             </a:fld>
             <a:endParaRPr lang="zh-CN" altLang="en-US"/>
           </a:p>
@@ -8156,7 +8320,7 @@
     </p:spTree>
     <p:extLst>
       <p:ext uri="{BB962C8B-B14F-4D97-AF65-F5344CB8AC3E}">
-        <p14:creationId xmlns:p14="http://schemas.microsoft.com/office/powerpoint/2010/main" xmlns="" val="2054322300"/>
+        <p14:creationId xmlns="" xmlns:p14="http://schemas.microsoft.com/office/powerpoint/2010/main" val="2054322300"/>
       </p:ext>
     </p:extLst>
   </p:cSld>
@@ -8175,7 +8339,7 @@
     <p:sldLayoutId id="2147483659" r:id="rId11"/>
   </p:sldLayoutIdLst>
   <mc:AlternateContent xmlns:mc="http://schemas.openxmlformats.org/markup-compatibility/2006">
-    <mc:Choice xmlns:p14="http://schemas.microsoft.com/office/powerpoint/2010/main" xmlns="" Requires="p14">
+    <mc:Choice xmlns="" xmlns:p14="http://schemas.microsoft.com/office/powerpoint/2010/main" Requires="p14">
       <p:transition spd="med" p14:dur="700">
         <p:fade/>
       </p:transition>
@@ -8477,7 +8641,7 @@
   </p:txStyles>
   <p:extLst mod="1">
     <p:ext uri="{27BBF7A9-308A-43DC-89C8-2F10F3537804}">
-      <p15:sldGuideLst xmlns:p15="http://schemas.microsoft.com/office/powerpoint/2012/main" xmlns="">
+      <p15:sldGuideLst xmlns="" xmlns:p15="http://schemas.microsoft.com/office/powerpoint/2012/main">
         <p15:guide id="1" orient="horz" pos="2160" userDrawn="1">
           <p15:clr>
             <a:srgbClr val="F26B43"/>
@@ -8579,10 +8743,75 @@
           </a:p>
         </p:txBody>
       </p:sp>
+      <p:sp>
+        <p:nvSpPr>
+          <p:cNvPr id="5" name="矩形 4"/>
+          <p:cNvSpPr/>
+          <p:nvPr/>
+        </p:nvSpPr>
+        <p:spPr>
+          <a:xfrm>
+            <a:off x="11600202" y="5934670"/>
+            <a:ext cx="588623" cy="923330"/>
+          </a:xfrm>
+          <a:prstGeom prst="rect">
+            <a:avLst/>
+          </a:prstGeom>
+          <a:noFill/>
+        </p:spPr>
+        <p:txBody>
+          <a:bodyPr wrap="none" lIns="91440" tIns="45720" rIns="91440" bIns="45720">
+            <a:spAutoFit/>
+          </a:bodyPr>
+          <a:lstStyle/>
+          <a:p>
+            <a:pPr algn="ctr"/>
+            <a:r>
+              <a:rPr lang="en-US" altLang="zh-CN" sz="5400" b="0" cap="none" spc="0" dirty="0" smtClean="0">
+                <a:ln w="18415" cmpd="sng">
+                  <a:solidFill>
+                    <a:srgbClr val="FFFFFF"/>
+                  </a:solidFill>
+                  <a:prstDash val="solid"/>
+                </a:ln>
+                <a:solidFill>
+                  <a:srgbClr val="FFFFFF"/>
+                </a:solidFill>
+                <a:effectLst>
+                  <a:outerShdw blurRad="63500" dir="3600000" algn="tl" rotWithShape="0">
+                    <a:srgbClr val="000000">
+                      <a:alpha val="70000"/>
+                    </a:srgbClr>
+                  </a:outerShdw>
+                </a:effectLst>
+              </a:rPr>
+              <a:t>1</a:t>
+            </a:r>
+            <a:endParaRPr lang="zh-CN" altLang="en-US" sz="5400" b="0" cap="none" spc="0" dirty="0">
+              <a:ln w="18415" cmpd="sng">
+                <a:solidFill>
+                  <a:srgbClr val="FFFFFF"/>
+                </a:solidFill>
+                <a:prstDash val="solid"/>
+              </a:ln>
+              <a:solidFill>
+                <a:srgbClr val="FFFFFF"/>
+              </a:solidFill>
+              <a:effectLst>
+                <a:outerShdw blurRad="63500" dir="3600000" algn="tl" rotWithShape="0">
+                  <a:srgbClr val="000000">
+                    <a:alpha val="70000"/>
+                  </a:srgbClr>
+                </a:outerShdw>
+              </a:effectLst>
+            </a:endParaRPr>
+          </a:p>
+        </p:txBody>
+      </p:sp>
     </p:spTree>
     <p:extLst>
       <p:ext uri="{BB962C8B-B14F-4D97-AF65-F5344CB8AC3E}">
-        <p14:creationId xmlns:p14="http://schemas.microsoft.com/office/powerpoint/2010/main" xmlns="" val="506761459"/>
+        <p14:creationId xmlns="" xmlns:p14="http://schemas.microsoft.com/office/powerpoint/2010/main" val="506761459"/>
       </p:ext>
     </p:extLst>
   </p:cSld>
@@ -8590,7 +8819,7 @@
     <a:masterClrMapping/>
   </p:clrMapOvr>
   <mc:AlternateContent xmlns:mc="http://schemas.openxmlformats.org/markup-compatibility/2006">
-    <mc:Choice xmlns:p14="http://schemas.microsoft.com/office/powerpoint/2010/main" xmlns="" Requires="p14">
+    <mc:Choice xmlns="" xmlns:p14="http://schemas.microsoft.com/office/powerpoint/2010/main" Requires="p14">
       <p:transition spd="med" p14:dur="700">
         <p:fade/>
       </p:transition>
@@ -8943,13 +9172,110 @@
           <a:noFill/>
         </p:spPr>
       </p:pic>
+      <p:sp>
+        <p:nvSpPr>
+          <p:cNvPr id="8" name="矩形 7"/>
+          <p:cNvSpPr/>
+          <p:nvPr/>
+        </p:nvSpPr>
+        <p:spPr>
+          <a:xfrm>
+            <a:off x="10895012" y="5934670"/>
+            <a:ext cx="992579" cy="923330"/>
+          </a:xfrm>
+          <a:prstGeom prst="rect">
+            <a:avLst/>
+          </a:prstGeom>
+          <a:noFill/>
+        </p:spPr>
+        <p:txBody>
+          <a:bodyPr wrap="none" lIns="91440" tIns="45720" rIns="91440" bIns="45720">
+            <a:spAutoFit/>
+          </a:bodyPr>
+          <a:lstStyle/>
+          <a:p>
+            <a:pPr algn="ctr"/>
+            <a:r>
+              <a:rPr lang="en-US" altLang="zh-CN" sz="5400" b="1" cap="none" spc="0" dirty="0" smtClean="0">
+                <a:ln w="1905"/>
+                <a:gradFill>
+                  <a:gsLst>
+                    <a:gs pos="0">
+                      <a:schemeClr val="accent6">
+                        <a:shade val="20000"/>
+                        <a:satMod val="200000"/>
+                      </a:schemeClr>
+                    </a:gs>
+                    <a:gs pos="78000">
+                      <a:schemeClr val="accent6">
+                        <a:tint val="90000"/>
+                        <a:shade val="89000"/>
+                        <a:satMod val="220000"/>
+                      </a:schemeClr>
+                    </a:gs>
+                    <a:gs pos="100000">
+                      <a:schemeClr val="accent6">
+                        <a:tint val="12000"/>
+                        <a:satMod val="255000"/>
+                      </a:schemeClr>
+                    </a:gs>
+                  </a:gsLst>
+                  <a:lin ang="5400000"/>
+                </a:gradFill>
+                <a:effectLst>
+                  <a:innerShdw blurRad="69850" dist="43180" dir="5400000">
+                    <a:srgbClr val="000000">
+                      <a:alpha val="65000"/>
+                    </a:srgbClr>
+                  </a:innerShdw>
+                </a:effectLst>
+              </a:rPr>
+              <a:t>10</a:t>
+            </a:r>
+            <a:endParaRPr lang="zh-CN" altLang="en-US" sz="5400" b="1" cap="none" spc="0" dirty="0">
+              <a:ln w="1905"/>
+              <a:gradFill>
+                <a:gsLst>
+                  <a:gs pos="0">
+                    <a:schemeClr val="accent6">
+                      <a:shade val="20000"/>
+                      <a:satMod val="200000"/>
+                    </a:schemeClr>
+                  </a:gs>
+                  <a:gs pos="78000">
+                    <a:schemeClr val="accent6">
+                      <a:tint val="90000"/>
+                      <a:shade val="89000"/>
+                      <a:satMod val="220000"/>
+                    </a:schemeClr>
+                  </a:gs>
+                  <a:gs pos="100000">
+                    <a:schemeClr val="accent6">
+                      <a:tint val="12000"/>
+                      <a:satMod val="255000"/>
+                    </a:schemeClr>
+                  </a:gs>
+                </a:gsLst>
+                <a:lin ang="5400000"/>
+              </a:gradFill>
+              <a:effectLst>
+                <a:innerShdw blurRad="69850" dist="43180" dir="5400000">
+                  <a:srgbClr val="000000">
+                    <a:alpha val="65000"/>
+                  </a:srgbClr>
+                </a:innerShdw>
+              </a:effectLst>
+            </a:endParaRPr>
+          </a:p>
+        </p:txBody>
+      </p:sp>
     </p:spTree>
   </p:cSld>
   <p:clrMapOvr>
     <a:masterClrMapping/>
   </p:clrMapOvr>
   <mc:AlternateContent xmlns:mc="http://schemas.openxmlformats.org/markup-compatibility/2006">
-    <mc:Choice xmlns:p14="http://schemas.microsoft.com/office/powerpoint/2010/main" xmlns="" Requires="p14">
+    <mc:Choice xmlns="" xmlns:p14="http://schemas.microsoft.com/office/powerpoint/2010/main" Requires="p14">
       <p:transition spd="med" p14:dur="700">
         <p:fade/>
       </p:transition>
@@ -8996,12 +9322,16 @@
           <a:lstStyle/>
           <a:p>
             <a:r>
-              <a:rPr lang="en-US" altLang="zh-CN" dirty="0" smtClean="0"/>
+              <a:rPr lang="en-US" altLang="zh-CN" dirty="0" err="1" smtClean="0"/>
               <a:t>Git</a:t>
             </a:r>
             <a:r>
               <a:rPr lang="zh-CN" altLang="en-US" dirty="0" smtClean="0"/>
-              <a:t>常用操作</a:t>
+              <a:t>基本</a:t>
+            </a:r>
+            <a:r>
+              <a:rPr lang="zh-CN" altLang="en-US" dirty="0" smtClean="0"/>
+              <a:t>操作</a:t>
             </a:r>
             <a:endParaRPr lang="zh-CN" altLang="en-US" dirty="0"/>
           </a:p>
@@ -9322,13 +9652,110 @@
           </a:p>
         </p:txBody>
       </p:sp>
+      <p:sp>
+        <p:nvSpPr>
+          <p:cNvPr id="7" name="矩形 6"/>
+          <p:cNvSpPr/>
+          <p:nvPr/>
+        </p:nvSpPr>
+        <p:spPr>
+          <a:xfrm>
+            <a:off x="10935600" y="5934670"/>
+            <a:ext cx="911403" cy="923330"/>
+          </a:xfrm>
+          <a:prstGeom prst="rect">
+            <a:avLst/>
+          </a:prstGeom>
+          <a:noFill/>
+        </p:spPr>
+        <p:txBody>
+          <a:bodyPr wrap="none" lIns="91440" tIns="45720" rIns="91440" bIns="45720">
+            <a:spAutoFit/>
+          </a:bodyPr>
+          <a:lstStyle/>
+          <a:p>
+            <a:pPr algn="ctr"/>
+            <a:r>
+              <a:rPr lang="en-US" altLang="zh-CN" sz="5400" b="1" cap="none" spc="0" dirty="0" smtClean="0">
+                <a:ln w="1905"/>
+                <a:gradFill>
+                  <a:gsLst>
+                    <a:gs pos="0">
+                      <a:schemeClr val="accent6">
+                        <a:shade val="20000"/>
+                        <a:satMod val="200000"/>
+                      </a:schemeClr>
+                    </a:gs>
+                    <a:gs pos="78000">
+                      <a:schemeClr val="accent6">
+                        <a:tint val="90000"/>
+                        <a:shade val="89000"/>
+                        <a:satMod val="220000"/>
+                      </a:schemeClr>
+                    </a:gs>
+                    <a:gs pos="100000">
+                      <a:schemeClr val="accent6">
+                        <a:tint val="12000"/>
+                        <a:satMod val="255000"/>
+                      </a:schemeClr>
+                    </a:gs>
+                  </a:gsLst>
+                  <a:lin ang="5400000"/>
+                </a:gradFill>
+                <a:effectLst>
+                  <a:innerShdw blurRad="69850" dist="43180" dir="5400000">
+                    <a:srgbClr val="000000">
+                      <a:alpha val="65000"/>
+                    </a:srgbClr>
+                  </a:innerShdw>
+                </a:effectLst>
+              </a:rPr>
+              <a:t>11</a:t>
+            </a:r>
+            <a:endParaRPr lang="zh-CN" altLang="en-US" sz="5400" b="1" cap="none" spc="0" dirty="0">
+              <a:ln w="1905"/>
+              <a:gradFill>
+                <a:gsLst>
+                  <a:gs pos="0">
+                    <a:schemeClr val="accent6">
+                      <a:shade val="20000"/>
+                      <a:satMod val="200000"/>
+                    </a:schemeClr>
+                  </a:gs>
+                  <a:gs pos="78000">
+                    <a:schemeClr val="accent6">
+                      <a:tint val="90000"/>
+                      <a:shade val="89000"/>
+                      <a:satMod val="220000"/>
+                    </a:schemeClr>
+                  </a:gs>
+                  <a:gs pos="100000">
+                    <a:schemeClr val="accent6">
+                      <a:tint val="12000"/>
+                      <a:satMod val="255000"/>
+                    </a:schemeClr>
+                  </a:gs>
+                </a:gsLst>
+                <a:lin ang="5400000"/>
+              </a:gradFill>
+              <a:effectLst>
+                <a:innerShdw blurRad="69850" dist="43180" dir="5400000">
+                  <a:srgbClr val="000000">
+                    <a:alpha val="65000"/>
+                  </a:srgbClr>
+                </a:innerShdw>
+              </a:effectLst>
+            </a:endParaRPr>
+          </a:p>
+        </p:txBody>
+      </p:sp>
     </p:spTree>
   </p:cSld>
   <p:clrMapOvr>
     <a:masterClrMapping/>
   </p:clrMapOvr>
   <mc:AlternateContent xmlns:mc="http://schemas.openxmlformats.org/markup-compatibility/2006">
-    <mc:Choice xmlns:p14="http://schemas.microsoft.com/office/powerpoint/2010/main" xmlns="" Requires="p14">
+    <mc:Choice xmlns="" xmlns:p14="http://schemas.microsoft.com/office/powerpoint/2010/main" Requires="p14">
       <p:transition spd="med" p14:dur="700">
         <p:fade/>
       </p:transition>
@@ -9793,13 +10220,204 @@
           </a:p>
         </p:txBody>
       </p:sp>
+      <p:sp>
+        <p:nvSpPr>
+          <p:cNvPr id="8" name="矩形 7"/>
+          <p:cNvSpPr/>
+          <p:nvPr/>
+        </p:nvSpPr>
+        <p:spPr>
+          <a:xfrm>
+            <a:off x="10919185" y="5934670"/>
+            <a:ext cx="944233" cy="923330"/>
+          </a:xfrm>
+          <a:prstGeom prst="rect">
+            <a:avLst/>
+          </a:prstGeom>
+          <a:noFill/>
+        </p:spPr>
+        <p:txBody>
+          <a:bodyPr wrap="none" lIns="91440" tIns="45720" rIns="91440" bIns="45720">
+            <a:spAutoFit/>
+          </a:bodyPr>
+          <a:lstStyle>
+            <a:defPPr>
+              <a:defRPr lang="en-US"/>
+            </a:defPPr>
+            <a:lvl1pPr marL="0" algn="l" defTabSz="914400" rtl="0" eaLnBrk="1" latinLnBrk="0" hangingPunct="1">
+              <a:defRPr sz="1800" kern="1200">
+                <a:solidFill>
+                  <a:schemeClr val="tx1"/>
+                </a:solidFill>
+                <a:latin typeface="+mn-lt"/>
+                <a:ea typeface="+mn-ea"/>
+                <a:cs typeface="+mn-cs"/>
+              </a:defRPr>
+            </a:lvl1pPr>
+            <a:lvl2pPr marL="457200" algn="l" defTabSz="914400" rtl="0" eaLnBrk="1" latinLnBrk="0" hangingPunct="1">
+              <a:defRPr sz="1800" kern="1200">
+                <a:solidFill>
+                  <a:schemeClr val="tx1"/>
+                </a:solidFill>
+                <a:latin typeface="+mn-lt"/>
+                <a:ea typeface="+mn-ea"/>
+                <a:cs typeface="+mn-cs"/>
+              </a:defRPr>
+            </a:lvl2pPr>
+            <a:lvl3pPr marL="914400" algn="l" defTabSz="914400" rtl="0" eaLnBrk="1" latinLnBrk="0" hangingPunct="1">
+              <a:defRPr sz="1800" kern="1200">
+                <a:solidFill>
+                  <a:schemeClr val="tx1"/>
+                </a:solidFill>
+                <a:latin typeface="+mn-lt"/>
+                <a:ea typeface="+mn-ea"/>
+                <a:cs typeface="+mn-cs"/>
+              </a:defRPr>
+            </a:lvl3pPr>
+            <a:lvl4pPr marL="1371600" algn="l" defTabSz="914400" rtl="0" eaLnBrk="1" latinLnBrk="0" hangingPunct="1">
+              <a:defRPr sz="1800" kern="1200">
+                <a:solidFill>
+                  <a:schemeClr val="tx1"/>
+                </a:solidFill>
+                <a:latin typeface="+mn-lt"/>
+                <a:ea typeface="+mn-ea"/>
+                <a:cs typeface="+mn-cs"/>
+              </a:defRPr>
+            </a:lvl4pPr>
+            <a:lvl5pPr marL="1828800" algn="l" defTabSz="914400" rtl="0" eaLnBrk="1" latinLnBrk="0" hangingPunct="1">
+              <a:defRPr sz="1800" kern="1200">
+                <a:solidFill>
+                  <a:schemeClr val="tx1"/>
+                </a:solidFill>
+                <a:latin typeface="+mn-lt"/>
+                <a:ea typeface="+mn-ea"/>
+                <a:cs typeface="+mn-cs"/>
+              </a:defRPr>
+            </a:lvl5pPr>
+            <a:lvl6pPr marL="2286000" algn="l" defTabSz="914400" rtl="0" eaLnBrk="1" latinLnBrk="0" hangingPunct="1">
+              <a:defRPr sz="1800" kern="1200">
+                <a:solidFill>
+                  <a:schemeClr val="tx1"/>
+                </a:solidFill>
+                <a:latin typeface="+mn-lt"/>
+                <a:ea typeface="+mn-ea"/>
+                <a:cs typeface="+mn-cs"/>
+              </a:defRPr>
+            </a:lvl6pPr>
+            <a:lvl7pPr marL="2743200" algn="l" defTabSz="914400" rtl="0" eaLnBrk="1" latinLnBrk="0" hangingPunct="1">
+              <a:defRPr sz="1800" kern="1200">
+                <a:solidFill>
+                  <a:schemeClr val="tx1"/>
+                </a:solidFill>
+                <a:latin typeface="+mn-lt"/>
+                <a:ea typeface="+mn-ea"/>
+                <a:cs typeface="+mn-cs"/>
+              </a:defRPr>
+            </a:lvl7pPr>
+            <a:lvl8pPr marL="3200400" algn="l" defTabSz="914400" rtl="0" eaLnBrk="1" latinLnBrk="0" hangingPunct="1">
+              <a:defRPr sz="1800" kern="1200">
+                <a:solidFill>
+                  <a:schemeClr val="tx1"/>
+                </a:solidFill>
+                <a:latin typeface="+mn-lt"/>
+                <a:ea typeface="+mn-ea"/>
+                <a:cs typeface="+mn-cs"/>
+              </a:defRPr>
+            </a:lvl8pPr>
+            <a:lvl9pPr marL="3657600" algn="l" defTabSz="914400" rtl="0" eaLnBrk="1" latinLnBrk="0" hangingPunct="1">
+              <a:defRPr sz="1800" kern="1200">
+                <a:solidFill>
+                  <a:schemeClr val="tx1"/>
+                </a:solidFill>
+                <a:latin typeface="+mn-lt"/>
+                <a:ea typeface="+mn-ea"/>
+                <a:cs typeface="+mn-cs"/>
+              </a:defRPr>
+            </a:lvl9pPr>
+          </a:lstStyle>
+          <a:p>
+            <a:pPr algn="ctr"/>
+            <a:r>
+              <a:rPr lang="en-US" altLang="zh-CN" sz="5400" b="1" cap="none" spc="0" dirty="0" smtClean="0">
+                <a:ln w="1905"/>
+                <a:gradFill>
+                  <a:gsLst>
+                    <a:gs pos="0">
+                      <a:schemeClr val="accent6">
+                        <a:shade val="20000"/>
+                        <a:satMod val="200000"/>
+                      </a:schemeClr>
+                    </a:gs>
+                    <a:gs pos="78000">
+                      <a:schemeClr val="accent6">
+                        <a:tint val="90000"/>
+                        <a:shade val="89000"/>
+                        <a:satMod val="220000"/>
+                      </a:schemeClr>
+                    </a:gs>
+                    <a:gs pos="100000">
+                      <a:schemeClr val="accent6">
+                        <a:tint val="12000"/>
+                        <a:satMod val="255000"/>
+                      </a:schemeClr>
+                    </a:gs>
+                  </a:gsLst>
+                  <a:lin ang="5400000"/>
+                </a:gradFill>
+                <a:effectLst>
+                  <a:innerShdw blurRad="69850" dist="43180" dir="5400000">
+                    <a:srgbClr val="000000">
+                      <a:alpha val="65000"/>
+                    </a:srgbClr>
+                  </a:innerShdw>
+                </a:effectLst>
+              </a:rPr>
+              <a:t>12</a:t>
+            </a:r>
+            <a:endParaRPr lang="zh-CN" altLang="en-US" sz="5400" b="1" cap="none" spc="0" dirty="0">
+              <a:ln w="1905"/>
+              <a:gradFill>
+                <a:gsLst>
+                  <a:gs pos="0">
+                    <a:schemeClr val="accent6">
+                      <a:shade val="20000"/>
+                      <a:satMod val="200000"/>
+                    </a:schemeClr>
+                  </a:gs>
+                  <a:gs pos="78000">
+                    <a:schemeClr val="accent6">
+                      <a:tint val="90000"/>
+                      <a:shade val="89000"/>
+                      <a:satMod val="220000"/>
+                    </a:schemeClr>
+                  </a:gs>
+                  <a:gs pos="100000">
+                    <a:schemeClr val="accent6">
+                      <a:tint val="12000"/>
+                      <a:satMod val="255000"/>
+                    </a:schemeClr>
+                  </a:gs>
+                </a:gsLst>
+                <a:lin ang="5400000"/>
+              </a:gradFill>
+              <a:effectLst>
+                <a:innerShdw blurRad="69850" dist="43180" dir="5400000">
+                  <a:srgbClr val="000000">
+                    <a:alpha val="65000"/>
+                  </a:srgbClr>
+                </a:innerShdw>
+              </a:effectLst>
+            </a:endParaRPr>
+          </a:p>
+        </p:txBody>
+      </p:sp>
     </p:spTree>
   </p:cSld>
   <p:clrMapOvr>
     <a:masterClrMapping/>
   </p:clrMapOvr>
   <mc:AlternateContent xmlns:mc="http://schemas.openxmlformats.org/markup-compatibility/2006">
-    <mc:Choice xmlns:p14="http://schemas.microsoft.com/office/powerpoint/2010/main" xmlns="" Requires="p14">
+    <mc:Choice xmlns="" xmlns:p14="http://schemas.microsoft.com/office/powerpoint/2010/main" Requires="p14">
       <p:transition spd="med" p14:dur="700">
         <p:fade/>
       </p:transition>
@@ -10834,13 +11452,204 @@
           </a:fontRef>
         </p:style>
       </p:cxnSp>
+      <p:sp>
+        <p:nvSpPr>
+          <p:cNvPr id="27" name="矩形 26"/>
+          <p:cNvSpPr/>
+          <p:nvPr/>
+        </p:nvSpPr>
+        <p:spPr>
+          <a:xfrm>
+            <a:off x="10919185" y="5934670"/>
+            <a:ext cx="944233" cy="923330"/>
+          </a:xfrm>
+          <a:prstGeom prst="rect">
+            <a:avLst/>
+          </a:prstGeom>
+          <a:noFill/>
+        </p:spPr>
+        <p:txBody>
+          <a:bodyPr wrap="none" lIns="91440" tIns="45720" rIns="91440" bIns="45720">
+            <a:spAutoFit/>
+          </a:bodyPr>
+          <a:lstStyle>
+            <a:defPPr>
+              <a:defRPr lang="en-US"/>
+            </a:defPPr>
+            <a:lvl1pPr marL="0" algn="l" defTabSz="914400" rtl="0" eaLnBrk="1" latinLnBrk="0" hangingPunct="1">
+              <a:defRPr sz="1800" kern="1200">
+                <a:solidFill>
+                  <a:schemeClr val="tx1"/>
+                </a:solidFill>
+                <a:latin typeface="+mn-lt"/>
+                <a:ea typeface="+mn-ea"/>
+                <a:cs typeface="+mn-cs"/>
+              </a:defRPr>
+            </a:lvl1pPr>
+            <a:lvl2pPr marL="457200" algn="l" defTabSz="914400" rtl="0" eaLnBrk="1" latinLnBrk="0" hangingPunct="1">
+              <a:defRPr sz="1800" kern="1200">
+                <a:solidFill>
+                  <a:schemeClr val="tx1"/>
+                </a:solidFill>
+                <a:latin typeface="+mn-lt"/>
+                <a:ea typeface="+mn-ea"/>
+                <a:cs typeface="+mn-cs"/>
+              </a:defRPr>
+            </a:lvl2pPr>
+            <a:lvl3pPr marL="914400" algn="l" defTabSz="914400" rtl="0" eaLnBrk="1" latinLnBrk="0" hangingPunct="1">
+              <a:defRPr sz="1800" kern="1200">
+                <a:solidFill>
+                  <a:schemeClr val="tx1"/>
+                </a:solidFill>
+                <a:latin typeface="+mn-lt"/>
+                <a:ea typeface="+mn-ea"/>
+                <a:cs typeface="+mn-cs"/>
+              </a:defRPr>
+            </a:lvl3pPr>
+            <a:lvl4pPr marL="1371600" algn="l" defTabSz="914400" rtl="0" eaLnBrk="1" latinLnBrk="0" hangingPunct="1">
+              <a:defRPr sz="1800" kern="1200">
+                <a:solidFill>
+                  <a:schemeClr val="tx1"/>
+                </a:solidFill>
+                <a:latin typeface="+mn-lt"/>
+                <a:ea typeface="+mn-ea"/>
+                <a:cs typeface="+mn-cs"/>
+              </a:defRPr>
+            </a:lvl4pPr>
+            <a:lvl5pPr marL="1828800" algn="l" defTabSz="914400" rtl="0" eaLnBrk="1" latinLnBrk="0" hangingPunct="1">
+              <a:defRPr sz="1800" kern="1200">
+                <a:solidFill>
+                  <a:schemeClr val="tx1"/>
+                </a:solidFill>
+                <a:latin typeface="+mn-lt"/>
+                <a:ea typeface="+mn-ea"/>
+                <a:cs typeface="+mn-cs"/>
+              </a:defRPr>
+            </a:lvl5pPr>
+            <a:lvl6pPr marL="2286000" algn="l" defTabSz="914400" rtl="0" eaLnBrk="1" latinLnBrk="0" hangingPunct="1">
+              <a:defRPr sz="1800" kern="1200">
+                <a:solidFill>
+                  <a:schemeClr val="tx1"/>
+                </a:solidFill>
+                <a:latin typeface="+mn-lt"/>
+                <a:ea typeface="+mn-ea"/>
+                <a:cs typeface="+mn-cs"/>
+              </a:defRPr>
+            </a:lvl6pPr>
+            <a:lvl7pPr marL="2743200" algn="l" defTabSz="914400" rtl="0" eaLnBrk="1" latinLnBrk="0" hangingPunct="1">
+              <a:defRPr sz="1800" kern="1200">
+                <a:solidFill>
+                  <a:schemeClr val="tx1"/>
+                </a:solidFill>
+                <a:latin typeface="+mn-lt"/>
+                <a:ea typeface="+mn-ea"/>
+                <a:cs typeface="+mn-cs"/>
+              </a:defRPr>
+            </a:lvl7pPr>
+            <a:lvl8pPr marL="3200400" algn="l" defTabSz="914400" rtl="0" eaLnBrk="1" latinLnBrk="0" hangingPunct="1">
+              <a:defRPr sz="1800" kern="1200">
+                <a:solidFill>
+                  <a:schemeClr val="tx1"/>
+                </a:solidFill>
+                <a:latin typeface="+mn-lt"/>
+                <a:ea typeface="+mn-ea"/>
+                <a:cs typeface="+mn-cs"/>
+              </a:defRPr>
+            </a:lvl8pPr>
+            <a:lvl9pPr marL="3657600" algn="l" defTabSz="914400" rtl="0" eaLnBrk="1" latinLnBrk="0" hangingPunct="1">
+              <a:defRPr sz="1800" kern="1200">
+                <a:solidFill>
+                  <a:schemeClr val="tx1"/>
+                </a:solidFill>
+                <a:latin typeface="+mn-lt"/>
+                <a:ea typeface="+mn-ea"/>
+                <a:cs typeface="+mn-cs"/>
+              </a:defRPr>
+            </a:lvl9pPr>
+          </a:lstStyle>
+          <a:p>
+            <a:pPr algn="ctr"/>
+            <a:r>
+              <a:rPr lang="en-US" altLang="zh-CN" sz="5400" b="1" cap="none" spc="0" dirty="0" smtClean="0">
+                <a:ln w="1905"/>
+                <a:gradFill>
+                  <a:gsLst>
+                    <a:gs pos="0">
+                      <a:schemeClr val="accent6">
+                        <a:shade val="20000"/>
+                        <a:satMod val="200000"/>
+                      </a:schemeClr>
+                    </a:gs>
+                    <a:gs pos="78000">
+                      <a:schemeClr val="accent6">
+                        <a:tint val="90000"/>
+                        <a:shade val="89000"/>
+                        <a:satMod val="220000"/>
+                      </a:schemeClr>
+                    </a:gs>
+                    <a:gs pos="100000">
+                      <a:schemeClr val="accent6">
+                        <a:tint val="12000"/>
+                        <a:satMod val="255000"/>
+                      </a:schemeClr>
+                    </a:gs>
+                  </a:gsLst>
+                  <a:lin ang="5400000"/>
+                </a:gradFill>
+                <a:effectLst>
+                  <a:innerShdw blurRad="69850" dist="43180" dir="5400000">
+                    <a:srgbClr val="000000">
+                      <a:alpha val="65000"/>
+                    </a:srgbClr>
+                  </a:innerShdw>
+                </a:effectLst>
+              </a:rPr>
+              <a:t>13</a:t>
+            </a:r>
+            <a:endParaRPr lang="zh-CN" altLang="en-US" sz="5400" b="1" cap="none" spc="0" dirty="0">
+              <a:ln w="1905"/>
+              <a:gradFill>
+                <a:gsLst>
+                  <a:gs pos="0">
+                    <a:schemeClr val="accent6">
+                      <a:shade val="20000"/>
+                      <a:satMod val="200000"/>
+                    </a:schemeClr>
+                  </a:gs>
+                  <a:gs pos="78000">
+                    <a:schemeClr val="accent6">
+                      <a:tint val="90000"/>
+                      <a:shade val="89000"/>
+                      <a:satMod val="220000"/>
+                    </a:schemeClr>
+                  </a:gs>
+                  <a:gs pos="100000">
+                    <a:schemeClr val="accent6">
+                      <a:tint val="12000"/>
+                      <a:satMod val="255000"/>
+                    </a:schemeClr>
+                  </a:gs>
+                </a:gsLst>
+                <a:lin ang="5400000"/>
+              </a:gradFill>
+              <a:effectLst>
+                <a:innerShdw blurRad="69850" dist="43180" dir="5400000">
+                  <a:srgbClr val="000000">
+                    <a:alpha val="65000"/>
+                  </a:srgbClr>
+                </a:innerShdw>
+              </a:effectLst>
+            </a:endParaRPr>
+          </a:p>
+        </p:txBody>
+      </p:sp>
     </p:spTree>
   </p:cSld>
   <p:clrMapOvr>
     <a:masterClrMapping/>
   </p:clrMapOvr>
   <mc:AlternateContent xmlns:mc="http://schemas.openxmlformats.org/markup-compatibility/2006">
-    <mc:Choice xmlns:p14="http://schemas.microsoft.com/office/powerpoint/2010/main" xmlns="" Requires="p14">
+    <mc:Choice xmlns="" xmlns:p14="http://schemas.microsoft.com/office/powerpoint/2010/main" Requires="p14">
       <p:transition spd="med" p14:dur="700">
         <p:fade/>
       </p:transition>
@@ -11054,13 +11863,204 @@
           </a:ln>
         </p:spPr>
       </p:pic>
+      <p:sp>
+        <p:nvSpPr>
+          <p:cNvPr id="7" name="矩形 6"/>
+          <p:cNvSpPr/>
+          <p:nvPr/>
+        </p:nvSpPr>
+        <p:spPr>
+          <a:xfrm>
+            <a:off x="10931368" y="5934670"/>
+            <a:ext cx="919867" cy="923330"/>
+          </a:xfrm>
+          <a:prstGeom prst="rect">
+            <a:avLst/>
+          </a:prstGeom>
+          <a:noFill/>
+        </p:spPr>
+        <p:txBody>
+          <a:bodyPr wrap="none" lIns="91440" tIns="45720" rIns="91440" bIns="45720">
+            <a:spAutoFit/>
+          </a:bodyPr>
+          <a:lstStyle>
+            <a:defPPr>
+              <a:defRPr lang="en-US"/>
+            </a:defPPr>
+            <a:lvl1pPr marL="0" algn="l" defTabSz="914400" rtl="0" eaLnBrk="1" latinLnBrk="0" hangingPunct="1">
+              <a:defRPr sz="1800" kern="1200">
+                <a:solidFill>
+                  <a:schemeClr val="tx1"/>
+                </a:solidFill>
+                <a:latin typeface="+mn-lt"/>
+                <a:ea typeface="+mn-ea"/>
+                <a:cs typeface="+mn-cs"/>
+              </a:defRPr>
+            </a:lvl1pPr>
+            <a:lvl2pPr marL="457200" algn="l" defTabSz="914400" rtl="0" eaLnBrk="1" latinLnBrk="0" hangingPunct="1">
+              <a:defRPr sz="1800" kern="1200">
+                <a:solidFill>
+                  <a:schemeClr val="tx1"/>
+                </a:solidFill>
+                <a:latin typeface="+mn-lt"/>
+                <a:ea typeface="+mn-ea"/>
+                <a:cs typeface="+mn-cs"/>
+              </a:defRPr>
+            </a:lvl2pPr>
+            <a:lvl3pPr marL="914400" algn="l" defTabSz="914400" rtl="0" eaLnBrk="1" latinLnBrk="0" hangingPunct="1">
+              <a:defRPr sz="1800" kern="1200">
+                <a:solidFill>
+                  <a:schemeClr val="tx1"/>
+                </a:solidFill>
+                <a:latin typeface="+mn-lt"/>
+                <a:ea typeface="+mn-ea"/>
+                <a:cs typeface="+mn-cs"/>
+              </a:defRPr>
+            </a:lvl3pPr>
+            <a:lvl4pPr marL="1371600" algn="l" defTabSz="914400" rtl="0" eaLnBrk="1" latinLnBrk="0" hangingPunct="1">
+              <a:defRPr sz="1800" kern="1200">
+                <a:solidFill>
+                  <a:schemeClr val="tx1"/>
+                </a:solidFill>
+                <a:latin typeface="+mn-lt"/>
+                <a:ea typeface="+mn-ea"/>
+                <a:cs typeface="+mn-cs"/>
+              </a:defRPr>
+            </a:lvl4pPr>
+            <a:lvl5pPr marL="1828800" algn="l" defTabSz="914400" rtl="0" eaLnBrk="1" latinLnBrk="0" hangingPunct="1">
+              <a:defRPr sz="1800" kern="1200">
+                <a:solidFill>
+                  <a:schemeClr val="tx1"/>
+                </a:solidFill>
+                <a:latin typeface="+mn-lt"/>
+                <a:ea typeface="+mn-ea"/>
+                <a:cs typeface="+mn-cs"/>
+              </a:defRPr>
+            </a:lvl5pPr>
+            <a:lvl6pPr marL="2286000" algn="l" defTabSz="914400" rtl="0" eaLnBrk="1" latinLnBrk="0" hangingPunct="1">
+              <a:defRPr sz="1800" kern="1200">
+                <a:solidFill>
+                  <a:schemeClr val="tx1"/>
+                </a:solidFill>
+                <a:latin typeface="+mn-lt"/>
+                <a:ea typeface="+mn-ea"/>
+                <a:cs typeface="+mn-cs"/>
+              </a:defRPr>
+            </a:lvl6pPr>
+            <a:lvl7pPr marL="2743200" algn="l" defTabSz="914400" rtl="0" eaLnBrk="1" latinLnBrk="0" hangingPunct="1">
+              <a:defRPr sz="1800" kern="1200">
+                <a:solidFill>
+                  <a:schemeClr val="tx1"/>
+                </a:solidFill>
+                <a:latin typeface="+mn-lt"/>
+                <a:ea typeface="+mn-ea"/>
+                <a:cs typeface="+mn-cs"/>
+              </a:defRPr>
+            </a:lvl7pPr>
+            <a:lvl8pPr marL="3200400" algn="l" defTabSz="914400" rtl="0" eaLnBrk="1" latinLnBrk="0" hangingPunct="1">
+              <a:defRPr sz="1800" kern="1200">
+                <a:solidFill>
+                  <a:schemeClr val="tx1"/>
+                </a:solidFill>
+                <a:latin typeface="+mn-lt"/>
+                <a:ea typeface="+mn-ea"/>
+                <a:cs typeface="+mn-cs"/>
+              </a:defRPr>
+            </a:lvl8pPr>
+            <a:lvl9pPr marL="3657600" algn="l" defTabSz="914400" rtl="0" eaLnBrk="1" latinLnBrk="0" hangingPunct="1">
+              <a:defRPr sz="1800" kern="1200">
+                <a:solidFill>
+                  <a:schemeClr val="tx1"/>
+                </a:solidFill>
+                <a:latin typeface="+mn-lt"/>
+                <a:ea typeface="+mn-ea"/>
+                <a:cs typeface="+mn-cs"/>
+              </a:defRPr>
+            </a:lvl9pPr>
+          </a:lstStyle>
+          <a:p>
+            <a:pPr algn="ctr"/>
+            <a:r>
+              <a:rPr lang="en-US" altLang="zh-CN" sz="5400" b="1" cap="none" spc="0" dirty="0" smtClean="0">
+                <a:ln w="1905"/>
+                <a:gradFill>
+                  <a:gsLst>
+                    <a:gs pos="0">
+                      <a:schemeClr val="accent6">
+                        <a:shade val="20000"/>
+                        <a:satMod val="200000"/>
+                      </a:schemeClr>
+                    </a:gs>
+                    <a:gs pos="78000">
+                      <a:schemeClr val="accent6">
+                        <a:tint val="90000"/>
+                        <a:shade val="89000"/>
+                        <a:satMod val="220000"/>
+                      </a:schemeClr>
+                    </a:gs>
+                    <a:gs pos="100000">
+                      <a:schemeClr val="accent6">
+                        <a:tint val="12000"/>
+                        <a:satMod val="255000"/>
+                      </a:schemeClr>
+                    </a:gs>
+                  </a:gsLst>
+                  <a:lin ang="5400000"/>
+                </a:gradFill>
+                <a:effectLst>
+                  <a:innerShdw blurRad="69850" dist="43180" dir="5400000">
+                    <a:srgbClr val="000000">
+                      <a:alpha val="65000"/>
+                    </a:srgbClr>
+                  </a:innerShdw>
+                </a:effectLst>
+              </a:rPr>
+              <a:t>14</a:t>
+            </a:r>
+            <a:endParaRPr lang="zh-CN" altLang="en-US" sz="5400" b="1" cap="none" spc="0" dirty="0">
+              <a:ln w="1905"/>
+              <a:gradFill>
+                <a:gsLst>
+                  <a:gs pos="0">
+                    <a:schemeClr val="accent6">
+                      <a:shade val="20000"/>
+                      <a:satMod val="200000"/>
+                    </a:schemeClr>
+                  </a:gs>
+                  <a:gs pos="78000">
+                    <a:schemeClr val="accent6">
+                      <a:tint val="90000"/>
+                      <a:shade val="89000"/>
+                      <a:satMod val="220000"/>
+                    </a:schemeClr>
+                  </a:gs>
+                  <a:gs pos="100000">
+                    <a:schemeClr val="accent6">
+                      <a:tint val="12000"/>
+                      <a:satMod val="255000"/>
+                    </a:schemeClr>
+                  </a:gs>
+                </a:gsLst>
+                <a:lin ang="5400000"/>
+              </a:gradFill>
+              <a:effectLst>
+                <a:innerShdw blurRad="69850" dist="43180" dir="5400000">
+                  <a:srgbClr val="000000">
+                    <a:alpha val="65000"/>
+                  </a:srgbClr>
+                </a:innerShdw>
+              </a:effectLst>
+            </a:endParaRPr>
+          </a:p>
+        </p:txBody>
+      </p:sp>
     </p:spTree>
   </p:cSld>
   <p:clrMapOvr>
     <a:masterClrMapping/>
   </p:clrMapOvr>
   <mc:AlternateContent xmlns:mc="http://schemas.openxmlformats.org/markup-compatibility/2006">
-    <mc:Choice xmlns:p14="http://schemas.microsoft.com/office/powerpoint/2010/main" xmlns="" Requires="p14">
+    <mc:Choice xmlns="" xmlns:p14="http://schemas.microsoft.com/office/powerpoint/2010/main" Requires="p14">
       <p:transition spd="med" p14:dur="700">
         <p:fade/>
       </p:transition>
@@ -11396,7 +12396,7 @@
         </p:blipFill>
         <p:spPr bwMode="auto">
           <a:xfrm>
-            <a:off x="7923212" y="4419600"/>
+            <a:off x="7237412" y="4419600"/>
             <a:ext cx="3581400" cy="1981200"/>
           </a:xfrm>
           <a:prstGeom prst="rect">
@@ -11411,13 +12411,204 @@
           </a:ln>
         </p:spPr>
       </p:pic>
+      <p:sp>
+        <p:nvSpPr>
+          <p:cNvPr id="9" name="矩形 8"/>
+          <p:cNvSpPr/>
+          <p:nvPr/>
+        </p:nvSpPr>
+        <p:spPr>
+          <a:xfrm>
+            <a:off x="10931368" y="5934670"/>
+            <a:ext cx="919867" cy="923330"/>
+          </a:xfrm>
+          <a:prstGeom prst="rect">
+            <a:avLst/>
+          </a:prstGeom>
+          <a:noFill/>
+        </p:spPr>
+        <p:txBody>
+          <a:bodyPr wrap="none" lIns="91440" tIns="45720" rIns="91440" bIns="45720">
+            <a:spAutoFit/>
+          </a:bodyPr>
+          <a:lstStyle>
+            <a:defPPr>
+              <a:defRPr lang="en-US"/>
+            </a:defPPr>
+            <a:lvl1pPr marL="0" algn="l" defTabSz="914400" rtl="0" eaLnBrk="1" latinLnBrk="0" hangingPunct="1">
+              <a:defRPr sz="1800" kern="1200">
+                <a:solidFill>
+                  <a:schemeClr val="tx1"/>
+                </a:solidFill>
+                <a:latin typeface="+mn-lt"/>
+                <a:ea typeface="+mn-ea"/>
+                <a:cs typeface="+mn-cs"/>
+              </a:defRPr>
+            </a:lvl1pPr>
+            <a:lvl2pPr marL="457200" algn="l" defTabSz="914400" rtl="0" eaLnBrk="1" latinLnBrk="0" hangingPunct="1">
+              <a:defRPr sz="1800" kern="1200">
+                <a:solidFill>
+                  <a:schemeClr val="tx1"/>
+                </a:solidFill>
+                <a:latin typeface="+mn-lt"/>
+                <a:ea typeface="+mn-ea"/>
+                <a:cs typeface="+mn-cs"/>
+              </a:defRPr>
+            </a:lvl2pPr>
+            <a:lvl3pPr marL="914400" algn="l" defTabSz="914400" rtl="0" eaLnBrk="1" latinLnBrk="0" hangingPunct="1">
+              <a:defRPr sz="1800" kern="1200">
+                <a:solidFill>
+                  <a:schemeClr val="tx1"/>
+                </a:solidFill>
+                <a:latin typeface="+mn-lt"/>
+                <a:ea typeface="+mn-ea"/>
+                <a:cs typeface="+mn-cs"/>
+              </a:defRPr>
+            </a:lvl3pPr>
+            <a:lvl4pPr marL="1371600" algn="l" defTabSz="914400" rtl="0" eaLnBrk="1" latinLnBrk="0" hangingPunct="1">
+              <a:defRPr sz="1800" kern="1200">
+                <a:solidFill>
+                  <a:schemeClr val="tx1"/>
+                </a:solidFill>
+                <a:latin typeface="+mn-lt"/>
+                <a:ea typeface="+mn-ea"/>
+                <a:cs typeface="+mn-cs"/>
+              </a:defRPr>
+            </a:lvl4pPr>
+            <a:lvl5pPr marL="1828800" algn="l" defTabSz="914400" rtl="0" eaLnBrk="1" latinLnBrk="0" hangingPunct="1">
+              <a:defRPr sz="1800" kern="1200">
+                <a:solidFill>
+                  <a:schemeClr val="tx1"/>
+                </a:solidFill>
+                <a:latin typeface="+mn-lt"/>
+                <a:ea typeface="+mn-ea"/>
+                <a:cs typeface="+mn-cs"/>
+              </a:defRPr>
+            </a:lvl5pPr>
+            <a:lvl6pPr marL="2286000" algn="l" defTabSz="914400" rtl="0" eaLnBrk="1" latinLnBrk="0" hangingPunct="1">
+              <a:defRPr sz="1800" kern="1200">
+                <a:solidFill>
+                  <a:schemeClr val="tx1"/>
+                </a:solidFill>
+                <a:latin typeface="+mn-lt"/>
+                <a:ea typeface="+mn-ea"/>
+                <a:cs typeface="+mn-cs"/>
+              </a:defRPr>
+            </a:lvl6pPr>
+            <a:lvl7pPr marL="2743200" algn="l" defTabSz="914400" rtl="0" eaLnBrk="1" latinLnBrk="0" hangingPunct="1">
+              <a:defRPr sz="1800" kern="1200">
+                <a:solidFill>
+                  <a:schemeClr val="tx1"/>
+                </a:solidFill>
+                <a:latin typeface="+mn-lt"/>
+                <a:ea typeface="+mn-ea"/>
+                <a:cs typeface="+mn-cs"/>
+              </a:defRPr>
+            </a:lvl7pPr>
+            <a:lvl8pPr marL="3200400" algn="l" defTabSz="914400" rtl="0" eaLnBrk="1" latinLnBrk="0" hangingPunct="1">
+              <a:defRPr sz="1800" kern="1200">
+                <a:solidFill>
+                  <a:schemeClr val="tx1"/>
+                </a:solidFill>
+                <a:latin typeface="+mn-lt"/>
+                <a:ea typeface="+mn-ea"/>
+                <a:cs typeface="+mn-cs"/>
+              </a:defRPr>
+            </a:lvl8pPr>
+            <a:lvl9pPr marL="3657600" algn="l" defTabSz="914400" rtl="0" eaLnBrk="1" latinLnBrk="0" hangingPunct="1">
+              <a:defRPr sz="1800" kern="1200">
+                <a:solidFill>
+                  <a:schemeClr val="tx1"/>
+                </a:solidFill>
+                <a:latin typeface="+mn-lt"/>
+                <a:ea typeface="+mn-ea"/>
+                <a:cs typeface="+mn-cs"/>
+              </a:defRPr>
+            </a:lvl9pPr>
+          </a:lstStyle>
+          <a:p>
+            <a:pPr algn="ctr"/>
+            <a:r>
+              <a:rPr lang="en-US" altLang="zh-CN" sz="5400" b="1" cap="none" spc="0" dirty="0" smtClean="0">
+                <a:ln w="1905"/>
+                <a:gradFill>
+                  <a:gsLst>
+                    <a:gs pos="0">
+                      <a:schemeClr val="accent6">
+                        <a:shade val="20000"/>
+                        <a:satMod val="200000"/>
+                      </a:schemeClr>
+                    </a:gs>
+                    <a:gs pos="78000">
+                      <a:schemeClr val="accent6">
+                        <a:tint val="90000"/>
+                        <a:shade val="89000"/>
+                        <a:satMod val="220000"/>
+                      </a:schemeClr>
+                    </a:gs>
+                    <a:gs pos="100000">
+                      <a:schemeClr val="accent6">
+                        <a:tint val="12000"/>
+                        <a:satMod val="255000"/>
+                      </a:schemeClr>
+                    </a:gs>
+                  </a:gsLst>
+                  <a:lin ang="5400000"/>
+                </a:gradFill>
+                <a:effectLst>
+                  <a:innerShdw blurRad="69850" dist="43180" dir="5400000">
+                    <a:srgbClr val="000000">
+                      <a:alpha val="65000"/>
+                    </a:srgbClr>
+                  </a:innerShdw>
+                </a:effectLst>
+              </a:rPr>
+              <a:t>15</a:t>
+            </a:r>
+            <a:endParaRPr lang="zh-CN" altLang="en-US" sz="5400" b="1" cap="none" spc="0" dirty="0">
+              <a:ln w="1905"/>
+              <a:gradFill>
+                <a:gsLst>
+                  <a:gs pos="0">
+                    <a:schemeClr val="accent6">
+                      <a:shade val="20000"/>
+                      <a:satMod val="200000"/>
+                    </a:schemeClr>
+                  </a:gs>
+                  <a:gs pos="78000">
+                    <a:schemeClr val="accent6">
+                      <a:tint val="90000"/>
+                      <a:shade val="89000"/>
+                      <a:satMod val="220000"/>
+                    </a:schemeClr>
+                  </a:gs>
+                  <a:gs pos="100000">
+                    <a:schemeClr val="accent6">
+                      <a:tint val="12000"/>
+                      <a:satMod val="255000"/>
+                    </a:schemeClr>
+                  </a:gs>
+                </a:gsLst>
+                <a:lin ang="5400000"/>
+              </a:gradFill>
+              <a:effectLst>
+                <a:innerShdw blurRad="69850" dist="43180" dir="5400000">
+                  <a:srgbClr val="000000">
+                    <a:alpha val="65000"/>
+                  </a:srgbClr>
+                </a:innerShdw>
+              </a:effectLst>
+            </a:endParaRPr>
+          </a:p>
+        </p:txBody>
+      </p:sp>
     </p:spTree>
   </p:cSld>
   <p:clrMapOvr>
     <a:masterClrMapping/>
   </p:clrMapOvr>
   <mc:AlternateContent xmlns:mc="http://schemas.openxmlformats.org/markup-compatibility/2006">
-    <mc:Choice xmlns:p14="http://schemas.microsoft.com/office/powerpoint/2010/main" xmlns="" Requires="p14">
+    <mc:Choice xmlns="" xmlns:p14="http://schemas.microsoft.com/office/powerpoint/2010/main" Requires="p14">
       <p:transition spd="med" p14:dur="700">
         <p:fade/>
       </p:transition>
@@ -11753,13 +12944,204 @@
           </a:p>
         </p:txBody>
       </p:sp>
+      <p:sp>
+        <p:nvSpPr>
+          <p:cNvPr id="7" name="矩形 6"/>
+          <p:cNvSpPr/>
+          <p:nvPr/>
+        </p:nvSpPr>
+        <p:spPr>
+          <a:xfrm>
+            <a:off x="10917165" y="5934670"/>
+            <a:ext cx="948273" cy="923330"/>
+          </a:xfrm>
+          <a:prstGeom prst="rect">
+            <a:avLst/>
+          </a:prstGeom>
+          <a:noFill/>
+        </p:spPr>
+        <p:txBody>
+          <a:bodyPr wrap="none" lIns="91440" tIns="45720" rIns="91440" bIns="45720">
+            <a:spAutoFit/>
+          </a:bodyPr>
+          <a:lstStyle>
+            <a:defPPr>
+              <a:defRPr lang="en-US"/>
+            </a:defPPr>
+            <a:lvl1pPr marL="0" algn="l" defTabSz="914400" rtl="0" eaLnBrk="1" latinLnBrk="0" hangingPunct="1">
+              <a:defRPr sz="1800" kern="1200">
+                <a:solidFill>
+                  <a:schemeClr val="tx1"/>
+                </a:solidFill>
+                <a:latin typeface="+mn-lt"/>
+                <a:ea typeface="+mn-ea"/>
+                <a:cs typeface="+mn-cs"/>
+              </a:defRPr>
+            </a:lvl1pPr>
+            <a:lvl2pPr marL="457200" algn="l" defTabSz="914400" rtl="0" eaLnBrk="1" latinLnBrk="0" hangingPunct="1">
+              <a:defRPr sz="1800" kern="1200">
+                <a:solidFill>
+                  <a:schemeClr val="tx1"/>
+                </a:solidFill>
+                <a:latin typeface="+mn-lt"/>
+                <a:ea typeface="+mn-ea"/>
+                <a:cs typeface="+mn-cs"/>
+              </a:defRPr>
+            </a:lvl2pPr>
+            <a:lvl3pPr marL="914400" algn="l" defTabSz="914400" rtl="0" eaLnBrk="1" latinLnBrk="0" hangingPunct="1">
+              <a:defRPr sz="1800" kern="1200">
+                <a:solidFill>
+                  <a:schemeClr val="tx1"/>
+                </a:solidFill>
+                <a:latin typeface="+mn-lt"/>
+                <a:ea typeface="+mn-ea"/>
+                <a:cs typeface="+mn-cs"/>
+              </a:defRPr>
+            </a:lvl3pPr>
+            <a:lvl4pPr marL="1371600" algn="l" defTabSz="914400" rtl="0" eaLnBrk="1" latinLnBrk="0" hangingPunct="1">
+              <a:defRPr sz="1800" kern="1200">
+                <a:solidFill>
+                  <a:schemeClr val="tx1"/>
+                </a:solidFill>
+                <a:latin typeface="+mn-lt"/>
+                <a:ea typeface="+mn-ea"/>
+                <a:cs typeface="+mn-cs"/>
+              </a:defRPr>
+            </a:lvl4pPr>
+            <a:lvl5pPr marL="1828800" algn="l" defTabSz="914400" rtl="0" eaLnBrk="1" latinLnBrk="0" hangingPunct="1">
+              <a:defRPr sz="1800" kern="1200">
+                <a:solidFill>
+                  <a:schemeClr val="tx1"/>
+                </a:solidFill>
+                <a:latin typeface="+mn-lt"/>
+                <a:ea typeface="+mn-ea"/>
+                <a:cs typeface="+mn-cs"/>
+              </a:defRPr>
+            </a:lvl5pPr>
+            <a:lvl6pPr marL="2286000" algn="l" defTabSz="914400" rtl="0" eaLnBrk="1" latinLnBrk="0" hangingPunct="1">
+              <a:defRPr sz="1800" kern="1200">
+                <a:solidFill>
+                  <a:schemeClr val="tx1"/>
+                </a:solidFill>
+                <a:latin typeface="+mn-lt"/>
+                <a:ea typeface="+mn-ea"/>
+                <a:cs typeface="+mn-cs"/>
+              </a:defRPr>
+            </a:lvl6pPr>
+            <a:lvl7pPr marL="2743200" algn="l" defTabSz="914400" rtl="0" eaLnBrk="1" latinLnBrk="0" hangingPunct="1">
+              <a:defRPr sz="1800" kern="1200">
+                <a:solidFill>
+                  <a:schemeClr val="tx1"/>
+                </a:solidFill>
+                <a:latin typeface="+mn-lt"/>
+                <a:ea typeface="+mn-ea"/>
+                <a:cs typeface="+mn-cs"/>
+              </a:defRPr>
+            </a:lvl7pPr>
+            <a:lvl8pPr marL="3200400" algn="l" defTabSz="914400" rtl="0" eaLnBrk="1" latinLnBrk="0" hangingPunct="1">
+              <a:defRPr sz="1800" kern="1200">
+                <a:solidFill>
+                  <a:schemeClr val="tx1"/>
+                </a:solidFill>
+                <a:latin typeface="+mn-lt"/>
+                <a:ea typeface="+mn-ea"/>
+                <a:cs typeface="+mn-cs"/>
+              </a:defRPr>
+            </a:lvl8pPr>
+            <a:lvl9pPr marL="3657600" algn="l" defTabSz="914400" rtl="0" eaLnBrk="1" latinLnBrk="0" hangingPunct="1">
+              <a:defRPr sz="1800" kern="1200">
+                <a:solidFill>
+                  <a:schemeClr val="tx1"/>
+                </a:solidFill>
+                <a:latin typeface="+mn-lt"/>
+                <a:ea typeface="+mn-ea"/>
+                <a:cs typeface="+mn-cs"/>
+              </a:defRPr>
+            </a:lvl9pPr>
+          </a:lstStyle>
+          <a:p>
+            <a:pPr algn="ctr"/>
+            <a:r>
+              <a:rPr lang="en-US" altLang="zh-CN" sz="5400" b="1" cap="none" spc="0" dirty="0" smtClean="0">
+                <a:ln w="1905"/>
+                <a:gradFill>
+                  <a:gsLst>
+                    <a:gs pos="0">
+                      <a:schemeClr val="accent6">
+                        <a:shade val="20000"/>
+                        <a:satMod val="200000"/>
+                      </a:schemeClr>
+                    </a:gs>
+                    <a:gs pos="78000">
+                      <a:schemeClr val="accent6">
+                        <a:tint val="90000"/>
+                        <a:shade val="89000"/>
+                        <a:satMod val="220000"/>
+                      </a:schemeClr>
+                    </a:gs>
+                    <a:gs pos="100000">
+                      <a:schemeClr val="accent6">
+                        <a:tint val="12000"/>
+                        <a:satMod val="255000"/>
+                      </a:schemeClr>
+                    </a:gs>
+                  </a:gsLst>
+                  <a:lin ang="5400000"/>
+                </a:gradFill>
+                <a:effectLst>
+                  <a:innerShdw blurRad="69850" dist="43180" dir="5400000">
+                    <a:srgbClr val="000000">
+                      <a:alpha val="65000"/>
+                    </a:srgbClr>
+                  </a:innerShdw>
+                </a:effectLst>
+              </a:rPr>
+              <a:t>16</a:t>
+            </a:r>
+            <a:endParaRPr lang="zh-CN" altLang="en-US" sz="5400" b="1" cap="none" spc="0" dirty="0">
+              <a:ln w="1905"/>
+              <a:gradFill>
+                <a:gsLst>
+                  <a:gs pos="0">
+                    <a:schemeClr val="accent6">
+                      <a:shade val="20000"/>
+                      <a:satMod val="200000"/>
+                    </a:schemeClr>
+                  </a:gs>
+                  <a:gs pos="78000">
+                    <a:schemeClr val="accent6">
+                      <a:tint val="90000"/>
+                      <a:shade val="89000"/>
+                      <a:satMod val="220000"/>
+                    </a:schemeClr>
+                  </a:gs>
+                  <a:gs pos="100000">
+                    <a:schemeClr val="accent6">
+                      <a:tint val="12000"/>
+                      <a:satMod val="255000"/>
+                    </a:schemeClr>
+                  </a:gs>
+                </a:gsLst>
+                <a:lin ang="5400000"/>
+              </a:gradFill>
+              <a:effectLst>
+                <a:innerShdw blurRad="69850" dist="43180" dir="5400000">
+                  <a:srgbClr val="000000">
+                    <a:alpha val="65000"/>
+                  </a:srgbClr>
+                </a:innerShdw>
+              </a:effectLst>
+            </a:endParaRPr>
+          </a:p>
+        </p:txBody>
+      </p:sp>
     </p:spTree>
   </p:cSld>
   <p:clrMapOvr>
     <a:masterClrMapping/>
   </p:clrMapOvr>
   <mc:AlternateContent xmlns:mc="http://schemas.openxmlformats.org/markup-compatibility/2006">
-    <mc:Choice xmlns:p14="http://schemas.microsoft.com/office/powerpoint/2010/main" xmlns="" Requires="p14">
+    <mc:Choice xmlns="" xmlns:p14="http://schemas.microsoft.com/office/powerpoint/2010/main" Requires="p14">
       <p:transition spd="med" p14:dur="700">
         <p:fade/>
       </p:transition>
@@ -12158,13 +13540,204 @@
           </a:p>
         </p:txBody>
       </p:sp>
+      <p:sp>
+        <p:nvSpPr>
+          <p:cNvPr id="7" name="矩形 6"/>
+          <p:cNvSpPr/>
+          <p:nvPr/>
+        </p:nvSpPr>
+        <p:spPr>
+          <a:xfrm>
+            <a:off x="10935600" y="5934670"/>
+            <a:ext cx="911403" cy="923330"/>
+          </a:xfrm>
+          <a:prstGeom prst="rect">
+            <a:avLst/>
+          </a:prstGeom>
+          <a:noFill/>
+        </p:spPr>
+        <p:txBody>
+          <a:bodyPr wrap="none" lIns="91440" tIns="45720" rIns="91440" bIns="45720">
+            <a:spAutoFit/>
+          </a:bodyPr>
+          <a:lstStyle>
+            <a:defPPr>
+              <a:defRPr lang="en-US"/>
+            </a:defPPr>
+            <a:lvl1pPr marL="0" algn="l" defTabSz="914400" rtl="0" eaLnBrk="1" latinLnBrk="0" hangingPunct="1">
+              <a:defRPr sz="1800" kern="1200">
+                <a:solidFill>
+                  <a:schemeClr val="tx1"/>
+                </a:solidFill>
+                <a:latin typeface="+mn-lt"/>
+                <a:ea typeface="+mn-ea"/>
+                <a:cs typeface="+mn-cs"/>
+              </a:defRPr>
+            </a:lvl1pPr>
+            <a:lvl2pPr marL="457200" algn="l" defTabSz="914400" rtl="0" eaLnBrk="1" latinLnBrk="0" hangingPunct="1">
+              <a:defRPr sz="1800" kern="1200">
+                <a:solidFill>
+                  <a:schemeClr val="tx1"/>
+                </a:solidFill>
+                <a:latin typeface="+mn-lt"/>
+                <a:ea typeface="+mn-ea"/>
+                <a:cs typeface="+mn-cs"/>
+              </a:defRPr>
+            </a:lvl2pPr>
+            <a:lvl3pPr marL="914400" algn="l" defTabSz="914400" rtl="0" eaLnBrk="1" latinLnBrk="0" hangingPunct="1">
+              <a:defRPr sz="1800" kern="1200">
+                <a:solidFill>
+                  <a:schemeClr val="tx1"/>
+                </a:solidFill>
+                <a:latin typeface="+mn-lt"/>
+                <a:ea typeface="+mn-ea"/>
+                <a:cs typeface="+mn-cs"/>
+              </a:defRPr>
+            </a:lvl3pPr>
+            <a:lvl4pPr marL="1371600" algn="l" defTabSz="914400" rtl="0" eaLnBrk="1" latinLnBrk="0" hangingPunct="1">
+              <a:defRPr sz="1800" kern="1200">
+                <a:solidFill>
+                  <a:schemeClr val="tx1"/>
+                </a:solidFill>
+                <a:latin typeface="+mn-lt"/>
+                <a:ea typeface="+mn-ea"/>
+                <a:cs typeface="+mn-cs"/>
+              </a:defRPr>
+            </a:lvl4pPr>
+            <a:lvl5pPr marL="1828800" algn="l" defTabSz="914400" rtl="0" eaLnBrk="1" latinLnBrk="0" hangingPunct="1">
+              <a:defRPr sz="1800" kern="1200">
+                <a:solidFill>
+                  <a:schemeClr val="tx1"/>
+                </a:solidFill>
+                <a:latin typeface="+mn-lt"/>
+                <a:ea typeface="+mn-ea"/>
+                <a:cs typeface="+mn-cs"/>
+              </a:defRPr>
+            </a:lvl5pPr>
+            <a:lvl6pPr marL="2286000" algn="l" defTabSz="914400" rtl="0" eaLnBrk="1" latinLnBrk="0" hangingPunct="1">
+              <a:defRPr sz="1800" kern="1200">
+                <a:solidFill>
+                  <a:schemeClr val="tx1"/>
+                </a:solidFill>
+                <a:latin typeface="+mn-lt"/>
+                <a:ea typeface="+mn-ea"/>
+                <a:cs typeface="+mn-cs"/>
+              </a:defRPr>
+            </a:lvl6pPr>
+            <a:lvl7pPr marL="2743200" algn="l" defTabSz="914400" rtl="0" eaLnBrk="1" latinLnBrk="0" hangingPunct="1">
+              <a:defRPr sz="1800" kern="1200">
+                <a:solidFill>
+                  <a:schemeClr val="tx1"/>
+                </a:solidFill>
+                <a:latin typeface="+mn-lt"/>
+                <a:ea typeface="+mn-ea"/>
+                <a:cs typeface="+mn-cs"/>
+              </a:defRPr>
+            </a:lvl7pPr>
+            <a:lvl8pPr marL="3200400" algn="l" defTabSz="914400" rtl="0" eaLnBrk="1" latinLnBrk="0" hangingPunct="1">
+              <a:defRPr sz="1800" kern="1200">
+                <a:solidFill>
+                  <a:schemeClr val="tx1"/>
+                </a:solidFill>
+                <a:latin typeface="+mn-lt"/>
+                <a:ea typeface="+mn-ea"/>
+                <a:cs typeface="+mn-cs"/>
+              </a:defRPr>
+            </a:lvl8pPr>
+            <a:lvl9pPr marL="3657600" algn="l" defTabSz="914400" rtl="0" eaLnBrk="1" latinLnBrk="0" hangingPunct="1">
+              <a:defRPr sz="1800" kern="1200">
+                <a:solidFill>
+                  <a:schemeClr val="tx1"/>
+                </a:solidFill>
+                <a:latin typeface="+mn-lt"/>
+                <a:ea typeface="+mn-ea"/>
+                <a:cs typeface="+mn-cs"/>
+              </a:defRPr>
+            </a:lvl9pPr>
+          </a:lstStyle>
+          <a:p>
+            <a:pPr algn="ctr"/>
+            <a:r>
+              <a:rPr lang="en-US" altLang="zh-CN" sz="5400" b="1" cap="none" spc="0" dirty="0" smtClean="0">
+                <a:ln w="1905"/>
+                <a:gradFill>
+                  <a:gsLst>
+                    <a:gs pos="0">
+                      <a:schemeClr val="accent6">
+                        <a:shade val="20000"/>
+                        <a:satMod val="200000"/>
+                      </a:schemeClr>
+                    </a:gs>
+                    <a:gs pos="78000">
+                      <a:schemeClr val="accent6">
+                        <a:tint val="90000"/>
+                        <a:shade val="89000"/>
+                        <a:satMod val="220000"/>
+                      </a:schemeClr>
+                    </a:gs>
+                    <a:gs pos="100000">
+                      <a:schemeClr val="accent6">
+                        <a:tint val="12000"/>
+                        <a:satMod val="255000"/>
+                      </a:schemeClr>
+                    </a:gs>
+                  </a:gsLst>
+                  <a:lin ang="5400000"/>
+                </a:gradFill>
+                <a:effectLst>
+                  <a:innerShdw blurRad="69850" dist="43180" dir="5400000">
+                    <a:srgbClr val="000000">
+                      <a:alpha val="65000"/>
+                    </a:srgbClr>
+                  </a:innerShdw>
+                </a:effectLst>
+              </a:rPr>
+              <a:t>17</a:t>
+            </a:r>
+            <a:endParaRPr lang="zh-CN" altLang="en-US" sz="5400" b="1" cap="none" spc="0" dirty="0">
+              <a:ln w="1905"/>
+              <a:gradFill>
+                <a:gsLst>
+                  <a:gs pos="0">
+                    <a:schemeClr val="accent6">
+                      <a:shade val="20000"/>
+                      <a:satMod val="200000"/>
+                    </a:schemeClr>
+                  </a:gs>
+                  <a:gs pos="78000">
+                    <a:schemeClr val="accent6">
+                      <a:tint val="90000"/>
+                      <a:shade val="89000"/>
+                      <a:satMod val="220000"/>
+                    </a:schemeClr>
+                  </a:gs>
+                  <a:gs pos="100000">
+                    <a:schemeClr val="accent6">
+                      <a:tint val="12000"/>
+                      <a:satMod val="255000"/>
+                    </a:schemeClr>
+                  </a:gs>
+                </a:gsLst>
+                <a:lin ang="5400000"/>
+              </a:gradFill>
+              <a:effectLst>
+                <a:innerShdw blurRad="69850" dist="43180" dir="5400000">
+                  <a:srgbClr val="000000">
+                    <a:alpha val="65000"/>
+                  </a:srgbClr>
+                </a:innerShdw>
+              </a:effectLst>
+            </a:endParaRPr>
+          </a:p>
+        </p:txBody>
+      </p:sp>
     </p:spTree>
   </p:cSld>
   <p:clrMapOvr>
     <a:masterClrMapping/>
   </p:clrMapOvr>
   <mc:AlternateContent xmlns:mc="http://schemas.openxmlformats.org/markup-compatibility/2006">
-    <mc:Choice xmlns:p14="http://schemas.microsoft.com/office/powerpoint/2010/main" xmlns="" Requires="p14">
+    <mc:Choice xmlns="" xmlns:p14="http://schemas.microsoft.com/office/powerpoint/2010/main" Requires="p14">
       <p:transition spd="med" p14:dur="700">
         <p:fade/>
       </p:transition>
@@ -12219,11 +13792,7 @@
           <a:p>
             <a:r>
               <a:rPr lang="en-US" altLang="zh-CN" dirty="0" err="1" smtClean="0"/>
-              <a:t>Git</a:t>
-            </a:r>
-            <a:r>
-              <a:rPr lang="en-US" altLang="zh-CN" dirty="0" err="1" smtClean="0"/>
-              <a:t>hub</a:t>
+              <a:t>Github</a:t>
             </a:r>
             <a:r>
               <a:rPr lang="zh-CN" altLang="en-US" dirty="0" smtClean="0"/>
@@ -12307,11 +13876,7 @@
             </a:r>
             <a:r>
               <a:rPr lang="zh-CN" altLang="en-US" dirty="0" smtClean="0"/>
-              <a:t>加密的，所以，需要一点设置</a:t>
-            </a:r>
-            <a:r>
-              <a:rPr lang="zh-CN" altLang="en-US" dirty="0" smtClean="0"/>
-              <a:t>：</a:t>
+              <a:t>加密的，所以，需要一点设置：</a:t>
             </a:r>
             <a:endParaRPr lang="en-US" altLang="zh-CN" dirty="0" smtClean="0"/>
           </a:p>
@@ -12323,15 +13888,7 @@
             </a:r>
             <a:r>
               <a:rPr lang="de-DE" altLang="zh-CN" dirty="0" smtClean="0"/>
-              <a:t>ssh-keygen </a:t>
-            </a:r>
-            <a:r>
-              <a:rPr lang="de-DE" altLang="zh-CN" dirty="0" smtClean="0"/>
-              <a:t>-t rsa -C </a:t>
-            </a:r>
-            <a:r>
-              <a:rPr lang="de-DE" altLang="zh-CN" dirty="0" smtClean="0"/>
-              <a:t>"youremail@example.com"</a:t>
+              <a:t>ssh-keygen -t rsa -C "youremail@example.com"</a:t>
             </a:r>
           </a:p>
           <a:p>
@@ -12350,11 +13907,7 @@
             </a:r>
             <a:r>
               <a:rPr lang="zh-CN" altLang="en-US" dirty="0" smtClean="0"/>
-              <a:t>是公</a:t>
-            </a:r>
-            <a:r>
-              <a:rPr lang="zh-CN" altLang="en-US" dirty="0" smtClean="0"/>
-              <a:t>钥</a:t>
+              <a:t>是公钥</a:t>
             </a:r>
             <a:endParaRPr lang="en-US" altLang="zh-CN" dirty="0" smtClean="0"/>
           </a:p>
@@ -12362,15 +13915,7 @@
             <a:pPr lvl="1"/>
             <a:r>
               <a:rPr lang="en-US" altLang="zh-CN" dirty="0" smtClean="0"/>
-              <a:t>Github.com </a:t>
-            </a:r>
-            <a:r>
-              <a:rPr lang="en-US" altLang="zh-CN" dirty="0" smtClean="0"/>
-              <a:t>Add SSH </a:t>
-            </a:r>
-            <a:r>
-              <a:rPr lang="en-US" altLang="zh-CN" dirty="0" smtClean="0"/>
-              <a:t>Key</a:t>
+              <a:t>Github.com Add SSH Key</a:t>
             </a:r>
           </a:p>
           <a:p>
@@ -12478,11 +14023,7 @@
             </a:r>
             <a:r>
               <a:rPr lang="zh-CN" altLang="en-US" dirty="0" smtClean="0"/>
-              <a:t>到远程仓库，查看</a:t>
-            </a:r>
-            <a:r>
-              <a:rPr lang="zh-CN" altLang="en-US" dirty="0" smtClean="0"/>
-              <a:t>结果</a:t>
+              <a:t>到远程仓库，查看结果</a:t>
             </a:r>
             <a:endParaRPr lang="en-US" altLang="zh-CN" dirty="0" smtClean="0"/>
           </a:p>
@@ -12518,13 +14059,7 @@
               <a:rPr lang="en-US" altLang="zh-CN" dirty="0" smtClean="0">
                 <a:hlinkClick r:id="rId3"/>
               </a:rPr>
-              <a:t>https://</a:t>
-            </a:r>
-            <a:r>
-              <a:rPr lang="en-US" altLang="zh-CN" dirty="0" smtClean="0">
-                <a:hlinkClick r:id="rId3"/>
-              </a:rPr>
-              <a:t>github.com/xami/git_demo</a:t>
+              <a:t>https://github.com/xami/git_demo</a:t>
             </a:r>
             <a:endParaRPr lang="en-US" altLang="zh-CN" dirty="0" smtClean="0"/>
           </a:p>
@@ -12539,6 +14074,197 @@
               <a:t>下载</a:t>
             </a:r>
             <a:endParaRPr lang="en-US" altLang="zh-CN" dirty="0" smtClean="0"/>
+          </a:p>
+        </p:txBody>
+      </p:sp>
+      <p:sp>
+        <p:nvSpPr>
+          <p:cNvPr id="7" name="矩形 6"/>
+          <p:cNvSpPr/>
+          <p:nvPr/>
+        </p:nvSpPr>
+        <p:spPr>
+          <a:xfrm>
+            <a:off x="10919185" y="5934670"/>
+            <a:ext cx="944233" cy="923330"/>
+          </a:xfrm>
+          <a:prstGeom prst="rect">
+            <a:avLst/>
+          </a:prstGeom>
+          <a:noFill/>
+        </p:spPr>
+        <p:txBody>
+          <a:bodyPr wrap="none" lIns="91440" tIns="45720" rIns="91440" bIns="45720">
+            <a:spAutoFit/>
+          </a:bodyPr>
+          <a:lstStyle>
+            <a:defPPr>
+              <a:defRPr lang="en-US"/>
+            </a:defPPr>
+            <a:lvl1pPr marL="0" algn="l" defTabSz="914400" rtl="0" eaLnBrk="1" latinLnBrk="0" hangingPunct="1">
+              <a:defRPr sz="1800" kern="1200">
+                <a:solidFill>
+                  <a:schemeClr val="tx1"/>
+                </a:solidFill>
+                <a:latin typeface="+mn-lt"/>
+                <a:ea typeface="+mn-ea"/>
+                <a:cs typeface="+mn-cs"/>
+              </a:defRPr>
+            </a:lvl1pPr>
+            <a:lvl2pPr marL="457200" algn="l" defTabSz="914400" rtl="0" eaLnBrk="1" latinLnBrk="0" hangingPunct="1">
+              <a:defRPr sz="1800" kern="1200">
+                <a:solidFill>
+                  <a:schemeClr val="tx1"/>
+                </a:solidFill>
+                <a:latin typeface="+mn-lt"/>
+                <a:ea typeface="+mn-ea"/>
+                <a:cs typeface="+mn-cs"/>
+              </a:defRPr>
+            </a:lvl2pPr>
+            <a:lvl3pPr marL="914400" algn="l" defTabSz="914400" rtl="0" eaLnBrk="1" latinLnBrk="0" hangingPunct="1">
+              <a:defRPr sz="1800" kern="1200">
+                <a:solidFill>
+                  <a:schemeClr val="tx1"/>
+                </a:solidFill>
+                <a:latin typeface="+mn-lt"/>
+                <a:ea typeface="+mn-ea"/>
+                <a:cs typeface="+mn-cs"/>
+              </a:defRPr>
+            </a:lvl3pPr>
+            <a:lvl4pPr marL="1371600" algn="l" defTabSz="914400" rtl="0" eaLnBrk="1" latinLnBrk="0" hangingPunct="1">
+              <a:defRPr sz="1800" kern="1200">
+                <a:solidFill>
+                  <a:schemeClr val="tx1"/>
+                </a:solidFill>
+                <a:latin typeface="+mn-lt"/>
+                <a:ea typeface="+mn-ea"/>
+                <a:cs typeface="+mn-cs"/>
+              </a:defRPr>
+            </a:lvl4pPr>
+            <a:lvl5pPr marL="1828800" algn="l" defTabSz="914400" rtl="0" eaLnBrk="1" latinLnBrk="0" hangingPunct="1">
+              <a:defRPr sz="1800" kern="1200">
+                <a:solidFill>
+                  <a:schemeClr val="tx1"/>
+                </a:solidFill>
+                <a:latin typeface="+mn-lt"/>
+                <a:ea typeface="+mn-ea"/>
+                <a:cs typeface="+mn-cs"/>
+              </a:defRPr>
+            </a:lvl5pPr>
+            <a:lvl6pPr marL="2286000" algn="l" defTabSz="914400" rtl="0" eaLnBrk="1" latinLnBrk="0" hangingPunct="1">
+              <a:defRPr sz="1800" kern="1200">
+                <a:solidFill>
+                  <a:schemeClr val="tx1"/>
+                </a:solidFill>
+                <a:latin typeface="+mn-lt"/>
+                <a:ea typeface="+mn-ea"/>
+                <a:cs typeface="+mn-cs"/>
+              </a:defRPr>
+            </a:lvl6pPr>
+            <a:lvl7pPr marL="2743200" algn="l" defTabSz="914400" rtl="0" eaLnBrk="1" latinLnBrk="0" hangingPunct="1">
+              <a:defRPr sz="1800" kern="1200">
+                <a:solidFill>
+                  <a:schemeClr val="tx1"/>
+                </a:solidFill>
+                <a:latin typeface="+mn-lt"/>
+                <a:ea typeface="+mn-ea"/>
+                <a:cs typeface="+mn-cs"/>
+              </a:defRPr>
+            </a:lvl7pPr>
+            <a:lvl8pPr marL="3200400" algn="l" defTabSz="914400" rtl="0" eaLnBrk="1" latinLnBrk="0" hangingPunct="1">
+              <a:defRPr sz="1800" kern="1200">
+                <a:solidFill>
+                  <a:schemeClr val="tx1"/>
+                </a:solidFill>
+                <a:latin typeface="+mn-lt"/>
+                <a:ea typeface="+mn-ea"/>
+                <a:cs typeface="+mn-cs"/>
+              </a:defRPr>
+            </a:lvl8pPr>
+            <a:lvl9pPr marL="3657600" algn="l" defTabSz="914400" rtl="0" eaLnBrk="1" latinLnBrk="0" hangingPunct="1">
+              <a:defRPr sz="1800" kern="1200">
+                <a:solidFill>
+                  <a:schemeClr val="tx1"/>
+                </a:solidFill>
+                <a:latin typeface="+mn-lt"/>
+                <a:ea typeface="+mn-ea"/>
+                <a:cs typeface="+mn-cs"/>
+              </a:defRPr>
+            </a:lvl9pPr>
+          </a:lstStyle>
+          <a:p>
+            <a:pPr algn="ctr"/>
+            <a:r>
+              <a:rPr lang="en-US" altLang="zh-CN" sz="5400" b="1" cap="none" spc="0" dirty="0" smtClean="0">
+                <a:ln w="1905"/>
+                <a:gradFill>
+                  <a:gsLst>
+                    <a:gs pos="0">
+                      <a:schemeClr val="accent6">
+                        <a:shade val="20000"/>
+                        <a:satMod val="200000"/>
+                      </a:schemeClr>
+                    </a:gs>
+                    <a:gs pos="78000">
+                      <a:schemeClr val="accent6">
+                        <a:tint val="90000"/>
+                        <a:shade val="89000"/>
+                        <a:satMod val="220000"/>
+                      </a:schemeClr>
+                    </a:gs>
+                    <a:gs pos="100000">
+                      <a:schemeClr val="accent6">
+                        <a:tint val="12000"/>
+                        <a:satMod val="255000"/>
+                      </a:schemeClr>
+                    </a:gs>
+                  </a:gsLst>
+                  <a:lin ang="5400000"/>
+                </a:gradFill>
+                <a:effectLst>
+                  <a:innerShdw blurRad="69850" dist="43180" dir="5400000">
+                    <a:srgbClr val="000000">
+                      <a:alpha val="65000"/>
+                    </a:srgbClr>
+                  </a:innerShdw>
+                </a:effectLst>
+              </a:rPr>
+              <a:t>18</a:t>
+            </a:r>
+            <a:endParaRPr lang="zh-CN" altLang="en-US" sz="5400" b="1" cap="none" spc="0" dirty="0">
+              <a:ln w="1905"/>
+              <a:gradFill>
+                <a:gsLst>
+                  <a:gs pos="0">
+                    <a:schemeClr val="accent6">
+                      <a:shade val="20000"/>
+                      <a:satMod val="200000"/>
+                    </a:schemeClr>
+                  </a:gs>
+                  <a:gs pos="78000">
+                    <a:schemeClr val="accent6">
+                      <a:tint val="90000"/>
+                      <a:shade val="89000"/>
+                      <a:satMod val="220000"/>
+                    </a:schemeClr>
+                  </a:gs>
+                  <a:gs pos="100000">
+                    <a:schemeClr val="accent6">
+                      <a:tint val="12000"/>
+                      <a:satMod val="255000"/>
+                    </a:schemeClr>
+                  </a:gs>
+                </a:gsLst>
+                <a:lin ang="5400000"/>
+              </a:gradFill>
+              <a:effectLst>
+                <a:innerShdw blurRad="69850" dist="43180" dir="5400000">
+                  <a:srgbClr val="000000">
+                    <a:alpha val="65000"/>
+                  </a:srgbClr>
+                </a:innerShdw>
+              </a:effectLst>
+            </a:endParaRPr>
           </a:p>
         </p:txBody>
       </p:sp>
@@ -12548,7 +14274,7 @@
     <a:masterClrMapping/>
   </p:clrMapOvr>
   <mc:AlternateContent xmlns:mc="http://schemas.openxmlformats.org/markup-compatibility/2006">
-    <mc:Choice xmlns:p14="http://schemas.microsoft.com/office/powerpoint/2010/main" xmlns="" Requires="p14">
+    <mc:Choice xmlns="" xmlns:p14="http://schemas.microsoft.com/office/powerpoint/2010/main" Requires="p14">
       <p:transition spd="med" p14:dur="700">
         <p:fade/>
       </p:transition>
@@ -12606,12 +14332,8 @@
               <a:t>Git</a:t>
             </a:r>
             <a:r>
-              <a:rPr lang="en-US" altLang="zh-CN" dirty="0" err="1" smtClean="0"/>
-              <a:t>hub</a:t>
-            </a:r>
-            <a:r>
               <a:rPr lang="zh-CN" altLang="en-US" dirty="0" smtClean="0"/>
-              <a:t>的使用</a:t>
+              <a:t>常用命令详解</a:t>
             </a:r>
             <a:endParaRPr lang="zh-CN" altLang="en-US" dirty="0"/>
           </a:p>
@@ -12856,13 +14578,204 @@
           <a:noFill/>
         </p:spPr>
       </p:pic>
+      <p:sp>
+        <p:nvSpPr>
+          <p:cNvPr id="9" name="矩形 8"/>
+          <p:cNvSpPr/>
+          <p:nvPr/>
+        </p:nvSpPr>
+        <p:spPr>
+          <a:xfrm>
+            <a:off x="10895012" y="5934670"/>
+            <a:ext cx="992579" cy="923330"/>
+          </a:xfrm>
+          <a:prstGeom prst="rect">
+            <a:avLst/>
+          </a:prstGeom>
+          <a:noFill/>
+        </p:spPr>
+        <p:txBody>
+          <a:bodyPr wrap="none" lIns="91440" tIns="45720" rIns="91440" bIns="45720">
+            <a:spAutoFit/>
+          </a:bodyPr>
+          <a:lstStyle>
+            <a:defPPr>
+              <a:defRPr lang="en-US"/>
+            </a:defPPr>
+            <a:lvl1pPr marL="0" algn="l" defTabSz="914400" rtl="0" eaLnBrk="1" latinLnBrk="0" hangingPunct="1">
+              <a:defRPr sz="1800" kern="1200">
+                <a:solidFill>
+                  <a:schemeClr val="tx1"/>
+                </a:solidFill>
+                <a:latin typeface="+mn-lt"/>
+                <a:ea typeface="+mn-ea"/>
+                <a:cs typeface="+mn-cs"/>
+              </a:defRPr>
+            </a:lvl1pPr>
+            <a:lvl2pPr marL="457200" algn="l" defTabSz="914400" rtl="0" eaLnBrk="1" latinLnBrk="0" hangingPunct="1">
+              <a:defRPr sz="1800" kern="1200">
+                <a:solidFill>
+                  <a:schemeClr val="tx1"/>
+                </a:solidFill>
+                <a:latin typeface="+mn-lt"/>
+                <a:ea typeface="+mn-ea"/>
+                <a:cs typeface="+mn-cs"/>
+              </a:defRPr>
+            </a:lvl2pPr>
+            <a:lvl3pPr marL="914400" algn="l" defTabSz="914400" rtl="0" eaLnBrk="1" latinLnBrk="0" hangingPunct="1">
+              <a:defRPr sz="1800" kern="1200">
+                <a:solidFill>
+                  <a:schemeClr val="tx1"/>
+                </a:solidFill>
+                <a:latin typeface="+mn-lt"/>
+                <a:ea typeface="+mn-ea"/>
+                <a:cs typeface="+mn-cs"/>
+              </a:defRPr>
+            </a:lvl3pPr>
+            <a:lvl4pPr marL="1371600" algn="l" defTabSz="914400" rtl="0" eaLnBrk="1" latinLnBrk="0" hangingPunct="1">
+              <a:defRPr sz="1800" kern="1200">
+                <a:solidFill>
+                  <a:schemeClr val="tx1"/>
+                </a:solidFill>
+                <a:latin typeface="+mn-lt"/>
+                <a:ea typeface="+mn-ea"/>
+                <a:cs typeface="+mn-cs"/>
+              </a:defRPr>
+            </a:lvl4pPr>
+            <a:lvl5pPr marL="1828800" algn="l" defTabSz="914400" rtl="0" eaLnBrk="1" latinLnBrk="0" hangingPunct="1">
+              <a:defRPr sz="1800" kern="1200">
+                <a:solidFill>
+                  <a:schemeClr val="tx1"/>
+                </a:solidFill>
+                <a:latin typeface="+mn-lt"/>
+                <a:ea typeface="+mn-ea"/>
+                <a:cs typeface="+mn-cs"/>
+              </a:defRPr>
+            </a:lvl5pPr>
+            <a:lvl6pPr marL="2286000" algn="l" defTabSz="914400" rtl="0" eaLnBrk="1" latinLnBrk="0" hangingPunct="1">
+              <a:defRPr sz="1800" kern="1200">
+                <a:solidFill>
+                  <a:schemeClr val="tx1"/>
+                </a:solidFill>
+                <a:latin typeface="+mn-lt"/>
+                <a:ea typeface="+mn-ea"/>
+                <a:cs typeface="+mn-cs"/>
+              </a:defRPr>
+            </a:lvl6pPr>
+            <a:lvl7pPr marL="2743200" algn="l" defTabSz="914400" rtl="0" eaLnBrk="1" latinLnBrk="0" hangingPunct="1">
+              <a:defRPr sz="1800" kern="1200">
+                <a:solidFill>
+                  <a:schemeClr val="tx1"/>
+                </a:solidFill>
+                <a:latin typeface="+mn-lt"/>
+                <a:ea typeface="+mn-ea"/>
+                <a:cs typeface="+mn-cs"/>
+              </a:defRPr>
+            </a:lvl7pPr>
+            <a:lvl8pPr marL="3200400" algn="l" defTabSz="914400" rtl="0" eaLnBrk="1" latinLnBrk="0" hangingPunct="1">
+              <a:defRPr sz="1800" kern="1200">
+                <a:solidFill>
+                  <a:schemeClr val="tx1"/>
+                </a:solidFill>
+                <a:latin typeface="+mn-lt"/>
+                <a:ea typeface="+mn-ea"/>
+                <a:cs typeface="+mn-cs"/>
+              </a:defRPr>
+            </a:lvl8pPr>
+            <a:lvl9pPr marL="3657600" algn="l" defTabSz="914400" rtl="0" eaLnBrk="1" latinLnBrk="0" hangingPunct="1">
+              <a:defRPr sz="1800" kern="1200">
+                <a:solidFill>
+                  <a:schemeClr val="tx1"/>
+                </a:solidFill>
+                <a:latin typeface="+mn-lt"/>
+                <a:ea typeface="+mn-ea"/>
+                <a:cs typeface="+mn-cs"/>
+              </a:defRPr>
+            </a:lvl9pPr>
+          </a:lstStyle>
+          <a:p>
+            <a:pPr algn="ctr"/>
+            <a:r>
+              <a:rPr lang="en-US" altLang="zh-CN" sz="5400" b="1" cap="none" spc="0" dirty="0" smtClean="0">
+                <a:ln w="1905"/>
+                <a:gradFill>
+                  <a:gsLst>
+                    <a:gs pos="0">
+                      <a:schemeClr val="accent6">
+                        <a:shade val="20000"/>
+                        <a:satMod val="200000"/>
+                      </a:schemeClr>
+                    </a:gs>
+                    <a:gs pos="78000">
+                      <a:schemeClr val="accent6">
+                        <a:tint val="90000"/>
+                        <a:shade val="89000"/>
+                        <a:satMod val="220000"/>
+                      </a:schemeClr>
+                    </a:gs>
+                    <a:gs pos="100000">
+                      <a:schemeClr val="accent6">
+                        <a:tint val="12000"/>
+                        <a:satMod val="255000"/>
+                      </a:schemeClr>
+                    </a:gs>
+                  </a:gsLst>
+                  <a:lin ang="5400000"/>
+                </a:gradFill>
+                <a:effectLst>
+                  <a:innerShdw blurRad="69850" dist="43180" dir="5400000">
+                    <a:srgbClr val="000000">
+                      <a:alpha val="65000"/>
+                    </a:srgbClr>
+                  </a:innerShdw>
+                </a:effectLst>
+              </a:rPr>
+              <a:t>19</a:t>
+            </a:r>
+            <a:endParaRPr lang="zh-CN" altLang="en-US" sz="5400" b="1" cap="none" spc="0" dirty="0">
+              <a:ln w="1905"/>
+              <a:gradFill>
+                <a:gsLst>
+                  <a:gs pos="0">
+                    <a:schemeClr val="accent6">
+                      <a:shade val="20000"/>
+                      <a:satMod val="200000"/>
+                    </a:schemeClr>
+                  </a:gs>
+                  <a:gs pos="78000">
+                    <a:schemeClr val="accent6">
+                      <a:tint val="90000"/>
+                      <a:shade val="89000"/>
+                      <a:satMod val="220000"/>
+                    </a:schemeClr>
+                  </a:gs>
+                  <a:gs pos="100000">
+                    <a:schemeClr val="accent6">
+                      <a:tint val="12000"/>
+                      <a:satMod val="255000"/>
+                    </a:schemeClr>
+                  </a:gs>
+                </a:gsLst>
+                <a:lin ang="5400000"/>
+              </a:gradFill>
+              <a:effectLst>
+                <a:innerShdw blurRad="69850" dist="43180" dir="5400000">
+                  <a:srgbClr val="000000">
+                    <a:alpha val="65000"/>
+                  </a:srgbClr>
+                </a:innerShdw>
+              </a:effectLst>
+            </a:endParaRPr>
+          </a:p>
+        </p:txBody>
+      </p:sp>
     </p:spTree>
   </p:cSld>
   <p:clrMapOvr>
     <a:masterClrMapping/>
   </p:clrMapOvr>
   <mc:AlternateContent xmlns:mc="http://schemas.openxmlformats.org/markup-compatibility/2006">
-    <mc:Choice xmlns:p14="http://schemas.microsoft.com/office/powerpoint/2010/main" xmlns="" Requires="p14">
+    <mc:Choice xmlns="" xmlns:p14="http://schemas.microsoft.com/office/powerpoint/2010/main" Requires="p14">
       <p:transition spd="med" p14:dur="700">
         <p:fade/>
       </p:transition>
@@ -12936,7 +14849,7 @@
         <p:spPr/>
         <p:txBody>
           <a:bodyPr>
-            <a:normAutofit/>
+            <a:normAutofit lnSpcReduction="10000"/>
           </a:bodyPr>
           <a:lstStyle/>
           <a:p>
@@ -13015,12 +14928,12 @@
           <a:p>
             <a:pPr lvl="1"/>
             <a:r>
-              <a:rPr lang="en-US" altLang="zh-CN" dirty="0" smtClean="0"/>
+              <a:rPr lang="en-US" altLang="zh-CN" dirty="0" err="1" smtClean="0"/>
               <a:t>Git</a:t>
             </a:r>
             <a:r>
               <a:rPr lang="zh-CN" altLang="en-US" dirty="0" smtClean="0"/>
-              <a:t>常用</a:t>
+              <a:t>基本</a:t>
             </a:r>
             <a:r>
               <a:rPr lang="zh-CN" altLang="en-US" dirty="0" smtClean="0"/>
@@ -13036,11 +14949,7 @@
             </a:r>
             <a:r>
               <a:rPr lang="zh-CN" altLang="en-US" dirty="0" smtClean="0"/>
-              <a:t>的</a:t>
-            </a:r>
-            <a:r>
-              <a:rPr lang="zh-CN" altLang="en-US" dirty="0" smtClean="0"/>
-              <a:t>使用</a:t>
+              <a:t>的使用</a:t>
             </a:r>
             <a:endParaRPr lang="en-US" altLang="zh-CN" dirty="0" smtClean="0"/>
           </a:p>
@@ -13051,19 +14960,127 @@
             </a:r>
             <a:r>
               <a:rPr lang="zh-CN" altLang="en-US" dirty="0" smtClean="0"/>
-              <a:t>常用命令详解</a:t>
+              <a:t>常用命令</a:t>
+            </a:r>
+            <a:r>
+              <a:rPr lang="zh-CN" altLang="en-US" dirty="0" smtClean="0"/>
+              <a:t>详解</a:t>
             </a:r>
             <a:endParaRPr lang="en-US" altLang="zh-CN" dirty="0" smtClean="0"/>
           </a:p>
           <a:p>
+            <a:r>
+              <a:rPr lang="zh-CN" altLang="en-US" dirty="0" smtClean="0"/>
+              <a:t>参考资料</a:t>
+            </a:r>
+            <a:endParaRPr lang="en-US" altLang="zh-CN" dirty="0" smtClean="0"/>
+          </a:p>
+          <a:p>
             <a:endParaRPr lang="zh-CN" dirty="0"/>
+          </a:p>
+        </p:txBody>
+      </p:sp>
+      <p:sp>
+        <p:nvSpPr>
+          <p:cNvPr id="4" name="矩形 3"/>
+          <p:cNvSpPr/>
+          <p:nvPr/>
+        </p:nvSpPr>
+        <p:spPr>
+          <a:xfrm>
+            <a:off x="11276012" y="5934670"/>
+            <a:ext cx="588623" cy="923330"/>
+          </a:xfrm>
+          <a:prstGeom prst="rect">
+            <a:avLst/>
+          </a:prstGeom>
+          <a:noFill/>
+        </p:spPr>
+        <p:txBody>
+          <a:bodyPr wrap="none" lIns="91440" tIns="45720" rIns="91440" bIns="45720">
+            <a:spAutoFit/>
+          </a:bodyPr>
+          <a:lstStyle/>
+          <a:p>
+            <a:pPr algn="ctr"/>
+            <a:r>
+              <a:rPr lang="en-US" altLang="zh-CN" sz="5400" b="1" cap="none" spc="0" dirty="0" smtClean="0">
+                <a:ln w="1905"/>
+                <a:gradFill>
+                  <a:gsLst>
+                    <a:gs pos="0">
+                      <a:schemeClr val="accent6">
+                        <a:shade val="20000"/>
+                        <a:satMod val="200000"/>
+                      </a:schemeClr>
+                    </a:gs>
+                    <a:gs pos="78000">
+                      <a:schemeClr val="accent6">
+                        <a:tint val="90000"/>
+                        <a:shade val="89000"/>
+                        <a:satMod val="220000"/>
+                      </a:schemeClr>
+                    </a:gs>
+                    <a:gs pos="100000">
+                      <a:schemeClr val="accent6">
+                        <a:tint val="12000"/>
+                        <a:satMod val="255000"/>
+                      </a:schemeClr>
+                    </a:gs>
+                  </a:gsLst>
+                  <a:lin ang="5400000"/>
+                </a:gradFill>
+                <a:effectLst>
+                  <a:innerShdw blurRad="69850" dist="43180" dir="5400000">
+                    <a:srgbClr val="000000">
+                      <a:alpha val="65000"/>
+                    </a:srgbClr>
+                  </a:innerShdw>
+                </a:effectLst>
+              </a:rPr>
+              <a:t>2</a:t>
+            </a:r>
+            <a:endParaRPr lang="zh-CN" altLang="en-US" sz="5400" b="1" cap="none" spc="0" dirty="0">
+              <a:ln w="1905"/>
+              <a:gradFill>
+                <a:gsLst>
+                  <a:gs pos="0">
+                    <a:schemeClr val="accent6">
+                      <a:shade val="20000"/>
+                      <a:satMod val="200000"/>
+                    </a:schemeClr>
+                  </a:gs>
+                  <a:gs pos="78000">
+                    <a:schemeClr val="accent6">
+                      <a:tint val="90000"/>
+                      <a:shade val="89000"/>
+                      <a:satMod val="220000"/>
+                    </a:schemeClr>
+                  </a:gs>
+                  <a:gs pos="100000">
+                    <a:schemeClr val="accent6">
+                      <a:tint val="12000"/>
+                      <a:satMod val="255000"/>
+                    </a:schemeClr>
+                  </a:gs>
+                </a:gsLst>
+                <a:lin ang="5400000"/>
+              </a:gradFill>
+              <a:effectLst>
+                <a:innerShdw blurRad="69850" dist="43180" dir="5400000">
+                  <a:srgbClr val="000000">
+                    <a:alpha val="65000"/>
+                  </a:srgbClr>
+                </a:innerShdw>
+              </a:effectLst>
+            </a:endParaRPr>
           </a:p>
         </p:txBody>
       </p:sp>
     </p:spTree>
     <p:extLst>
       <p:ext uri="{BB962C8B-B14F-4D97-AF65-F5344CB8AC3E}">
-        <p14:creationId xmlns:p14="http://schemas.microsoft.com/office/powerpoint/2010/main" xmlns="" val="1720426387"/>
+        <p14:creationId xmlns="" xmlns:p14="http://schemas.microsoft.com/office/powerpoint/2010/main" val="1720426387"/>
       </p:ext>
     </p:extLst>
   </p:cSld>
@@ -13071,7 +15088,7 @@
     <a:masterClrMapping/>
   </p:clrMapOvr>
   <mc:AlternateContent xmlns:mc="http://schemas.openxmlformats.org/markup-compatibility/2006">
-    <mc:Choice xmlns:p14="http://schemas.microsoft.com/office/powerpoint/2010/main" xmlns="" Requires="p14">
+    <mc:Choice xmlns="" xmlns:p14="http://schemas.microsoft.com/office/powerpoint/2010/main" Requires="p14">
       <p:transition spd="med" p14:dur="700">
         <p:fade/>
       </p:transition>
@@ -13129,12 +15146,8 @@
               <a:t>Git</a:t>
             </a:r>
             <a:r>
-              <a:rPr lang="en-US" altLang="zh-CN" dirty="0" err="1" smtClean="0"/>
-              <a:t>hub</a:t>
-            </a:r>
-            <a:r>
               <a:rPr lang="zh-CN" altLang="en-US" dirty="0" smtClean="0"/>
-              <a:t>的使用</a:t>
+              <a:t>常用命令详解</a:t>
             </a:r>
             <a:endParaRPr lang="zh-CN" altLang="en-US" dirty="0"/>
           </a:p>
@@ -13160,11 +15173,7 @@
           <a:p>
             <a:r>
               <a:rPr lang="zh-CN" altLang="en-US" dirty="0" smtClean="0"/>
-              <a:t>创建与合并</a:t>
-            </a:r>
-            <a:r>
-              <a:rPr lang="zh-CN" altLang="en-US" dirty="0" smtClean="0"/>
-              <a:t>分支</a:t>
+              <a:t>创建与合并分支</a:t>
             </a:r>
             <a:endParaRPr lang="en-US" altLang="zh-CN" dirty="0" smtClean="0"/>
           </a:p>
@@ -13281,11 +15290,7 @@
             </a:pPr>
             <a:r>
               <a:rPr lang="zh-CN" altLang="en-US" dirty="0" smtClean="0"/>
-              <a:t>查看当前</a:t>
-            </a:r>
-            <a:r>
-              <a:rPr lang="zh-CN" altLang="en-US" dirty="0" smtClean="0"/>
-              <a:t>分支：</a:t>
+              <a:t>查看当前分支：</a:t>
             </a:r>
             <a:endParaRPr lang="en-US" altLang="zh-CN" dirty="0" smtClean="0"/>
           </a:p>
@@ -13360,7 +15365,6 @@
               <a:rPr lang="en-US" altLang="zh-CN" dirty="0" smtClean="0"/>
               <a:t> checkout dev</a:t>
             </a:r>
-            <a:endParaRPr lang="en-US" altLang="zh-CN" dirty="0" smtClean="0"/>
           </a:p>
           <a:p>
             <a:pPr>
@@ -13428,13 +15432,204 @@
           <a:noFill/>
         </p:spPr>
       </p:pic>
+      <p:sp>
+        <p:nvSpPr>
+          <p:cNvPr id="9" name="矩形 8"/>
+          <p:cNvSpPr/>
+          <p:nvPr/>
+        </p:nvSpPr>
+        <p:spPr>
+          <a:xfrm>
+            <a:off x="10895013" y="5934670"/>
+            <a:ext cx="992579" cy="923330"/>
+          </a:xfrm>
+          <a:prstGeom prst="rect">
+            <a:avLst/>
+          </a:prstGeom>
+          <a:noFill/>
+        </p:spPr>
+        <p:txBody>
+          <a:bodyPr wrap="none" lIns="91440" tIns="45720" rIns="91440" bIns="45720">
+            <a:spAutoFit/>
+          </a:bodyPr>
+          <a:lstStyle>
+            <a:defPPr>
+              <a:defRPr lang="en-US"/>
+            </a:defPPr>
+            <a:lvl1pPr marL="0" algn="l" defTabSz="914400" rtl="0" eaLnBrk="1" latinLnBrk="0" hangingPunct="1">
+              <a:defRPr sz="1800" kern="1200">
+                <a:solidFill>
+                  <a:schemeClr val="tx1"/>
+                </a:solidFill>
+                <a:latin typeface="+mn-lt"/>
+                <a:ea typeface="+mn-ea"/>
+                <a:cs typeface="+mn-cs"/>
+              </a:defRPr>
+            </a:lvl1pPr>
+            <a:lvl2pPr marL="457200" algn="l" defTabSz="914400" rtl="0" eaLnBrk="1" latinLnBrk="0" hangingPunct="1">
+              <a:defRPr sz="1800" kern="1200">
+                <a:solidFill>
+                  <a:schemeClr val="tx1"/>
+                </a:solidFill>
+                <a:latin typeface="+mn-lt"/>
+                <a:ea typeface="+mn-ea"/>
+                <a:cs typeface="+mn-cs"/>
+              </a:defRPr>
+            </a:lvl2pPr>
+            <a:lvl3pPr marL="914400" algn="l" defTabSz="914400" rtl="0" eaLnBrk="1" latinLnBrk="0" hangingPunct="1">
+              <a:defRPr sz="1800" kern="1200">
+                <a:solidFill>
+                  <a:schemeClr val="tx1"/>
+                </a:solidFill>
+                <a:latin typeface="+mn-lt"/>
+                <a:ea typeface="+mn-ea"/>
+                <a:cs typeface="+mn-cs"/>
+              </a:defRPr>
+            </a:lvl3pPr>
+            <a:lvl4pPr marL="1371600" algn="l" defTabSz="914400" rtl="0" eaLnBrk="1" latinLnBrk="0" hangingPunct="1">
+              <a:defRPr sz="1800" kern="1200">
+                <a:solidFill>
+                  <a:schemeClr val="tx1"/>
+                </a:solidFill>
+                <a:latin typeface="+mn-lt"/>
+                <a:ea typeface="+mn-ea"/>
+                <a:cs typeface="+mn-cs"/>
+              </a:defRPr>
+            </a:lvl4pPr>
+            <a:lvl5pPr marL="1828800" algn="l" defTabSz="914400" rtl="0" eaLnBrk="1" latinLnBrk="0" hangingPunct="1">
+              <a:defRPr sz="1800" kern="1200">
+                <a:solidFill>
+                  <a:schemeClr val="tx1"/>
+                </a:solidFill>
+                <a:latin typeface="+mn-lt"/>
+                <a:ea typeface="+mn-ea"/>
+                <a:cs typeface="+mn-cs"/>
+              </a:defRPr>
+            </a:lvl5pPr>
+            <a:lvl6pPr marL="2286000" algn="l" defTabSz="914400" rtl="0" eaLnBrk="1" latinLnBrk="0" hangingPunct="1">
+              <a:defRPr sz="1800" kern="1200">
+                <a:solidFill>
+                  <a:schemeClr val="tx1"/>
+                </a:solidFill>
+                <a:latin typeface="+mn-lt"/>
+                <a:ea typeface="+mn-ea"/>
+                <a:cs typeface="+mn-cs"/>
+              </a:defRPr>
+            </a:lvl6pPr>
+            <a:lvl7pPr marL="2743200" algn="l" defTabSz="914400" rtl="0" eaLnBrk="1" latinLnBrk="0" hangingPunct="1">
+              <a:defRPr sz="1800" kern="1200">
+                <a:solidFill>
+                  <a:schemeClr val="tx1"/>
+                </a:solidFill>
+                <a:latin typeface="+mn-lt"/>
+                <a:ea typeface="+mn-ea"/>
+                <a:cs typeface="+mn-cs"/>
+              </a:defRPr>
+            </a:lvl7pPr>
+            <a:lvl8pPr marL="3200400" algn="l" defTabSz="914400" rtl="0" eaLnBrk="1" latinLnBrk="0" hangingPunct="1">
+              <a:defRPr sz="1800" kern="1200">
+                <a:solidFill>
+                  <a:schemeClr val="tx1"/>
+                </a:solidFill>
+                <a:latin typeface="+mn-lt"/>
+                <a:ea typeface="+mn-ea"/>
+                <a:cs typeface="+mn-cs"/>
+              </a:defRPr>
+            </a:lvl8pPr>
+            <a:lvl9pPr marL="3657600" algn="l" defTabSz="914400" rtl="0" eaLnBrk="1" latinLnBrk="0" hangingPunct="1">
+              <a:defRPr sz="1800" kern="1200">
+                <a:solidFill>
+                  <a:schemeClr val="tx1"/>
+                </a:solidFill>
+                <a:latin typeface="+mn-lt"/>
+                <a:ea typeface="+mn-ea"/>
+                <a:cs typeface="+mn-cs"/>
+              </a:defRPr>
+            </a:lvl9pPr>
+          </a:lstStyle>
+          <a:p>
+            <a:pPr algn="ctr"/>
+            <a:r>
+              <a:rPr lang="en-US" altLang="zh-CN" sz="5400" b="1" dirty="0" smtClean="0">
+                <a:ln w="1905"/>
+                <a:gradFill>
+                  <a:gsLst>
+                    <a:gs pos="0">
+                      <a:schemeClr val="accent6">
+                        <a:shade val="20000"/>
+                        <a:satMod val="200000"/>
+                      </a:schemeClr>
+                    </a:gs>
+                    <a:gs pos="78000">
+                      <a:schemeClr val="accent6">
+                        <a:tint val="90000"/>
+                        <a:shade val="89000"/>
+                        <a:satMod val="220000"/>
+                      </a:schemeClr>
+                    </a:gs>
+                    <a:gs pos="100000">
+                      <a:schemeClr val="accent6">
+                        <a:tint val="12000"/>
+                        <a:satMod val="255000"/>
+                      </a:schemeClr>
+                    </a:gs>
+                  </a:gsLst>
+                  <a:lin ang="5400000"/>
+                </a:gradFill>
+                <a:effectLst>
+                  <a:innerShdw blurRad="69850" dist="43180" dir="5400000">
+                    <a:srgbClr val="000000">
+                      <a:alpha val="65000"/>
+                    </a:srgbClr>
+                  </a:innerShdw>
+                </a:effectLst>
+              </a:rPr>
+              <a:t>20</a:t>
+            </a:r>
+            <a:endParaRPr lang="zh-CN" altLang="en-US" sz="5400" b="1" cap="none" spc="0" dirty="0">
+              <a:ln w="1905"/>
+              <a:gradFill>
+                <a:gsLst>
+                  <a:gs pos="0">
+                    <a:schemeClr val="accent6">
+                      <a:shade val="20000"/>
+                      <a:satMod val="200000"/>
+                    </a:schemeClr>
+                  </a:gs>
+                  <a:gs pos="78000">
+                    <a:schemeClr val="accent6">
+                      <a:tint val="90000"/>
+                      <a:shade val="89000"/>
+                      <a:satMod val="220000"/>
+                    </a:schemeClr>
+                  </a:gs>
+                  <a:gs pos="100000">
+                    <a:schemeClr val="accent6">
+                      <a:tint val="12000"/>
+                      <a:satMod val="255000"/>
+                    </a:schemeClr>
+                  </a:gs>
+                </a:gsLst>
+                <a:lin ang="5400000"/>
+              </a:gradFill>
+              <a:effectLst>
+                <a:innerShdw blurRad="69850" dist="43180" dir="5400000">
+                  <a:srgbClr val="000000">
+                    <a:alpha val="65000"/>
+                  </a:srgbClr>
+                </a:innerShdw>
+              </a:effectLst>
+            </a:endParaRPr>
+          </a:p>
+        </p:txBody>
+      </p:sp>
     </p:spTree>
   </p:cSld>
   <p:clrMapOvr>
     <a:masterClrMapping/>
   </p:clrMapOvr>
   <mc:AlternateContent xmlns:mc="http://schemas.openxmlformats.org/markup-compatibility/2006">
-    <mc:Choice xmlns:p14="http://schemas.microsoft.com/office/powerpoint/2010/main" xmlns="" Requires="p14">
+    <mc:Choice xmlns="" xmlns:p14="http://schemas.microsoft.com/office/powerpoint/2010/main" Requires="p14">
       <p:transition spd="med" p14:dur="700">
         <p:fade/>
       </p:transition>
@@ -13492,12 +15687,8 @@
               <a:t>Git</a:t>
             </a:r>
             <a:r>
-              <a:rPr lang="en-US" altLang="zh-CN" dirty="0" err="1" smtClean="0"/>
-              <a:t>hub</a:t>
-            </a:r>
-            <a:r>
               <a:rPr lang="zh-CN" altLang="en-US" dirty="0" smtClean="0"/>
-              <a:t>的使用</a:t>
+              <a:t>常用命令详解</a:t>
             </a:r>
             <a:endParaRPr lang="zh-CN" altLang="en-US" dirty="0"/>
           </a:p>
@@ -13523,11 +15714,7 @@
           <a:p>
             <a:r>
               <a:rPr lang="zh-CN" altLang="en-US" dirty="0" smtClean="0"/>
-              <a:t>创建与合并</a:t>
-            </a:r>
-            <a:r>
-              <a:rPr lang="zh-CN" altLang="en-US" dirty="0" smtClean="0"/>
-              <a:t>分支</a:t>
+              <a:t>创建与合并分支</a:t>
             </a:r>
             <a:endParaRPr lang="en-US" altLang="zh-CN" dirty="0" smtClean="0"/>
           </a:p>
@@ -13702,11 +15889,7 @@
             </a:r>
             <a:r>
               <a:rPr lang="en-US" altLang="zh-CN" dirty="0" smtClean="0"/>
-              <a:t> add </a:t>
-            </a:r>
-            <a:r>
-              <a:rPr lang="en-US" altLang="zh-CN" dirty="0" smtClean="0"/>
-              <a:t>readme.txt</a:t>
+              <a:t> add readme.txt</a:t>
             </a:r>
           </a:p>
           <a:p>
@@ -13719,11 +15902,7 @@
             </a:r>
             <a:r>
               <a:rPr lang="en-US" altLang="zh-CN" dirty="0" smtClean="0"/>
-              <a:t> commit -m "branch </a:t>
-            </a:r>
-            <a:r>
-              <a:rPr lang="en-US" altLang="zh-CN" dirty="0" smtClean="0"/>
-              <a:t>test”</a:t>
+              <a:t> commit -m "branch test”</a:t>
             </a:r>
           </a:p>
           <a:p>
@@ -13762,7 +15941,6 @@
               <a:rPr lang="en-US" altLang="zh-CN" dirty="0" smtClean="0"/>
               <a:t> checkout master</a:t>
             </a:r>
-            <a:endParaRPr lang="en-US" altLang="zh-CN" dirty="0" smtClean="0"/>
           </a:p>
         </p:txBody>
       </p:sp>
@@ -13818,13 +15996,204 @@
           <a:noFill/>
         </p:spPr>
       </p:pic>
+      <p:sp>
+        <p:nvSpPr>
+          <p:cNvPr id="9" name="矩形 8"/>
+          <p:cNvSpPr/>
+          <p:nvPr/>
+        </p:nvSpPr>
+        <p:spPr>
+          <a:xfrm>
+            <a:off x="10913446" y="5934670"/>
+            <a:ext cx="955711" cy="923330"/>
+          </a:xfrm>
+          <a:prstGeom prst="rect">
+            <a:avLst/>
+          </a:prstGeom>
+          <a:noFill/>
+        </p:spPr>
+        <p:txBody>
+          <a:bodyPr wrap="none" lIns="91440" tIns="45720" rIns="91440" bIns="45720">
+            <a:spAutoFit/>
+          </a:bodyPr>
+          <a:lstStyle>
+            <a:defPPr>
+              <a:defRPr lang="en-US"/>
+            </a:defPPr>
+            <a:lvl1pPr marL="0" algn="l" defTabSz="914400" rtl="0" eaLnBrk="1" latinLnBrk="0" hangingPunct="1">
+              <a:defRPr sz="1800" kern="1200">
+                <a:solidFill>
+                  <a:schemeClr val="tx1"/>
+                </a:solidFill>
+                <a:latin typeface="+mn-lt"/>
+                <a:ea typeface="+mn-ea"/>
+                <a:cs typeface="+mn-cs"/>
+              </a:defRPr>
+            </a:lvl1pPr>
+            <a:lvl2pPr marL="457200" algn="l" defTabSz="914400" rtl="0" eaLnBrk="1" latinLnBrk="0" hangingPunct="1">
+              <a:defRPr sz="1800" kern="1200">
+                <a:solidFill>
+                  <a:schemeClr val="tx1"/>
+                </a:solidFill>
+                <a:latin typeface="+mn-lt"/>
+                <a:ea typeface="+mn-ea"/>
+                <a:cs typeface="+mn-cs"/>
+              </a:defRPr>
+            </a:lvl2pPr>
+            <a:lvl3pPr marL="914400" algn="l" defTabSz="914400" rtl="0" eaLnBrk="1" latinLnBrk="0" hangingPunct="1">
+              <a:defRPr sz="1800" kern="1200">
+                <a:solidFill>
+                  <a:schemeClr val="tx1"/>
+                </a:solidFill>
+                <a:latin typeface="+mn-lt"/>
+                <a:ea typeface="+mn-ea"/>
+                <a:cs typeface="+mn-cs"/>
+              </a:defRPr>
+            </a:lvl3pPr>
+            <a:lvl4pPr marL="1371600" algn="l" defTabSz="914400" rtl="0" eaLnBrk="1" latinLnBrk="0" hangingPunct="1">
+              <a:defRPr sz="1800" kern="1200">
+                <a:solidFill>
+                  <a:schemeClr val="tx1"/>
+                </a:solidFill>
+                <a:latin typeface="+mn-lt"/>
+                <a:ea typeface="+mn-ea"/>
+                <a:cs typeface="+mn-cs"/>
+              </a:defRPr>
+            </a:lvl4pPr>
+            <a:lvl5pPr marL="1828800" algn="l" defTabSz="914400" rtl="0" eaLnBrk="1" latinLnBrk="0" hangingPunct="1">
+              <a:defRPr sz="1800" kern="1200">
+                <a:solidFill>
+                  <a:schemeClr val="tx1"/>
+                </a:solidFill>
+                <a:latin typeface="+mn-lt"/>
+                <a:ea typeface="+mn-ea"/>
+                <a:cs typeface="+mn-cs"/>
+              </a:defRPr>
+            </a:lvl5pPr>
+            <a:lvl6pPr marL="2286000" algn="l" defTabSz="914400" rtl="0" eaLnBrk="1" latinLnBrk="0" hangingPunct="1">
+              <a:defRPr sz="1800" kern="1200">
+                <a:solidFill>
+                  <a:schemeClr val="tx1"/>
+                </a:solidFill>
+                <a:latin typeface="+mn-lt"/>
+                <a:ea typeface="+mn-ea"/>
+                <a:cs typeface="+mn-cs"/>
+              </a:defRPr>
+            </a:lvl6pPr>
+            <a:lvl7pPr marL="2743200" algn="l" defTabSz="914400" rtl="0" eaLnBrk="1" latinLnBrk="0" hangingPunct="1">
+              <a:defRPr sz="1800" kern="1200">
+                <a:solidFill>
+                  <a:schemeClr val="tx1"/>
+                </a:solidFill>
+                <a:latin typeface="+mn-lt"/>
+                <a:ea typeface="+mn-ea"/>
+                <a:cs typeface="+mn-cs"/>
+              </a:defRPr>
+            </a:lvl7pPr>
+            <a:lvl8pPr marL="3200400" algn="l" defTabSz="914400" rtl="0" eaLnBrk="1" latinLnBrk="0" hangingPunct="1">
+              <a:defRPr sz="1800" kern="1200">
+                <a:solidFill>
+                  <a:schemeClr val="tx1"/>
+                </a:solidFill>
+                <a:latin typeface="+mn-lt"/>
+                <a:ea typeface="+mn-ea"/>
+                <a:cs typeface="+mn-cs"/>
+              </a:defRPr>
+            </a:lvl8pPr>
+            <a:lvl9pPr marL="3657600" algn="l" defTabSz="914400" rtl="0" eaLnBrk="1" latinLnBrk="0" hangingPunct="1">
+              <a:defRPr sz="1800" kern="1200">
+                <a:solidFill>
+                  <a:schemeClr val="tx1"/>
+                </a:solidFill>
+                <a:latin typeface="+mn-lt"/>
+                <a:ea typeface="+mn-ea"/>
+                <a:cs typeface="+mn-cs"/>
+              </a:defRPr>
+            </a:lvl9pPr>
+          </a:lstStyle>
+          <a:p>
+            <a:pPr algn="ctr"/>
+            <a:r>
+              <a:rPr lang="en-US" altLang="zh-CN" sz="5400" b="1" cap="none" spc="0" dirty="0" smtClean="0">
+                <a:ln w="1905"/>
+                <a:gradFill>
+                  <a:gsLst>
+                    <a:gs pos="0">
+                      <a:schemeClr val="accent6">
+                        <a:shade val="20000"/>
+                        <a:satMod val="200000"/>
+                      </a:schemeClr>
+                    </a:gs>
+                    <a:gs pos="78000">
+                      <a:schemeClr val="accent6">
+                        <a:tint val="90000"/>
+                        <a:shade val="89000"/>
+                        <a:satMod val="220000"/>
+                      </a:schemeClr>
+                    </a:gs>
+                    <a:gs pos="100000">
+                      <a:schemeClr val="accent6">
+                        <a:tint val="12000"/>
+                        <a:satMod val="255000"/>
+                      </a:schemeClr>
+                    </a:gs>
+                  </a:gsLst>
+                  <a:lin ang="5400000"/>
+                </a:gradFill>
+                <a:effectLst>
+                  <a:innerShdw blurRad="69850" dist="43180" dir="5400000">
+                    <a:srgbClr val="000000">
+                      <a:alpha val="65000"/>
+                    </a:srgbClr>
+                  </a:innerShdw>
+                </a:effectLst>
+              </a:rPr>
+              <a:t>21</a:t>
+            </a:r>
+            <a:endParaRPr lang="zh-CN" altLang="en-US" sz="5400" b="1" cap="none" spc="0" dirty="0">
+              <a:ln w="1905"/>
+              <a:gradFill>
+                <a:gsLst>
+                  <a:gs pos="0">
+                    <a:schemeClr val="accent6">
+                      <a:shade val="20000"/>
+                      <a:satMod val="200000"/>
+                    </a:schemeClr>
+                  </a:gs>
+                  <a:gs pos="78000">
+                    <a:schemeClr val="accent6">
+                      <a:tint val="90000"/>
+                      <a:shade val="89000"/>
+                      <a:satMod val="220000"/>
+                    </a:schemeClr>
+                  </a:gs>
+                  <a:gs pos="100000">
+                    <a:schemeClr val="accent6">
+                      <a:tint val="12000"/>
+                      <a:satMod val="255000"/>
+                    </a:schemeClr>
+                  </a:gs>
+                </a:gsLst>
+                <a:lin ang="5400000"/>
+              </a:gradFill>
+              <a:effectLst>
+                <a:innerShdw blurRad="69850" dist="43180" dir="5400000">
+                  <a:srgbClr val="000000">
+                    <a:alpha val="65000"/>
+                  </a:srgbClr>
+                </a:innerShdw>
+              </a:effectLst>
+            </a:endParaRPr>
+          </a:p>
+        </p:txBody>
+      </p:sp>
     </p:spTree>
   </p:cSld>
   <p:clrMapOvr>
     <a:masterClrMapping/>
   </p:clrMapOvr>
   <mc:AlternateContent xmlns:mc="http://schemas.openxmlformats.org/markup-compatibility/2006">
-    <mc:Choice xmlns:p14="http://schemas.microsoft.com/office/powerpoint/2010/main" xmlns="" Requires="p14">
+    <mc:Choice xmlns="" xmlns:p14="http://schemas.microsoft.com/office/powerpoint/2010/main" Requires="p14">
       <p:transition spd="med" p14:dur="700">
         <p:fade/>
       </p:transition>
@@ -13882,12 +16251,8 @@
               <a:t>Git</a:t>
             </a:r>
             <a:r>
-              <a:rPr lang="en-US" altLang="zh-CN" dirty="0" err="1" smtClean="0"/>
-              <a:t>hub</a:t>
-            </a:r>
-            <a:r>
               <a:rPr lang="zh-CN" altLang="en-US" dirty="0" smtClean="0"/>
-              <a:t>的使用</a:t>
+              <a:t>常用命令详解</a:t>
             </a:r>
             <a:endParaRPr lang="zh-CN" altLang="en-US" dirty="0"/>
           </a:p>
@@ -13913,11 +16278,7 @@
           <a:p>
             <a:r>
               <a:rPr lang="zh-CN" altLang="en-US" dirty="0" smtClean="0"/>
-              <a:t>创建与合并</a:t>
-            </a:r>
-            <a:r>
-              <a:rPr lang="zh-CN" altLang="en-US" dirty="0" smtClean="0"/>
-              <a:t>分支</a:t>
+              <a:t>创建与合并分支</a:t>
             </a:r>
             <a:endParaRPr lang="en-US" altLang="zh-CN" dirty="0" smtClean="0"/>
           </a:p>
@@ -14089,11 +16450,7 @@
             </a:pPr>
             <a:r>
               <a:rPr lang="en-US" altLang="zh-CN" dirty="0" smtClean="0"/>
-              <a:t>Fast </a:t>
-            </a:r>
-            <a:r>
-              <a:rPr lang="en-US" altLang="zh-CN" dirty="0" smtClean="0"/>
-              <a:t>forward</a:t>
+              <a:t>Fast forward</a:t>
             </a:r>
             <a:r>
               <a:rPr lang="zh-CN" altLang="en-US" dirty="0" smtClean="0"/>
@@ -14111,11 +16468,7 @@
             </a:r>
             <a:r>
               <a:rPr lang="en-US" altLang="zh-CN" dirty="0" smtClean="0"/>
-              <a:t> merge </a:t>
-            </a:r>
-            <a:r>
-              <a:rPr lang="en-US" altLang="zh-CN" dirty="0" smtClean="0"/>
-              <a:t>dev</a:t>
+              <a:t> merge dev</a:t>
             </a:r>
           </a:p>
           <a:p>
@@ -14152,11 +16505,7 @@
             </a:r>
             <a:r>
               <a:rPr lang="en-US" altLang="zh-CN" dirty="0" smtClean="0"/>
-              <a:t> branch -d </a:t>
-            </a:r>
-            <a:r>
-              <a:rPr lang="en-US" altLang="zh-CN" dirty="0" smtClean="0"/>
-              <a:t>dev</a:t>
+              <a:t> branch -d dev</a:t>
             </a:r>
           </a:p>
           <a:p>
@@ -14242,13 +16591,204 @@
           <a:noFill/>
         </p:spPr>
       </p:pic>
+      <p:sp>
+        <p:nvSpPr>
+          <p:cNvPr id="9" name="矩形 8"/>
+          <p:cNvSpPr/>
+          <p:nvPr/>
+        </p:nvSpPr>
+        <p:spPr>
+          <a:xfrm>
+            <a:off x="10895012" y="5934670"/>
+            <a:ext cx="992579" cy="923330"/>
+          </a:xfrm>
+          <a:prstGeom prst="rect">
+            <a:avLst/>
+          </a:prstGeom>
+          <a:noFill/>
+        </p:spPr>
+        <p:txBody>
+          <a:bodyPr wrap="none" lIns="91440" tIns="45720" rIns="91440" bIns="45720">
+            <a:spAutoFit/>
+          </a:bodyPr>
+          <a:lstStyle>
+            <a:defPPr>
+              <a:defRPr lang="en-US"/>
+            </a:defPPr>
+            <a:lvl1pPr marL="0" algn="l" defTabSz="914400" rtl="0" eaLnBrk="1" latinLnBrk="0" hangingPunct="1">
+              <a:defRPr sz="1800" kern="1200">
+                <a:solidFill>
+                  <a:schemeClr val="tx1"/>
+                </a:solidFill>
+                <a:latin typeface="+mn-lt"/>
+                <a:ea typeface="+mn-ea"/>
+                <a:cs typeface="+mn-cs"/>
+              </a:defRPr>
+            </a:lvl1pPr>
+            <a:lvl2pPr marL="457200" algn="l" defTabSz="914400" rtl="0" eaLnBrk="1" latinLnBrk="0" hangingPunct="1">
+              <a:defRPr sz="1800" kern="1200">
+                <a:solidFill>
+                  <a:schemeClr val="tx1"/>
+                </a:solidFill>
+                <a:latin typeface="+mn-lt"/>
+                <a:ea typeface="+mn-ea"/>
+                <a:cs typeface="+mn-cs"/>
+              </a:defRPr>
+            </a:lvl2pPr>
+            <a:lvl3pPr marL="914400" algn="l" defTabSz="914400" rtl="0" eaLnBrk="1" latinLnBrk="0" hangingPunct="1">
+              <a:defRPr sz="1800" kern="1200">
+                <a:solidFill>
+                  <a:schemeClr val="tx1"/>
+                </a:solidFill>
+                <a:latin typeface="+mn-lt"/>
+                <a:ea typeface="+mn-ea"/>
+                <a:cs typeface="+mn-cs"/>
+              </a:defRPr>
+            </a:lvl3pPr>
+            <a:lvl4pPr marL="1371600" algn="l" defTabSz="914400" rtl="0" eaLnBrk="1" latinLnBrk="0" hangingPunct="1">
+              <a:defRPr sz="1800" kern="1200">
+                <a:solidFill>
+                  <a:schemeClr val="tx1"/>
+                </a:solidFill>
+                <a:latin typeface="+mn-lt"/>
+                <a:ea typeface="+mn-ea"/>
+                <a:cs typeface="+mn-cs"/>
+              </a:defRPr>
+            </a:lvl4pPr>
+            <a:lvl5pPr marL="1828800" algn="l" defTabSz="914400" rtl="0" eaLnBrk="1" latinLnBrk="0" hangingPunct="1">
+              <a:defRPr sz="1800" kern="1200">
+                <a:solidFill>
+                  <a:schemeClr val="tx1"/>
+                </a:solidFill>
+                <a:latin typeface="+mn-lt"/>
+                <a:ea typeface="+mn-ea"/>
+                <a:cs typeface="+mn-cs"/>
+              </a:defRPr>
+            </a:lvl5pPr>
+            <a:lvl6pPr marL="2286000" algn="l" defTabSz="914400" rtl="0" eaLnBrk="1" latinLnBrk="0" hangingPunct="1">
+              <a:defRPr sz="1800" kern="1200">
+                <a:solidFill>
+                  <a:schemeClr val="tx1"/>
+                </a:solidFill>
+                <a:latin typeface="+mn-lt"/>
+                <a:ea typeface="+mn-ea"/>
+                <a:cs typeface="+mn-cs"/>
+              </a:defRPr>
+            </a:lvl6pPr>
+            <a:lvl7pPr marL="2743200" algn="l" defTabSz="914400" rtl="0" eaLnBrk="1" latinLnBrk="0" hangingPunct="1">
+              <a:defRPr sz="1800" kern="1200">
+                <a:solidFill>
+                  <a:schemeClr val="tx1"/>
+                </a:solidFill>
+                <a:latin typeface="+mn-lt"/>
+                <a:ea typeface="+mn-ea"/>
+                <a:cs typeface="+mn-cs"/>
+              </a:defRPr>
+            </a:lvl7pPr>
+            <a:lvl8pPr marL="3200400" algn="l" defTabSz="914400" rtl="0" eaLnBrk="1" latinLnBrk="0" hangingPunct="1">
+              <a:defRPr sz="1800" kern="1200">
+                <a:solidFill>
+                  <a:schemeClr val="tx1"/>
+                </a:solidFill>
+                <a:latin typeface="+mn-lt"/>
+                <a:ea typeface="+mn-ea"/>
+                <a:cs typeface="+mn-cs"/>
+              </a:defRPr>
+            </a:lvl8pPr>
+            <a:lvl9pPr marL="3657600" algn="l" defTabSz="914400" rtl="0" eaLnBrk="1" latinLnBrk="0" hangingPunct="1">
+              <a:defRPr sz="1800" kern="1200">
+                <a:solidFill>
+                  <a:schemeClr val="tx1"/>
+                </a:solidFill>
+                <a:latin typeface="+mn-lt"/>
+                <a:ea typeface="+mn-ea"/>
+                <a:cs typeface="+mn-cs"/>
+              </a:defRPr>
+            </a:lvl9pPr>
+          </a:lstStyle>
+          <a:p>
+            <a:pPr algn="ctr"/>
+            <a:r>
+              <a:rPr lang="en-US" altLang="zh-CN" sz="5400" b="1" cap="none" spc="0" dirty="0" smtClean="0">
+                <a:ln w="1905"/>
+                <a:gradFill>
+                  <a:gsLst>
+                    <a:gs pos="0">
+                      <a:schemeClr val="accent6">
+                        <a:shade val="20000"/>
+                        <a:satMod val="200000"/>
+                      </a:schemeClr>
+                    </a:gs>
+                    <a:gs pos="78000">
+                      <a:schemeClr val="accent6">
+                        <a:tint val="90000"/>
+                        <a:shade val="89000"/>
+                        <a:satMod val="220000"/>
+                      </a:schemeClr>
+                    </a:gs>
+                    <a:gs pos="100000">
+                      <a:schemeClr val="accent6">
+                        <a:tint val="12000"/>
+                        <a:satMod val="255000"/>
+                      </a:schemeClr>
+                    </a:gs>
+                  </a:gsLst>
+                  <a:lin ang="5400000"/>
+                </a:gradFill>
+                <a:effectLst>
+                  <a:innerShdw blurRad="69850" dist="43180" dir="5400000">
+                    <a:srgbClr val="000000">
+                      <a:alpha val="65000"/>
+                    </a:srgbClr>
+                  </a:innerShdw>
+                </a:effectLst>
+              </a:rPr>
+              <a:t>22</a:t>
+            </a:r>
+            <a:endParaRPr lang="zh-CN" altLang="en-US" sz="5400" b="1" cap="none" spc="0" dirty="0">
+              <a:ln w="1905"/>
+              <a:gradFill>
+                <a:gsLst>
+                  <a:gs pos="0">
+                    <a:schemeClr val="accent6">
+                      <a:shade val="20000"/>
+                      <a:satMod val="200000"/>
+                    </a:schemeClr>
+                  </a:gs>
+                  <a:gs pos="78000">
+                    <a:schemeClr val="accent6">
+                      <a:tint val="90000"/>
+                      <a:shade val="89000"/>
+                      <a:satMod val="220000"/>
+                    </a:schemeClr>
+                  </a:gs>
+                  <a:gs pos="100000">
+                    <a:schemeClr val="accent6">
+                      <a:tint val="12000"/>
+                      <a:satMod val="255000"/>
+                    </a:schemeClr>
+                  </a:gs>
+                </a:gsLst>
+                <a:lin ang="5400000"/>
+              </a:gradFill>
+              <a:effectLst>
+                <a:innerShdw blurRad="69850" dist="43180" dir="5400000">
+                  <a:srgbClr val="000000">
+                    <a:alpha val="65000"/>
+                  </a:srgbClr>
+                </a:innerShdw>
+              </a:effectLst>
+            </a:endParaRPr>
+          </a:p>
+        </p:txBody>
+      </p:sp>
     </p:spTree>
   </p:cSld>
   <p:clrMapOvr>
     <a:masterClrMapping/>
   </p:clrMapOvr>
   <mc:AlternateContent xmlns:mc="http://schemas.openxmlformats.org/markup-compatibility/2006">
-    <mc:Choice xmlns:p14="http://schemas.microsoft.com/office/powerpoint/2010/main" xmlns="" Requires="p14">
+    <mc:Choice xmlns="" xmlns:p14="http://schemas.microsoft.com/office/powerpoint/2010/main" Requires="p14">
       <p:transition spd="med" p14:dur="700">
         <p:fade/>
       </p:transition>
@@ -14306,12 +16846,8 @@
               <a:t>Git</a:t>
             </a:r>
             <a:r>
-              <a:rPr lang="en-US" altLang="zh-CN" dirty="0" err="1" smtClean="0"/>
-              <a:t>hub</a:t>
-            </a:r>
-            <a:r>
               <a:rPr lang="zh-CN" altLang="en-US" dirty="0" smtClean="0"/>
-              <a:t>的使用</a:t>
+              <a:t>常用命令详解</a:t>
             </a:r>
             <a:endParaRPr lang="zh-CN" altLang="en-US" dirty="0"/>
           </a:p>
@@ -14583,15 +17119,7 @@
             </a:pPr>
             <a:r>
               <a:rPr lang="zh-CN" altLang="en-US" dirty="0" smtClean="0"/>
-              <a:t>执行合并</a:t>
-            </a:r>
-            <a:r>
-              <a:rPr lang="zh-CN" altLang="en-US" dirty="0" smtClean="0"/>
-              <a:t>，</a:t>
-            </a:r>
-            <a:r>
-              <a:rPr lang="zh-CN" altLang="en-US" dirty="0" smtClean="0"/>
-              <a:t>产生冲突：</a:t>
+              <a:t>执行合并，产生冲突：</a:t>
             </a:r>
             <a:endParaRPr lang="en-US" altLang="zh-CN" dirty="0" smtClean="0"/>
           </a:p>
@@ -14609,11 +17137,7 @@
             </a:r>
             <a:r>
               <a:rPr lang="en-US" altLang="zh-CN" dirty="0" smtClean="0"/>
-              <a:t> merge </a:t>
-            </a:r>
-            <a:r>
-              <a:rPr lang="en-US" altLang="zh-CN" dirty="0" smtClean="0"/>
-              <a:t>feature1</a:t>
+              <a:t> merge feature1</a:t>
             </a:r>
           </a:p>
           <a:p>
@@ -14654,11 +17178,7 @@
             </a:r>
             <a:r>
               <a:rPr lang="en-US" altLang="zh-CN" dirty="0" smtClean="0"/>
-              <a:t> add </a:t>
-            </a:r>
-            <a:r>
-              <a:rPr lang="en-US" altLang="zh-CN" dirty="0" smtClean="0"/>
-              <a:t>readme.txt</a:t>
+              <a:t> add readme.txt</a:t>
             </a:r>
           </a:p>
           <a:p>
@@ -14679,11 +17199,7 @@
             </a:r>
             <a:r>
               <a:rPr lang="en-US" altLang="zh-CN" dirty="0" smtClean="0"/>
-              <a:t>conflict </a:t>
-            </a:r>
-            <a:r>
-              <a:rPr lang="en-US" altLang="zh-CN" dirty="0" smtClean="0"/>
-              <a:t> fixed</a:t>
+              <a:t>conflict  fixed</a:t>
             </a:r>
             <a:r>
               <a:rPr lang="zh-CN" altLang="en-US" dirty="0" smtClean="0"/>
@@ -14755,13 +17271,204 @@
           <a:noFill/>
         </p:spPr>
       </p:pic>
+      <p:sp>
+        <p:nvSpPr>
+          <p:cNvPr id="9" name="矩形 8"/>
+          <p:cNvSpPr/>
+          <p:nvPr/>
+        </p:nvSpPr>
+        <p:spPr>
+          <a:xfrm>
+            <a:off x="10895012" y="5934670"/>
+            <a:ext cx="992579" cy="923330"/>
+          </a:xfrm>
+          <a:prstGeom prst="rect">
+            <a:avLst/>
+          </a:prstGeom>
+          <a:noFill/>
+        </p:spPr>
+        <p:txBody>
+          <a:bodyPr wrap="none" lIns="91440" tIns="45720" rIns="91440" bIns="45720">
+            <a:spAutoFit/>
+          </a:bodyPr>
+          <a:lstStyle>
+            <a:defPPr>
+              <a:defRPr lang="en-US"/>
+            </a:defPPr>
+            <a:lvl1pPr marL="0" algn="l" defTabSz="914400" rtl="0" eaLnBrk="1" latinLnBrk="0" hangingPunct="1">
+              <a:defRPr sz="1800" kern="1200">
+                <a:solidFill>
+                  <a:schemeClr val="tx1"/>
+                </a:solidFill>
+                <a:latin typeface="+mn-lt"/>
+                <a:ea typeface="+mn-ea"/>
+                <a:cs typeface="+mn-cs"/>
+              </a:defRPr>
+            </a:lvl1pPr>
+            <a:lvl2pPr marL="457200" algn="l" defTabSz="914400" rtl="0" eaLnBrk="1" latinLnBrk="0" hangingPunct="1">
+              <a:defRPr sz="1800" kern="1200">
+                <a:solidFill>
+                  <a:schemeClr val="tx1"/>
+                </a:solidFill>
+                <a:latin typeface="+mn-lt"/>
+                <a:ea typeface="+mn-ea"/>
+                <a:cs typeface="+mn-cs"/>
+              </a:defRPr>
+            </a:lvl2pPr>
+            <a:lvl3pPr marL="914400" algn="l" defTabSz="914400" rtl="0" eaLnBrk="1" latinLnBrk="0" hangingPunct="1">
+              <a:defRPr sz="1800" kern="1200">
+                <a:solidFill>
+                  <a:schemeClr val="tx1"/>
+                </a:solidFill>
+                <a:latin typeface="+mn-lt"/>
+                <a:ea typeface="+mn-ea"/>
+                <a:cs typeface="+mn-cs"/>
+              </a:defRPr>
+            </a:lvl3pPr>
+            <a:lvl4pPr marL="1371600" algn="l" defTabSz="914400" rtl="0" eaLnBrk="1" latinLnBrk="0" hangingPunct="1">
+              <a:defRPr sz="1800" kern="1200">
+                <a:solidFill>
+                  <a:schemeClr val="tx1"/>
+                </a:solidFill>
+                <a:latin typeface="+mn-lt"/>
+                <a:ea typeface="+mn-ea"/>
+                <a:cs typeface="+mn-cs"/>
+              </a:defRPr>
+            </a:lvl4pPr>
+            <a:lvl5pPr marL="1828800" algn="l" defTabSz="914400" rtl="0" eaLnBrk="1" latinLnBrk="0" hangingPunct="1">
+              <a:defRPr sz="1800" kern="1200">
+                <a:solidFill>
+                  <a:schemeClr val="tx1"/>
+                </a:solidFill>
+                <a:latin typeface="+mn-lt"/>
+                <a:ea typeface="+mn-ea"/>
+                <a:cs typeface="+mn-cs"/>
+              </a:defRPr>
+            </a:lvl5pPr>
+            <a:lvl6pPr marL="2286000" algn="l" defTabSz="914400" rtl="0" eaLnBrk="1" latinLnBrk="0" hangingPunct="1">
+              <a:defRPr sz="1800" kern="1200">
+                <a:solidFill>
+                  <a:schemeClr val="tx1"/>
+                </a:solidFill>
+                <a:latin typeface="+mn-lt"/>
+                <a:ea typeface="+mn-ea"/>
+                <a:cs typeface="+mn-cs"/>
+              </a:defRPr>
+            </a:lvl6pPr>
+            <a:lvl7pPr marL="2743200" algn="l" defTabSz="914400" rtl="0" eaLnBrk="1" latinLnBrk="0" hangingPunct="1">
+              <a:defRPr sz="1800" kern="1200">
+                <a:solidFill>
+                  <a:schemeClr val="tx1"/>
+                </a:solidFill>
+                <a:latin typeface="+mn-lt"/>
+                <a:ea typeface="+mn-ea"/>
+                <a:cs typeface="+mn-cs"/>
+              </a:defRPr>
+            </a:lvl7pPr>
+            <a:lvl8pPr marL="3200400" algn="l" defTabSz="914400" rtl="0" eaLnBrk="1" latinLnBrk="0" hangingPunct="1">
+              <a:defRPr sz="1800" kern="1200">
+                <a:solidFill>
+                  <a:schemeClr val="tx1"/>
+                </a:solidFill>
+                <a:latin typeface="+mn-lt"/>
+                <a:ea typeface="+mn-ea"/>
+                <a:cs typeface="+mn-cs"/>
+              </a:defRPr>
+            </a:lvl8pPr>
+            <a:lvl9pPr marL="3657600" algn="l" defTabSz="914400" rtl="0" eaLnBrk="1" latinLnBrk="0" hangingPunct="1">
+              <a:defRPr sz="1800" kern="1200">
+                <a:solidFill>
+                  <a:schemeClr val="tx1"/>
+                </a:solidFill>
+                <a:latin typeface="+mn-lt"/>
+                <a:ea typeface="+mn-ea"/>
+                <a:cs typeface="+mn-cs"/>
+              </a:defRPr>
+            </a:lvl9pPr>
+          </a:lstStyle>
+          <a:p>
+            <a:pPr algn="ctr"/>
+            <a:r>
+              <a:rPr lang="en-US" altLang="zh-CN" sz="5400" b="1" cap="none" spc="0" dirty="0" smtClean="0">
+                <a:ln w="1905"/>
+                <a:gradFill>
+                  <a:gsLst>
+                    <a:gs pos="0">
+                      <a:schemeClr val="accent6">
+                        <a:shade val="20000"/>
+                        <a:satMod val="200000"/>
+                      </a:schemeClr>
+                    </a:gs>
+                    <a:gs pos="78000">
+                      <a:schemeClr val="accent6">
+                        <a:tint val="90000"/>
+                        <a:shade val="89000"/>
+                        <a:satMod val="220000"/>
+                      </a:schemeClr>
+                    </a:gs>
+                    <a:gs pos="100000">
+                      <a:schemeClr val="accent6">
+                        <a:tint val="12000"/>
+                        <a:satMod val="255000"/>
+                      </a:schemeClr>
+                    </a:gs>
+                  </a:gsLst>
+                  <a:lin ang="5400000"/>
+                </a:gradFill>
+                <a:effectLst>
+                  <a:innerShdw blurRad="69850" dist="43180" dir="5400000">
+                    <a:srgbClr val="000000">
+                      <a:alpha val="65000"/>
+                    </a:srgbClr>
+                  </a:innerShdw>
+                </a:effectLst>
+              </a:rPr>
+              <a:t>23</a:t>
+            </a:r>
+            <a:endParaRPr lang="zh-CN" altLang="en-US" sz="5400" b="1" cap="none" spc="0" dirty="0">
+              <a:ln w="1905"/>
+              <a:gradFill>
+                <a:gsLst>
+                  <a:gs pos="0">
+                    <a:schemeClr val="accent6">
+                      <a:shade val="20000"/>
+                      <a:satMod val="200000"/>
+                    </a:schemeClr>
+                  </a:gs>
+                  <a:gs pos="78000">
+                    <a:schemeClr val="accent6">
+                      <a:tint val="90000"/>
+                      <a:shade val="89000"/>
+                      <a:satMod val="220000"/>
+                    </a:schemeClr>
+                  </a:gs>
+                  <a:gs pos="100000">
+                    <a:schemeClr val="accent6">
+                      <a:tint val="12000"/>
+                      <a:satMod val="255000"/>
+                    </a:schemeClr>
+                  </a:gs>
+                </a:gsLst>
+                <a:lin ang="5400000"/>
+              </a:gradFill>
+              <a:effectLst>
+                <a:innerShdw blurRad="69850" dist="43180" dir="5400000">
+                  <a:srgbClr val="000000">
+                    <a:alpha val="65000"/>
+                  </a:srgbClr>
+                </a:innerShdw>
+              </a:effectLst>
+            </a:endParaRPr>
+          </a:p>
+        </p:txBody>
+      </p:sp>
     </p:spTree>
   </p:cSld>
   <p:clrMapOvr>
     <a:masterClrMapping/>
   </p:clrMapOvr>
   <mc:AlternateContent xmlns:mc="http://schemas.openxmlformats.org/markup-compatibility/2006">
-    <mc:Choice xmlns:p14="http://schemas.microsoft.com/office/powerpoint/2010/main" xmlns="" Requires="p14">
+    <mc:Choice xmlns="" xmlns:p14="http://schemas.microsoft.com/office/powerpoint/2010/main" Requires="p14">
       <p:transition spd="med" p14:dur="700">
         <p:fade/>
       </p:transition>
@@ -14819,12 +17526,8 @@
               <a:t>Git</a:t>
             </a:r>
             <a:r>
-              <a:rPr lang="en-US" altLang="zh-CN" dirty="0" err="1" smtClean="0"/>
-              <a:t>hub</a:t>
-            </a:r>
-            <a:r>
               <a:rPr lang="zh-CN" altLang="en-US" dirty="0" smtClean="0"/>
-              <a:t>的使用</a:t>
+              <a:t>常用命令详解</a:t>
             </a:r>
             <a:endParaRPr lang="zh-CN" altLang="en-US" dirty="0"/>
           </a:p>
@@ -14970,11 +17673,7 @@
             </a:pPr>
             <a:r>
               <a:rPr lang="zh-CN" altLang="en-US" sz="1600" dirty="0" smtClean="0"/>
-              <a:t>打印执行的</a:t>
-            </a:r>
-            <a:r>
-              <a:rPr lang="zh-CN" altLang="en-US" sz="1600" dirty="0" smtClean="0"/>
-              <a:t>日志简化模式：</a:t>
+              <a:t>打印执行的日志简化模式：</a:t>
             </a:r>
             <a:endParaRPr lang="en-US" altLang="zh-CN" sz="1600" dirty="0" smtClean="0"/>
           </a:p>
@@ -15000,11 +17699,7 @@
             </a:r>
             <a:r>
               <a:rPr lang="en-US" altLang="zh-CN" sz="1600" dirty="0" smtClean="0"/>
-              <a:t> --</a:t>
-            </a:r>
-            <a:r>
-              <a:rPr lang="en-US" altLang="zh-CN" sz="1600" dirty="0" smtClean="0"/>
-              <a:t>abbrev-commit</a:t>
+              <a:t> --abbrev-commit</a:t>
             </a:r>
           </a:p>
           <a:p>
@@ -15021,15 +17716,7 @@
             </a:r>
             <a:r>
               <a:rPr lang="en-US" altLang="zh-CN" sz="1600" dirty="0" smtClean="0"/>
-              <a:t> </a:t>
-            </a:r>
-            <a:r>
-              <a:rPr lang="en-US" altLang="zh-CN" sz="1600" dirty="0" smtClean="0"/>
-              <a:t>log </a:t>
-            </a:r>
-            <a:r>
-              <a:rPr lang="en-US" altLang="zh-CN" sz="1600" dirty="0" smtClean="0"/>
-              <a:t>–graph</a:t>
+              <a:t> log –graph</a:t>
             </a:r>
           </a:p>
           <a:p>
@@ -15069,13 +17756,8 @@
             </a:r>
             <a:r>
               <a:rPr lang="en-US" altLang="zh-CN" sz="1600" dirty="0" smtClean="0"/>
-              <a:t> merge --no-ff -m "merge with no-ff" </a:t>
-            </a:r>
-            <a:r>
-              <a:rPr lang="en-US" altLang="zh-CN" sz="1600" dirty="0" smtClean="0"/>
-              <a:t>dev</a:t>
-            </a:r>
-            <a:endParaRPr lang="en-US" altLang="zh-CN" sz="1600" dirty="0" smtClean="0"/>
+              <a:t> merge --no-ff -m "merge with no-ff" dev</a:t>
+            </a:r>
           </a:p>
           <a:p>
             <a:pPr>
@@ -15101,11 +17783,7 @@
             </a:r>
             <a:r>
               <a:rPr lang="en-US" altLang="zh-CN" sz="1600" dirty="0" smtClean="0"/>
-              <a:t> branch -d </a:t>
-            </a:r>
-            <a:r>
-              <a:rPr lang="en-US" altLang="zh-CN" sz="1600" dirty="0" smtClean="0"/>
-              <a:t>feature1</a:t>
+              <a:t> branch -d feature1</a:t>
             </a:r>
           </a:p>
           <a:p>
@@ -15126,11 +17804,7 @@
             </a:r>
             <a:r>
               <a:rPr lang="en-US" altLang="zh-CN" sz="1600" dirty="0" smtClean="0"/>
-              <a:t> branch -D </a:t>
-            </a:r>
-            <a:r>
-              <a:rPr lang="en-US" altLang="zh-CN" sz="1600" dirty="0" smtClean="0"/>
-              <a:t> feature2</a:t>
+              <a:t> branch -D  feature2</a:t>
             </a:r>
           </a:p>
           <a:p>
@@ -15167,13 +17841,204 @@
           <a:noFill/>
         </p:spPr>
       </p:pic>
+      <p:sp>
+        <p:nvSpPr>
+          <p:cNvPr id="9" name="矩形 8"/>
+          <p:cNvSpPr/>
+          <p:nvPr/>
+        </p:nvSpPr>
+        <p:spPr>
+          <a:xfrm>
+            <a:off x="10895012" y="5934670"/>
+            <a:ext cx="992579" cy="923330"/>
+          </a:xfrm>
+          <a:prstGeom prst="rect">
+            <a:avLst/>
+          </a:prstGeom>
+          <a:noFill/>
+        </p:spPr>
+        <p:txBody>
+          <a:bodyPr wrap="none" lIns="91440" tIns="45720" rIns="91440" bIns="45720">
+            <a:spAutoFit/>
+          </a:bodyPr>
+          <a:lstStyle>
+            <a:defPPr>
+              <a:defRPr lang="en-US"/>
+            </a:defPPr>
+            <a:lvl1pPr marL="0" algn="l" defTabSz="914400" rtl="0" eaLnBrk="1" latinLnBrk="0" hangingPunct="1">
+              <a:defRPr sz="1800" kern="1200">
+                <a:solidFill>
+                  <a:schemeClr val="tx1"/>
+                </a:solidFill>
+                <a:latin typeface="+mn-lt"/>
+                <a:ea typeface="+mn-ea"/>
+                <a:cs typeface="+mn-cs"/>
+              </a:defRPr>
+            </a:lvl1pPr>
+            <a:lvl2pPr marL="457200" algn="l" defTabSz="914400" rtl="0" eaLnBrk="1" latinLnBrk="0" hangingPunct="1">
+              <a:defRPr sz="1800" kern="1200">
+                <a:solidFill>
+                  <a:schemeClr val="tx1"/>
+                </a:solidFill>
+                <a:latin typeface="+mn-lt"/>
+                <a:ea typeface="+mn-ea"/>
+                <a:cs typeface="+mn-cs"/>
+              </a:defRPr>
+            </a:lvl2pPr>
+            <a:lvl3pPr marL="914400" algn="l" defTabSz="914400" rtl="0" eaLnBrk="1" latinLnBrk="0" hangingPunct="1">
+              <a:defRPr sz="1800" kern="1200">
+                <a:solidFill>
+                  <a:schemeClr val="tx1"/>
+                </a:solidFill>
+                <a:latin typeface="+mn-lt"/>
+                <a:ea typeface="+mn-ea"/>
+                <a:cs typeface="+mn-cs"/>
+              </a:defRPr>
+            </a:lvl3pPr>
+            <a:lvl4pPr marL="1371600" algn="l" defTabSz="914400" rtl="0" eaLnBrk="1" latinLnBrk="0" hangingPunct="1">
+              <a:defRPr sz="1800" kern="1200">
+                <a:solidFill>
+                  <a:schemeClr val="tx1"/>
+                </a:solidFill>
+                <a:latin typeface="+mn-lt"/>
+                <a:ea typeface="+mn-ea"/>
+                <a:cs typeface="+mn-cs"/>
+              </a:defRPr>
+            </a:lvl4pPr>
+            <a:lvl5pPr marL="1828800" algn="l" defTabSz="914400" rtl="0" eaLnBrk="1" latinLnBrk="0" hangingPunct="1">
+              <a:defRPr sz="1800" kern="1200">
+                <a:solidFill>
+                  <a:schemeClr val="tx1"/>
+                </a:solidFill>
+                <a:latin typeface="+mn-lt"/>
+                <a:ea typeface="+mn-ea"/>
+                <a:cs typeface="+mn-cs"/>
+              </a:defRPr>
+            </a:lvl5pPr>
+            <a:lvl6pPr marL="2286000" algn="l" defTabSz="914400" rtl="0" eaLnBrk="1" latinLnBrk="0" hangingPunct="1">
+              <a:defRPr sz="1800" kern="1200">
+                <a:solidFill>
+                  <a:schemeClr val="tx1"/>
+                </a:solidFill>
+                <a:latin typeface="+mn-lt"/>
+                <a:ea typeface="+mn-ea"/>
+                <a:cs typeface="+mn-cs"/>
+              </a:defRPr>
+            </a:lvl6pPr>
+            <a:lvl7pPr marL="2743200" algn="l" defTabSz="914400" rtl="0" eaLnBrk="1" latinLnBrk="0" hangingPunct="1">
+              <a:defRPr sz="1800" kern="1200">
+                <a:solidFill>
+                  <a:schemeClr val="tx1"/>
+                </a:solidFill>
+                <a:latin typeface="+mn-lt"/>
+                <a:ea typeface="+mn-ea"/>
+                <a:cs typeface="+mn-cs"/>
+              </a:defRPr>
+            </a:lvl7pPr>
+            <a:lvl8pPr marL="3200400" algn="l" defTabSz="914400" rtl="0" eaLnBrk="1" latinLnBrk="0" hangingPunct="1">
+              <a:defRPr sz="1800" kern="1200">
+                <a:solidFill>
+                  <a:schemeClr val="tx1"/>
+                </a:solidFill>
+                <a:latin typeface="+mn-lt"/>
+                <a:ea typeface="+mn-ea"/>
+                <a:cs typeface="+mn-cs"/>
+              </a:defRPr>
+            </a:lvl8pPr>
+            <a:lvl9pPr marL="3657600" algn="l" defTabSz="914400" rtl="0" eaLnBrk="1" latinLnBrk="0" hangingPunct="1">
+              <a:defRPr sz="1800" kern="1200">
+                <a:solidFill>
+                  <a:schemeClr val="tx1"/>
+                </a:solidFill>
+                <a:latin typeface="+mn-lt"/>
+                <a:ea typeface="+mn-ea"/>
+                <a:cs typeface="+mn-cs"/>
+              </a:defRPr>
+            </a:lvl9pPr>
+          </a:lstStyle>
+          <a:p>
+            <a:pPr algn="ctr"/>
+            <a:r>
+              <a:rPr lang="en-US" altLang="zh-CN" sz="5400" b="1" cap="none" spc="0" dirty="0" smtClean="0">
+                <a:ln w="1905"/>
+                <a:gradFill>
+                  <a:gsLst>
+                    <a:gs pos="0">
+                      <a:schemeClr val="accent6">
+                        <a:shade val="20000"/>
+                        <a:satMod val="200000"/>
+                      </a:schemeClr>
+                    </a:gs>
+                    <a:gs pos="78000">
+                      <a:schemeClr val="accent6">
+                        <a:tint val="90000"/>
+                        <a:shade val="89000"/>
+                        <a:satMod val="220000"/>
+                      </a:schemeClr>
+                    </a:gs>
+                    <a:gs pos="100000">
+                      <a:schemeClr val="accent6">
+                        <a:tint val="12000"/>
+                        <a:satMod val="255000"/>
+                      </a:schemeClr>
+                    </a:gs>
+                  </a:gsLst>
+                  <a:lin ang="5400000"/>
+                </a:gradFill>
+                <a:effectLst>
+                  <a:innerShdw blurRad="69850" dist="43180" dir="5400000">
+                    <a:srgbClr val="000000">
+                      <a:alpha val="65000"/>
+                    </a:srgbClr>
+                  </a:innerShdw>
+                </a:effectLst>
+              </a:rPr>
+              <a:t>24</a:t>
+            </a:r>
+            <a:endParaRPr lang="zh-CN" altLang="en-US" sz="5400" b="1" cap="none" spc="0" dirty="0">
+              <a:ln w="1905"/>
+              <a:gradFill>
+                <a:gsLst>
+                  <a:gs pos="0">
+                    <a:schemeClr val="accent6">
+                      <a:shade val="20000"/>
+                      <a:satMod val="200000"/>
+                    </a:schemeClr>
+                  </a:gs>
+                  <a:gs pos="78000">
+                    <a:schemeClr val="accent6">
+                      <a:tint val="90000"/>
+                      <a:shade val="89000"/>
+                      <a:satMod val="220000"/>
+                    </a:schemeClr>
+                  </a:gs>
+                  <a:gs pos="100000">
+                    <a:schemeClr val="accent6">
+                      <a:tint val="12000"/>
+                      <a:satMod val="255000"/>
+                    </a:schemeClr>
+                  </a:gs>
+                </a:gsLst>
+                <a:lin ang="5400000"/>
+              </a:gradFill>
+              <a:effectLst>
+                <a:innerShdw blurRad="69850" dist="43180" dir="5400000">
+                  <a:srgbClr val="000000">
+                    <a:alpha val="65000"/>
+                  </a:srgbClr>
+                </a:innerShdw>
+              </a:effectLst>
+            </a:endParaRPr>
+          </a:p>
+        </p:txBody>
+      </p:sp>
     </p:spTree>
   </p:cSld>
   <p:clrMapOvr>
     <a:masterClrMapping/>
   </p:clrMapOvr>
   <mc:AlternateContent xmlns:mc="http://schemas.openxmlformats.org/markup-compatibility/2006">
-    <mc:Choice xmlns:p14="http://schemas.microsoft.com/office/powerpoint/2010/main" xmlns="" Requires="p14">
+    <mc:Choice xmlns="" xmlns:p14="http://schemas.microsoft.com/office/powerpoint/2010/main" Requires="p14">
       <p:transition spd="med" p14:dur="700">
         <p:fade/>
       </p:transition>
@@ -15231,12 +18096,8 @@
               <a:t>Git</a:t>
             </a:r>
             <a:r>
-              <a:rPr lang="en-US" altLang="zh-CN" dirty="0" err="1" smtClean="0"/>
-              <a:t>hub</a:t>
-            </a:r>
-            <a:r>
               <a:rPr lang="zh-CN" altLang="en-US" dirty="0" smtClean="0"/>
-              <a:t>的使用</a:t>
+              <a:t>常用命令详解</a:t>
             </a:r>
             <a:endParaRPr lang="zh-CN" altLang="en-US" dirty="0"/>
           </a:p>
@@ -15453,11 +18314,7 @@
           <a:p>
             <a:r>
               <a:rPr lang="zh-CN" altLang="en-US" sz="1800" dirty="0" smtClean="0"/>
-              <a:t>每个人</a:t>
-            </a:r>
-            <a:r>
-              <a:rPr lang="zh-CN" altLang="en-US" sz="1800" dirty="0" smtClean="0"/>
-              <a:t>都在</a:t>
+              <a:t>每个人都在</a:t>
             </a:r>
             <a:r>
               <a:rPr lang="en-US" altLang="zh-CN" sz="1800" dirty="0" smtClean="0"/>
@@ -15505,13 +18362,204 @@
           <a:noFill/>
         </p:spPr>
       </p:pic>
+      <p:sp>
+        <p:nvSpPr>
+          <p:cNvPr id="9" name="矩形 8"/>
+          <p:cNvSpPr/>
+          <p:nvPr/>
+        </p:nvSpPr>
+        <p:spPr>
+          <a:xfrm>
+            <a:off x="10895012" y="5934670"/>
+            <a:ext cx="992579" cy="923330"/>
+          </a:xfrm>
+          <a:prstGeom prst="rect">
+            <a:avLst/>
+          </a:prstGeom>
+          <a:noFill/>
+        </p:spPr>
+        <p:txBody>
+          <a:bodyPr wrap="none" lIns="91440" tIns="45720" rIns="91440" bIns="45720">
+            <a:spAutoFit/>
+          </a:bodyPr>
+          <a:lstStyle>
+            <a:defPPr>
+              <a:defRPr lang="en-US"/>
+            </a:defPPr>
+            <a:lvl1pPr marL="0" algn="l" defTabSz="914400" rtl="0" eaLnBrk="1" latinLnBrk="0" hangingPunct="1">
+              <a:defRPr sz="1800" kern="1200">
+                <a:solidFill>
+                  <a:schemeClr val="tx1"/>
+                </a:solidFill>
+                <a:latin typeface="+mn-lt"/>
+                <a:ea typeface="+mn-ea"/>
+                <a:cs typeface="+mn-cs"/>
+              </a:defRPr>
+            </a:lvl1pPr>
+            <a:lvl2pPr marL="457200" algn="l" defTabSz="914400" rtl="0" eaLnBrk="1" latinLnBrk="0" hangingPunct="1">
+              <a:defRPr sz="1800" kern="1200">
+                <a:solidFill>
+                  <a:schemeClr val="tx1"/>
+                </a:solidFill>
+                <a:latin typeface="+mn-lt"/>
+                <a:ea typeface="+mn-ea"/>
+                <a:cs typeface="+mn-cs"/>
+              </a:defRPr>
+            </a:lvl2pPr>
+            <a:lvl3pPr marL="914400" algn="l" defTabSz="914400" rtl="0" eaLnBrk="1" latinLnBrk="0" hangingPunct="1">
+              <a:defRPr sz="1800" kern="1200">
+                <a:solidFill>
+                  <a:schemeClr val="tx1"/>
+                </a:solidFill>
+                <a:latin typeface="+mn-lt"/>
+                <a:ea typeface="+mn-ea"/>
+                <a:cs typeface="+mn-cs"/>
+              </a:defRPr>
+            </a:lvl3pPr>
+            <a:lvl4pPr marL="1371600" algn="l" defTabSz="914400" rtl="0" eaLnBrk="1" latinLnBrk="0" hangingPunct="1">
+              <a:defRPr sz="1800" kern="1200">
+                <a:solidFill>
+                  <a:schemeClr val="tx1"/>
+                </a:solidFill>
+                <a:latin typeface="+mn-lt"/>
+                <a:ea typeface="+mn-ea"/>
+                <a:cs typeface="+mn-cs"/>
+              </a:defRPr>
+            </a:lvl4pPr>
+            <a:lvl5pPr marL="1828800" algn="l" defTabSz="914400" rtl="0" eaLnBrk="1" latinLnBrk="0" hangingPunct="1">
+              <a:defRPr sz="1800" kern="1200">
+                <a:solidFill>
+                  <a:schemeClr val="tx1"/>
+                </a:solidFill>
+                <a:latin typeface="+mn-lt"/>
+                <a:ea typeface="+mn-ea"/>
+                <a:cs typeface="+mn-cs"/>
+              </a:defRPr>
+            </a:lvl5pPr>
+            <a:lvl6pPr marL="2286000" algn="l" defTabSz="914400" rtl="0" eaLnBrk="1" latinLnBrk="0" hangingPunct="1">
+              <a:defRPr sz="1800" kern="1200">
+                <a:solidFill>
+                  <a:schemeClr val="tx1"/>
+                </a:solidFill>
+                <a:latin typeface="+mn-lt"/>
+                <a:ea typeface="+mn-ea"/>
+                <a:cs typeface="+mn-cs"/>
+              </a:defRPr>
+            </a:lvl6pPr>
+            <a:lvl7pPr marL="2743200" algn="l" defTabSz="914400" rtl="0" eaLnBrk="1" latinLnBrk="0" hangingPunct="1">
+              <a:defRPr sz="1800" kern="1200">
+                <a:solidFill>
+                  <a:schemeClr val="tx1"/>
+                </a:solidFill>
+                <a:latin typeface="+mn-lt"/>
+                <a:ea typeface="+mn-ea"/>
+                <a:cs typeface="+mn-cs"/>
+              </a:defRPr>
+            </a:lvl7pPr>
+            <a:lvl8pPr marL="3200400" algn="l" defTabSz="914400" rtl="0" eaLnBrk="1" latinLnBrk="0" hangingPunct="1">
+              <a:defRPr sz="1800" kern="1200">
+                <a:solidFill>
+                  <a:schemeClr val="tx1"/>
+                </a:solidFill>
+                <a:latin typeface="+mn-lt"/>
+                <a:ea typeface="+mn-ea"/>
+                <a:cs typeface="+mn-cs"/>
+              </a:defRPr>
+            </a:lvl8pPr>
+            <a:lvl9pPr marL="3657600" algn="l" defTabSz="914400" rtl="0" eaLnBrk="1" latinLnBrk="0" hangingPunct="1">
+              <a:defRPr sz="1800" kern="1200">
+                <a:solidFill>
+                  <a:schemeClr val="tx1"/>
+                </a:solidFill>
+                <a:latin typeface="+mn-lt"/>
+                <a:ea typeface="+mn-ea"/>
+                <a:cs typeface="+mn-cs"/>
+              </a:defRPr>
+            </a:lvl9pPr>
+          </a:lstStyle>
+          <a:p>
+            <a:pPr algn="ctr"/>
+            <a:r>
+              <a:rPr lang="en-US" altLang="zh-CN" sz="5400" b="1" cap="none" spc="0" dirty="0" smtClean="0">
+                <a:ln w="1905"/>
+                <a:gradFill>
+                  <a:gsLst>
+                    <a:gs pos="0">
+                      <a:schemeClr val="accent6">
+                        <a:shade val="20000"/>
+                        <a:satMod val="200000"/>
+                      </a:schemeClr>
+                    </a:gs>
+                    <a:gs pos="78000">
+                      <a:schemeClr val="accent6">
+                        <a:tint val="90000"/>
+                        <a:shade val="89000"/>
+                        <a:satMod val="220000"/>
+                      </a:schemeClr>
+                    </a:gs>
+                    <a:gs pos="100000">
+                      <a:schemeClr val="accent6">
+                        <a:tint val="12000"/>
+                        <a:satMod val="255000"/>
+                      </a:schemeClr>
+                    </a:gs>
+                  </a:gsLst>
+                  <a:lin ang="5400000"/>
+                </a:gradFill>
+                <a:effectLst>
+                  <a:innerShdw blurRad="69850" dist="43180" dir="5400000">
+                    <a:srgbClr val="000000">
+                      <a:alpha val="65000"/>
+                    </a:srgbClr>
+                  </a:innerShdw>
+                </a:effectLst>
+              </a:rPr>
+              <a:t>25</a:t>
+            </a:r>
+            <a:endParaRPr lang="zh-CN" altLang="en-US" sz="5400" b="1" cap="none" spc="0" dirty="0">
+              <a:ln w="1905"/>
+              <a:gradFill>
+                <a:gsLst>
+                  <a:gs pos="0">
+                    <a:schemeClr val="accent6">
+                      <a:shade val="20000"/>
+                      <a:satMod val="200000"/>
+                    </a:schemeClr>
+                  </a:gs>
+                  <a:gs pos="78000">
+                    <a:schemeClr val="accent6">
+                      <a:tint val="90000"/>
+                      <a:shade val="89000"/>
+                      <a:satMod val="220000"/>
+                    </a:schemeClr>
+                  </a:gs>
+                  <a:gs pos="100000">
+                    <a:schemeClr val="accent6">
+                      <a:tint val="12000"/>
+                      <a:satMod val="255000"/>
+                    </a:schemeClr>
+                  </a:gs>
+                </a:gsLst>
+                <a:lin ang="5400000"/>
+              </a:gradFill>
+              <a:effectLst>
+                <a:innerShdw blurRad="69850" dist="43180" dir="5400000">
+                  <a:srgbClr val="000000">
+                    <a:alpha val="65000"/>
+                  </a:srgbClr>
+                </a:innerShdw>
+              </a:effectLst>
+            </a:endParaRPr>
+          </a:p>
+        </p:txBody>
+      </p:sp>
     </p:spTree>
   </p:cSld>
   <p:clrMapOvr>
     <a:masterClrMapping/>
   </p:clrMapOvr>
   <mc:AlternateContent xmlns:mc="http://schemas.openxmlformats.org/markup-compatibility/2006">
-    <mc:Choice xmlns:p14="http://schemas.microsoft.com/office/powerpoint/2010/main" xmlns="" Requires="p14">
+    <mc:Choice xmlns="" xmlns:p14="http://schemas.microsoft.com/office/powerpoint/2010/main" Requires="p14">
       <p:transition spd="med" p14:dur="700">
         <p:fade/>
       </p:transition>
@@ -15569,12 +18617,8 @@
               <a:t>Git</a:t>
             </a:r>
             <a:r>
-              <a:rPr lang="en-US" altLang="zh-CN" dirty="0" err="1" smtClean="0"/>
-              <a:t>hub</a:t>
-            </a:r>
-            <a:r>
               <a:rPr lang="zh-CN" altLang="en-US" dirty="0" smtClean="0"/>
-              <a:t>的使用</a:t>
+              <a:t>常用命令详解</a:t>
             </a:r>
             <a:endParaRPr lang="zh-CN" altLang="en-US" dirty="0"/>
           </a:p>
@@ -15752,11 +18796,7 @@
             </a:r>
             <a:r>
               <a:rPr lang="en-US" altLang="zh-CN" sz="1600" dirty="0" smtClean="0"/>
-              <a:t> stash </a:t>
-            </a:r>
-            <a:r>
-              <a:rPr lang="en-US" altLang="zh-CN" sz="1600" dirty="0" smtClean="0"/>
-              <a:t>list</a:t>
+              <a:t> stash list</a:t>
             </a:r>
           </a:p>
           <a:p>
@@ -15778,15 +18818,7 @@
             </a:r>
             <a:r>
               <a:rPr lang="en-US" altLang="zh-CN" sz="1600" dirty="0" smtClean="0"/>
-              <a:t> </a:t>
-            </a:r>
-            <a:r>
-              <a:rPr lang="en-US" altLang="zh-CN" sz="1600" dirty="0" smtClean="0"/>
-              <a:t>stash </a:t>
-            </a:r>
-            <a:r>
-              <a:rPr lang="en-US" altLang="zh-CN" sz="1600" dirty="0" smtClean="0"/>
-              <a:t>apply</a:t>
+              <a:t> stash apply</a:t>
             </a:r>
           </a:p>
           <a:p>
@@ -15848,11 +18880,7 @@
             </a:r>
             <a:r>
               <a:rPr lang="en-US" altLang="zh-CN" sz="1600" dirty="0" smtClean="0"/>
-              <a:t> stash apply stash@{0</a:t>
-            </a:r>
-            <a:r>
-              <a:rPr lang="en-US" altLang="zh-CN" sz="1600" dirty="0" smtClean="0"/>
-              <a:t>}</a:t>
+              <a:t> stash apply stash@{0}</a:t>
             </a:r>
           </a:p>
           <a:p>
@@ -16242,13 +19270,204 @@
           </a:p>
         </p:txBody>
       </p:sp>
+      <p:sp>
+        <p:nvSpPr>
+          <p:cNvPr id="10" name="矩形 9"/>
+          <p:cNvSpPr/>
+          <p:nvPr/>
+        </p:nvSpPr>
+        <p:spPr>
+          <a:xfrm>
+            <a:off x="10895012" y="5934670"/>
+            <a:ext cx="992579" cy="923330"/>
+          </a:xfrm>
+          <a:prstGeom prst="rect">
+            <a:avLst/>
+          </a:prstGeom>
+          <a:noFill/>
+        </p:spPr>
+        <p:txBody>
+          <a:bodyPr wrap="none" lIns="91440" tIns="45720" rIns="91440" bIns="45720">
+            <a:spAutoFit/>
+          </a:bodyPr>
+          <a:lstStyle>
+            <a:defPPr>
+              <a:defRPr lang="en-US"/>
+            </a:defPPr>
+            <a:lvl1pPr marL="0" algn="l" defTabSz="914400" rtl="0" eaLnBrk="1" latinLnBrk="0" hangingPunct="1">
+              <a:defRPr sz="1800" kern="1200">
+                <a:solidFill>
+                  <a:schemeClr val="tx1"/>
+                </a:solidFill>
+                <a:latin typeface="+mn-lt"/>
+                <a:ea typeface="+mn-ea"/>
+                <a:cs typeface="+mn-cs"/>
+              </a:defRPr>
+            </a:lvl1pPr>
+            <a:lvl2pPr marL="457200" algn="l" defTabSz="914400" rtl="0" eaLnBrk="1" latinLnBrk="0" hangingPunct="1">
+              <a:defRPr sz="1800" kern="1200">
+                <a:solidFill>
+                  <a:schemeClr val="tx1"/>
+                </a:solidFill>
+                <a:latin typeface="+mn-lt"/>
+                <a:ea typeface="+mn-ea"/>
+                <a:cs typeface="+mn-cs"/>
+              </a:defRPr>
+            </a:lvl2pPr>
+            <a:lvl3pPr marL="914400" algn="l" defTabSz="914400" rtl="0" eaLnBrk="1" latinLnBrk="0" hangingPunct="1">
+              <a:defRPr sz="1800" kern="1200">
+                <a:solidFill>
+                  <a:schemeClr val="tx1"/>
+                </a:solidFill>
+                <a:latin typeface="+mn-lt"/>
+                <a:ea typeface="+mn-ea"/>
+                <a:cs typeface="+mn-cs"/>
+              </a:defRPr>
+            </a:lvl3pPr>
+            <a:lvl4pPr marL="1371600" algn="l" defTabSz="914400" rtl="0" eaLnBrk="1" latinLnBrk="0" hangingPunct="1">
+              <a:defRPr sz="1800" kern="1200">
+                <a:solidFill>
+                  <a:schemeClr val="tx1"/>
+                </a:solidFill>
+                <a:latin typeface="+mn-lt"/>
+                <a:ea typeface="+mn-ea"/>
+                <a:cs typeface="+mn-cs"/>
+              </a:defRPr>
+            </a:lvl4pPr>
+            <a:lvl5pPr marL="1828800" algn="l" defTabSz="914400" rtl="0" eaLnBrk="1" latinLnBrk="0" hangingPunct="1">
+              <a:defRPr sz="1800" kern="1200">
+                <a:solidFill>
+                  <a:schemeClr val="tx1"/>
+                </a:solidFill>
+                <a:latin typeface="+mn-lt"/>
+                <a:ea typeface="+mn-ea"/>
+                <a:cs typeface="+mn-cs"/>
+              </a:defRPr>
+            </a:lvl5pPr>
+            <a:lvl6pPr marL="2286000" algn="l" defTabSz="914400" rtl="0" eaLnBrk="1" latinLnBrk="0" hangingPunct="1">
+              <a:defRPr sz="1800" kern="1200">
+                <a:solidFill>
+                  <a:schemeClr val="tx1"/>
+                </a:solidFill>
+                <a:latin typeface="+mn-lt"/>
+                <a:ea typeface="+mn-ea"/>
+                <a:cs typeface="+mn-cs"/>
+              </a:defRPr>
+            </a:lvl6pPr>
+            <a:lvl7pPr marL="2743200" algn="l" defTabSz="914400" rtl="0" eaLnBrk="1" latinLnBrk="0" hangingPunct="1">
+              <a:defRPr sz="1800" kern="1200">
+                <a:solidFill>
+                  <a:schemeClr val="tx1"/>
+                </a:solidFill>
+                <a:latin typeface="+mn-lt"/>
+                <a:ea typeface="+mn-ea"/>
+                <a:cs typeface="+mn-cs"/>
+              </a:defRPr>
+            </a:lvl7pPr>
+            <a:lvl8pPr marL="3200400" algn="l" defTabSz="914400" rtl="0" eaLnBrk="1" latinLnBrk="0" hangingPunct="1">
+              <a:defRPr sz="1800" kern="1200">
+                <a:solidFill>
+                  <a:schemeClr val="tx1"/>
+                </a:solidFill>
+                <a:latin typeface="+mn-lt"/>
+                <a:ea typeface="+mn-ea"/>
+                <a:cs typeface="+mn-cs"/>
+              </a:defRPr>
+            </a:lvl8pPr>
+            <a:lvl9pPr marL="3657600" algn="l" defTabSz="914400" rtl="0" eaLnBrk="1" latinLnBrk="0" hangingPunct="1">
+              <a:defRPr sz="1800" kern="1200">
+                <a:solidFill>
+                  <a:schemeClr val="tx1"/>
+                </a:solidFill>
+                <a:latin typeface="+mn-lt"/>
+                <a:ea typeface="+mn-ea"/>
+                <a:cs typeface="+mn-cs"/>
+              </a:defRPr>
+            </a:lvl9pPr>
+          </a:lstStyle>
+          <a:p>
+            <a:pPr algn="ctr"/>
+            <a:r>
+              <a:rPr lang="en-US" altLang="zh-CN" sz="5400" b="1" cap="none" spc="0" dirty="0" smtClean="0">
+                <a:ln w="1905"/>
+                <a:gradFill>
+                  <a:gsLst>
+                    <a:gs pos="0">
+                      <a:schemeClr val="accent6">
+                        <a:shade val="20000"/>
+                        <a:satMod val="200000"/>
+                      </a:schemeClr>
+                    </a:gs>
+                    <a:gs pos="78000">
+                      <a:schemeClr val="accent6">
+                        <a:tint val="90000"/>
+                        <a:shade val="89000"/>
+                        <a:satMod val="220000"/>
+                      </a:schemeClr>
+                    </a:gs>
+                    <a:gs pos="100000">
+                      <a:schemeClr val="accent6">
+                        <a:tint val="12000"/>
+                        <a:satMod val="255000"/>
+                      </a:schemeClr>
+                    </a:gs>
+                  </a:gsLst>
+                  <a:lin ang="5400000"/>
+                </a:gradFill>
+                <a:effectLst>
+                  <a:innerShdw blurRad="69850" dist="43180" dir="5400000">
+                    <a:srgbClr val="000000">
+                      <a:alpha val="65000"/>
+                    </a:srgbClr>
+                  </a:innerShdw>
+                </a:effectLst>
+              </a:rPr>
+              <a:t>26</a:t>
+            </a:r>
+            <a:endParaRPr lang="zh-CN" altLang="en-US" sz="5400" b="1" cap="none" spc="0" dirty="0">
+              <a:ln w="1905"/>
+              <a:gradFill>
+                <a:gsLst>
+                  <a:gs pos="0">
+                    <a:schemeClr val="accent6">
+                      <a:shade val="20000"/>
+                      <a:satMod val="200000"/>
+                    </a:schemeClr>
+                  </a:gs>
+                  <a:gs pos="78000">
+                    <a:schemeClr val="accent6">
+                      <a:tint val="90000"/>
+                      <a:shade val="89000"/>
+                      <a:satMod val="220000"/>
+                    </a:schemeClr>
+                  </a:gs>
+                  <a:gs pos="100000">
+                    <a:schemeClr val="accent6">
+                      <a:tint val="12000"/>
+                      <a:satMod val="255000"/>
+                    </a:schemeClr>
+                  </a:gs>
+                </a:gsLst>
+                <a:lin ang="5400000"/>
+              </a:gradFill>
+              <a:effectLst>
+                <a:innerShdw blurRad="69850" dist="43180" dir="5400000">
+                  <a:srgbClr val="000000">
+                    <a:alpha val="65000"/>
+                  </a:srgbClr>
+                </a:innerShdw>
+              </a:effectLst>
+            </a:endParaRPr>
+          </a:p>
+        </p:txBody>
+      </p:sp>
     </p:spTree>
   </p:cSld>
   <p:clrMapOvr>
     <a:masterClrMapping/>
   </p:clrMapOvr>
   <mc:AlternateContent xmlns:mc="http://schemas.openxmlformats.org/markup-compatibility/2006">
-    <mc:Choice xmlns:p14="http://schemas.microsoft.com/office/powerpoint/2010/main" xmlns="" Requires="p14">
+    <mc:Choice xmlns="" xmlns:p14="http://schemas.microsoft.com/office/powerpoint/2010/main" Requires="p14">
       <p:transition spd="med" p14:dur="700">
         <p:fade/>
       </p:transition>
@@ -16306,12 +19525,8 @@
               <a:t>Git</a:t>
             </a:r>
             <a:r>
-              <a:rPr lang="en-US" altLang="zh-CN" dirty="0" err="1" smtClean="0"/>
-              <a:t>hub</a:t>
-            </a:r>
-            <a:r>
               <a:rPr lang="zh-CN" altLang="en-US" dirty="0" smtClean="0"/>
-              <a:t>的使用</a:t>
+              <a:t>常用命令详解</a:t>
             </a:r>
             <a:endParaRPr lang="zh-CN" altLang="en-US" dirty="0"/>
           </a:p>
@@ -16334,11 +19549,7 @@
           <a:p>
             <a:r>
               <a:rPr lang="zh-CN" altLang="en-US" dirty="0" smtClean="0"/>
-              <a:t>多</a:t>
-            </a:r>
-            <a:r>
-              <a:rPr lang="zh-CN" altLang="en-US" dirty="0" smtClean="0"/>
-              <a:t>人协作</a:t>
+              <a:t>多人协作</a:t>
             </a:r>
             <a:endParaRPr lang="en-US" altLang="zh-CN" dirty="0" smtClean="0"/>
           </a:p>
@@ -16487,11 +19698,7 @@
             </a:r>
             <a:r>
               <a:rPr lang="en-US" altLang="zh-CN" sz="1600" dirty="0" smtClean="0"/>
-              <a:t> branch --set-upstream dev </a:t>
-            </a:r>
-            <a:r>
-              <a:rPr lang="en-US" altLang="zh-CN" sz="1600" dirty="0" smtClean="0"/>
-              <a:t>origin/dev</a:t>
+              <a:t> branch --set-upstream dev origin/dev</a:t>
             </a:r>
           </a:p>
           <a:p>
@@ -16825,11 +20032,7 @@
             </a:r>
             <a:r>
               <a:rPr lang="en-US" altLang="zh-CN" sz="1600" dirty="0" smtClean="0"/>
-              <a:t> checkout -b dev </a:t>
-            </a:r>
-            <a:r>
-              <a:rPr lang="en-US" altLang="zh-CN" sz="1600" dirty="0" smtClean="0"/>
-              <a:t>origin/dev</a:t>
+              <a:t> checkout -b dev origin/dev</a:t>
             </a:r>
           </a:p>
           <a:p>
@@ -16855,14 +20058,7 @@
                 <a:latin typeface="Microsoft YaHei UI" panose="020B0503020204020204" pitchFamily="34" charset="-122"/>
                 <a:ea typeface="Microsoft YaHei UI" panose="020B0503020204020204" pitchFamily="34" charset="-122"/>
               </a:rPr>
-              <a:t>推</a:t>
-            </a:r>
-            <a:r>
-              <a:rPr lang="zh-CN" altLang="en-US" sz="1600" dirty="0" smtClean="0">
-                <a:latin typeface="Microsoft YaHei UI" panose="020B0503020204020204" pitchFamily="34" charset="-122"/>
-                <a:ea typeface="Microsoft YaHei UI" panose="020B0503020204020204" pitchFamily="34" charset="-122"/>
-              </a:rPr>
-              <a:t>送内容到远端</a:t>
+              <a:t>推送内容到远端</a:t>
             </a:r>
             <a:endParaRPr lang="en-US" altLang="zh-CN" sz="1600" dirty="0" smtClean="0">
               <a:latin typeface="Microsoft YaHei UI" panose="020B0503020204020204" pitchFamily="34" charset="-122"/>
@@ -16901,9 +20097,196 @@
               </a:rPr>
               <a:t> push origin dev</a:t>
             </a:r>
-            <a:endParaRPr lang="en-US" altLang="zh-CN" sz="1600" dirty="0" smtClean="0">
-              <a:latin typeface="Microsoft YaHei UI" panose="020B0503020204020204" pitchFamily="34" charset="-122"/>
-              <a:ea typeface="Microsoft YaHei UI" panose="020B0503020204020204" pitchFamily="34" charset="-122"/>
+          </a:p>
+        </p:txBody>
+      </p:sp>
+      <p:sp>
+        <p:nvSpPr>
+          <p:cNvPr id="10" name="矩形 9"/>
+          <p:cNvSpPr/>
+          <p:nvPr/>
+        </p:nvSpPr>
+        <p:spPr>
+          <a:xfrm>
+            <a:off x="10895012" y="5934670"/>
+            <a:ext cx="992579" cy="923330"/>
+          </a:xfrm>
+          <a:prstGeom prst="rect">
+            <a:avLst/>
+          </a:prstGeom>
+          <a:noFill/>
+        </p:spPr>
+        <p:txBody>
+          <a:bodyPr wrap="none" lIns="91440" tIns="45720" rIns="91440" bIns="45720">
+            <a:spAutoFit/>
+          </a:bodyPr>
+          <a:lstStyle>
+            <a:defPPr>
+              <a:defRPr lang="en-US"/>
+            </a:defPPr>
+            <a:lvl1pPr marL="0" algn="l" defTabSz="914400" rtl="0" eaLnBrk="1" latinLnBrk="0" hangingPunct="1">
+              <a:defRPr sz="1800" kern="1200">
+                <a:solidFill>
+                  <a:schemeClr val="tx1"/>
+                </a:solidFill>
+                <a:latin typeface="+mn-lt"/>
+                <a:ea typeface="+mn-ea"/>
+                <a:cs typeface="+mn-cs"/>
+              </a:defRPr>
+            </a:lvl1pPr>
+            <a:lvl2pPr marL="457200" algn="l" defTabSz="914400" rtl="0" eaLnBrk="1" latinLnBrk="0" hangingPunct="1">
+              <a:defRPr sz="1800" kern="1200">
+                <a:solidFill>
+                  <a:schemeClr val="tx1"/>
+                </a:solidFill>
+                <a:latin typeface="+mn-lt"/>
+                <a:ea typeface="+mn-ea"/>
+                <a:cs typeface="+mn-cs"/>
+              </a:defRPr>
+            </a:lvl2pPr>
+            <a:lvl3pPr marL="914400" algn="l" defTabSz="914400" rtl="0" eaLnBrk="1" latinLnBrk="0" hangingPunct="1">
+              <a:defRPr sz="1800" kern="1200">
+                <a:solidFill>
+                  <a:schemeClr val="tx1"/>
+                </a:solidFill>
+                <a:latin typeface="+mn-lt"/>
+                <a:ea typeface="+mn-ea"/>
+                <a:cs typeface="+mn-cs"/>
+              </a:defRPr>
+            </a:lvl3pPr>
+            <a:lvl4pPr marL="1371600" algn="l" defTabSz="914400" rtl="0" eaLnBrk="1" latinLnBrk="0" hangingPunct="1">
+              <a:defRPr sz="1800" kern="1200">
+                <a:solidFill>
+                  <a:schemeClr val="tx1"/>
+                </a:solidFill>
+                <a:latin typeface="+mn-lt"/>
+                <a:ea typeface="+mn-ea"/>
+                <a:cs typeface="+mn-cs"/>
+              </a:defRPr>
+            </a:lvl4pPr>
+            <a:lvl5pPr marL="1828800" algn="l" defTabSz="914400" rtl="0" eaLnBrk="1" latinLnBrk="0" hangingPunct="1">
+              <a:defRPr sz="1800" kern="1200">
+                <a:solidFill>
+                  <a:schemeClr val="tx1"/>
+                </a:solidFill>
+                <a:latin typeface="+mn-lt"/>
+                <a:ea typeface="+mn-ea"/>
+                <a:cs typeface="+mn-cs"/>
+              </a:defRPr>
+            </a:lvl5pPr>
+            <a:lvl6pPr marL="2286000" algn="l" defTabSz="914400" rtl="0" eaLnBrk="1" latinLnBrk="0" hangingPunct="1">
+              <a:defRPr sz="1800" kern="1200">
+                <a:solidFill>
+                  <a:schemeClr val="tx1"/>
+                </a:solidFill>
+                <a:latin typeface="+mn-lt"/>
+                <a:ea typeface="+mn-ea"/>
+                <a:cs typeface="+mn-cs"/>
+              </a:defRPr>
+            </a:lvl6pPr>
+            <a:lvl7pPr marL="2743200" algn="l" defTabSz="914400" rtl="0" eaLnBrk="1" latinLnBrk="0" hangingPunct="1">
+              <a:defRPr sz="1800" kern="1200">
+                <a:solidFill>
+                  <a:schemeClr val="tx1"/>
+                </a:solidFill>
+                <a:latin typeface="+mn-lt"/>
+                <a:ea typeface="+mn-ea"/>
+                <a:cs typeface="+mn-cs"/>
+              </a:defRPr>
+            </a:lvl7pPr>
+            <a:lvl8pPr marL="3200400" algn="l" defTabSz="914400" rtl="0" eaLnBrk="1" latinLnBrk="0" hangingPunct="1">
+              <a:defRPr sz="1800" kern="1200">
+                <a:solidFill>
+                  <a:schemeClr val="tx1"/>
+                </a:solidFill>
+                <a:latin typeface="+mn-lt"/>
+                <a:ea typeface="+mn-ea"/>
+                <a:cs typeface="+mn-cs"/>
+              </a:defRPr>
+            </a:lvl8pPr>
+            <a:lvl9pPr marL="3657600" algn="l" defTabSz="914400" rtl="0" eaLnBrk="1" latinLnBrk="0" hangingPunct="1">
+              <a:defRPr sz="1800" kern="1200">
+                <a:solidFill>
+                  <a:schemeClr val="tx1"/>
+                </a:solidFill>
+                <a:latin typeface="+mn-lt"/>
+                <a:ea typeface="+mn-ea"/>
+                <a:cs typeface="+mn-cs"/>
+              </a:defRPr>
+            </a:lvl9pPr>
+          </a:lstStyle>
+          <a:p>
+            <a:pPr algn="ctr"/>
+            <a:r>
+              <a:rPr lang="en-US" altLang="zh-CN" sz="5400" b="1" cap="none" spc="0" dirty="0" smtClean="0">
+                <a:ln w="1905"/>
+                <a:gradFill>
+                  <a:gsLst>
+                    <a:gs pos="0">
+                      <a:schemeClr val="accent6">
+                        <a:shade val="20000"/>
+                        <a:satMod val="200000"/>
+                      </a:schemeClr>
+                    </a:gs>
+                    <a:gs pos="78000">
+                      <a:schemeClr val="accent6">
+                        <a:tint val="90000"/>
+                        <a:shade val="89000"/>
+                        <a:satMod val="220000"/>
+                      </a:schemeClr>
+                    </a:gs>
+                    <a:gs pos="100000">
+                      <a:schemeClr val="accent6">
+                        <a:tint val="12000"/>
+                        <a:satMod val="255000"/>
+                      </a:schemeClr>
+                    </a:gs>
+                  </a:gsLst>
+                  <a:lin ang="5400000"/>
+                </a:gradFill>
+                <a:effectLst>
+                  <a:innerShdw blurRad="69850" dist="43180" dir="5400000">
+                    <a:srgbClr val="000000">
+                      <a:alpha val="65000"/>
+                    </a:srgbClr>
+                  </a:innerShdw>
+                </a:effectLst>
+              </a:rPr>
+              <a:t>27</a:t>
+            </a:r>
+            <a:endParaRPr lang="zh-CN" altLang="en-US" sz="5400" b="1" cap="none" spc="0" dirty="0">
+              <a:ln w="1905"/>
+              <a:gradFill>
+                <a:gsLst>
+                  <a:gs pos="0">
+                    <a:schemeClr val="accent6">
+                      <a:shade val="20000"/>
+                      <a:satMod val="200000"/>
+                    </a:schemeClr>
+                  </a:gs>
+                  <a:gs pos="78000">
+                    <a:schemeClr val="accent6">
+                      <a:tint val="90000"/>
+                      <a:shade val="89000"/>
+                      <a:satMod val="220000"/>
+                    </a:schemeClr>
+                  </a:gs>
+                  <a:gs pos="100000">
+                    <a:schemeClr val="accent6">
+                      <a:tint val="12000"/>
+                      <a:satMod val="255000"/>
+                    </a:schemeClr>
+                  </a:gs>
+                </a:gsLst>
+                <a:lin ang="5400000"/>
+              </a:gradFill>
+              <a:effectLst>
+                <a:innerShdw blurRad="69850" dist="43180" dir="5400000">
+                  <a:srgbClr val="000000">
+                    <a:alpha val="65000"/>
+                  </a:srgbClr>
+                </a:innerShdw>
+              </a:effectLst>
             </a:endParaRPr>
           </a:p>
         </p:txBody>
@@ -16914,7 +20297,7 @@
     <a:masterClrMapping/>
   </p:clrMapOvr>
   <mc:AlternateContent xmlns:mc="http://schemas.openxmlformats.org/markup-compatibility/2006">
-    <mc:Choice xmlns:p14="http://schemas.microsoft.com/office/powerpoint/2010/main" xmlns="" Requires="p14">
+    <mc:Choice xmlns="" xmlns:p14="http://schemas.microsoft.com/office/powerpoint/2010/main" Requires="p14">
       <p:transition spd="med" p14:dur="700">
         <p:fade/>
       </p:transition>
@@ -16972,12 +20355,8 @@
               <a:t>Git</a:t>
             </a:r>
             <a:r>
-              <a:rPr lang="en-US" altLang="zh-CN" dirty="0" err="1" smtClean="0"/>
-              <a:t>hub</a:t>
-            </a:r>
-            <a:r>
               <a:rPr lang="zh-CN" altLang="en-US" dirty="0" smtClean="0"/>
-              <a:t>的使用</a:t>
+              <a:t>常用命令详解</a:t>
             </a:r>
             <a:endParaRPr lang="zh-CN" altLang="en-US" dirty="0"/>
           </a:p>
@@ -17127,15 +20506,7 @@
             </a:r>
             <a:r>
               <a:rPr lang="en-US" altLang="zh-CN" sz="1600" dirty="0" smtClean="0"/>
-              <a:t> </a:t>
-            </a:r>
-            <a:r>
-              <a:rPr lang="en-US" altLang="zh-CN" sz="1600" dirty="0" smtClean="0"/>
-              <a:t>tag -s v0.2 -m "signed version 0.2 released" </a:t>
-            </a:r>
-            <a:r>
-              <a:rPr lang="en-US" altLang="zh-CN" sz="1600" dirty="0" smtClean="0"/>
-              <a:t>fec145a</a:t>
+              <a:t> tag -s v0.2 -m "signed version 0.2 released" fec145a</a:t>
             </a:r>
           </a:p>
           <a:p>
@@ -17181,15 +20552,7 @@
             </a:r>
             <a:r>
               <a:rPr lang="zh-CN" altLang="en-US" sz="1600" dirty="0" smtClean="0"/>
-              <a:t>密钥对，就会报错</a:t>
-            </a:r>
-            <a:r>
-              <a:rPr lang="zh-CN" altLang="en-US" sz="1600" dirty="0" smtClean="0"/>
-              <a:t>：</a:t>
-            </a:r>
-            <a:r>
-              <a:rPr lang="zh-CN" altLang="en-US" sz="1600" dirty="0" smtClean="0"/>
-              <a:t>如果报错，请参考</a:t>
+              <a:t>密钥对，就会报错：如果报错，请参考</a:t>
             </a:r>
             <a:r>
               <a:rPr lang="en-US" altLang="zh-CN" sz="1600" dirty="0" err="1" smtClean="0"/>
@@ -17220,11 +20583,7 @@
             </a:r>
             <a:r>
               <a:rPr lang="en-US" altLang="zh-CN" sz="1600" dirty="0" smtClean="0"/>
-              <a:t> tag -d </a:t>
-            </a:r>
-            <a:r>
-              <a:rPr lang="en-US" altLang="zh-CN" sz="1600" dirty="0" smtClean="0"/>
-              <a:t>v0.1</a:t>
+              <a:t> tag -d v0.1</a:t>
             </a:r>
           </a:p>
           <a:p>
@@ -17238,29 +20597,13 @@
             </a:r>
             <a:r>
               <a:rPr lang="en-US" altLang="zh-CN" sz="1600" dirty="0" smtClean="0"/>
-              <a:t> push origin </a:t>
-            </a:r>
-            <a:r>
-              <a:rPr lang="en-US" altLang="zh-CN" sz="1600" dirty="0" smtClean="0"/>
-              <a:t>v1.0</a:t>
+              <a:t> push origin v1.0</a:t>
             </a:r>
           </a:p>
           <a:p>
             <a:r>
               <a:rPr lang="zh-CN" altLang="en-US" sz="1600" dirty="0" smtClean="0"/>
-              <a:t>传送</a:t>
-            </a:r>
-            <a:r>
-              <a:rPr lang="zh-CN" altLang="en-US" sz="1600" dirty="0" smtClean="0"/>
-              <a:t>全部</a:t>
-            </a:r>
-            <a:r>
-              <a:rPr lang="zh-CN" altLang="en-US" sz="1600" dirty="0" smtClean="0"/>
-              <a:t>标签</a:t>
-            </a:r>
-            <a:r>
-              <a:rPr lang="zh-CN" altLang="en-US" sz="1600" dirty="0" smtClean="0"/>
-              <a:t>到远程： </a:t>
+              <a:t>传送全部标签到远程： </a:t>
             </a:r>
             <a:r>
               <a:rPr lang="en-US" altLang="zh-CN" sz="1600" dirty="0" err="1" smtClean="0"/>
@@ -17268,15 +20611,7 @@
             </a:r>
             <a:r>
               <a:rPr lang="en-US" altLang="zh-CN" sz="1600" dirty="0" smtClean="0"/>
-              <a:t> </a:t>
-            </a:r>
-            <a:r>
-              <a:rPr lang="en-US" altLang="zh-CN" sz="1600" dirty="0" smtClean="0"/>
-              <a:t>push origin </a:t>
-            </a:r>
-            <a:r>
-              <a:rPr lang="en-US" altLang="zh-CN" sz="1600" dirty="0" smtClean="0"/>
-              <a:t>–tags</a:t>
+              <a:t> push origin –tags</a:t>
             </a:r>
           </a:p>
           <a:p>
@@ -17293,11 +20628,7 @@
             </a:r>
             <a:r>
               <a:rPr lang="en-US" altLang="zh-CN" sz="1600" dirty="0" smtClean="0"/>
-              <a:t> tag -d </a:t>
-            </a:r>
-            <a:r>
-              <a:rPr lang="en-US" altLang="zh-CN" sz="1600" dirty="0" smtClean="0"/>
-              <a:t>v0.9  </a:t>
+              <a:t> tag -d v0.9  </a:t>
             </a:r>
             <a:r>
               <a:rPr lang="zh-CN" altLang="en-US" sz="1600" dirty="0" smtClean="0"/>
@@ -17312,11 +20643,7 @@
             </a:r>
             <a:r>
               <a:rPr lang="en-US" altLang="zh-CN" sz="1600" dirty="0" smtClean="0"/>
-              <a:t> push origin :</a:t>
-            </a:r>
-            <a:r>
-              <a:rPr lang="en-US" altLang="zh-CN" sz="1600" dirty="0" smtClean="0"/>
-              <a:t>refs/tags/v0.9 </a:t>
+              <a:t> push origin :refs/tags/v0.9 </a:t>
             </a:r>
             <a:r>
               <a:rPr lang="zh-CN" altLang="en-US" sz="1600" dirty="0" smtClean="0"/>
@@ -17513,11 +20840,7 @@
             </a:r>
             <a:r>
               <a:rPr lang="en-US" altLang="zh-CN" sz="1600" dirty="0" smtClean="0"/>
-              <a:t> --</a:t>
-            </a:r>
-            <a:r>
-              <a:rPr lang="en-US" altLang="zh-CN" sz="1600" dirty="0" smtClean="0"/>
-              <a:t>abbrev-commit</a:t>
+              <a:t> --abbrev-commit</a:t>
             </a:r>
           </a:p>
           <a:p>
@@ -17588,11 +20911,7 @@
             </a:r>
             <a:r>
               <a:rPr lang="en-US" altLang="zh-CN" sz="1600" dirty="0" smtClean="0"/>
-              <a:t> tag v0.9 </a:t>
-            </a:r>
-            <a:r>
-              <a:rPr lang="en-US" altLang="zh-CN" sz="1600" dirty="0" smtClean="0"/>
-              <a:t>6224937</a:t>
+              <a:t> tag v0.9 6224937</a:t>
             </a:r>
           </a:p>
           <a:p>
@@ -17649,11 +20968,7 @@
             </a:r>
             <a:r>
               <a:rPr lang="en-US" altLang="zh-CN" sz="1600" dirty="0" smtClean="0"/>
-              <a:t> show </a:t>
-            </a:r>
-            <a:r>
-              <a:rPr lang="en-US" altLang="zh-CN" sz="1600" dirty="0" smtClean="0"/>
-              <a:t>v0.9</a:t>
+              <a:t> show v0.9</a:t>
             </a:r>
           </a:p>
           <a:p>
@@ -17692,11 +21007,7 @@
             </a:r>
             <a:r>
               <a:rPr lang="zh-CN" altLang="en-US" sz="1600" dirty="0" smtClean="0"/>
-              <a:t>指定说明</a:t>
-            </a:r>
-            <a:r>
-              <a:rPr lang="zh-CN" altLang="en-US" sz="1600" dirty="0" smtClean="0"/>
-              <a:t>文字：</a:t>
+              <a:t>指定说明文字：</a:t>
             </a:r>
             <a:endParaRPr lang="en-US" altLang="zh-CN" sz="1600" dirty="0" smtClean="0">
               <a:latin typeface="Microsoft YaHei UI" panose="020B0503020204020204" pitchFamily="34" charset="-122"/>
@@ -17759,13 +21070,204 @@
           </a:p>
         </p:txBody>
       </p:sp>
+      <p:sp>
+        <p:nvSpPr>
+          <p:cNvPr id="10" name="矩形 9"/>
+          <p:cNvSpPr/>
+          <p:nvPr/>
+        </p:nvSpPr>
+        <p:spPr>
+          <a:xfrm>
+            <a:off x="10895012" y="5934670"/>
+            <a:ext cx="992579" cy="923330"/>
+          </a:xfrm>
+          <a:prstGeom prst="rect">
+            <a:avLst/>
+          </a:prstGeom>
+          <a:noFill/>
+        </p:spPr>
+        <p:txBody>
+          <a:bodyPr wrap="none" lIns="91440" tIns="45720" rIns="91440" bIns="45720">
+            <a:spAutoFit/>
+          </a:bodyPr>
+          <a:lstStyle>
+            <a:defPPr>
+              <a:defRPr lang="en-US"/>
+            </a:defPPr>
+            <a:lvl1pPr marL="0" algn="l" defTabSz="914400" rtl="0" eaLnBrk="1" latinLnBrk="0" hangingPunct="1">
+              <a:defRPr sz="1800" kern="1200">
+                <a:solidFill>
+                  <a:schemeClr val="tx1"/>
+                </a:solidFill>
+                <a:latin typeface="+mn-lt"/>
+                <a:ea typeface="+mn-ea"/>
+                <a:cs typeface="+mn-cs"/>
+              </a:defRPr>
+            </a:lvl1pPr>
+            <a:lvl2pPr marL="457200" algn="l" defTabSz="914400" rtl="0" eaLnBrk="1" latinLnBrk="0" hangingPunct="1">
+              <a:defRPr sz="1800" kern="1200">
+                <a:solidFill>
+                  <a:schemeClr val="tx1"/>
+                </a:solidFill>
+                <a:latin typeface="+mn-lt"/>
+                <a:ea typeface="+mn-ea"/>
+                <a:cs typeface="+mn-cs"/>
+              </a:defRPr>
+            </a:lvl2pPr>
+            <a:lvl3pPr marL="914400" algn="l" defTabSz="914400" rtl="0" eaLnBrk="1" latinLnBrk="0" hangingPunct="1">
+              <a:defRPr sz="1800" kern="1200">
+                <a:solidFill>
+                  <a:schemeClr val="tx1"/>
+                </a:solidFill>
+                <a:latin typeface="+mn-lt"/>
+                <a:ea typeface="+mn-ea"/>
+                <a:cs typeface="+mn-cs"/>
+              </a:defRPr>
+            </a:lvl3pPr>
+            <a:lvl4pPr marL="1371600" algn="l" defTabSz="914400" rtl="0" eaLnBrk="1" latinLnBrk="0" hangingPunct="1">
+              <a:defRPr sz="1800" kern="1200">
+                <a:solidFill>
+                  <a:schemeClr val="tx1"/>
+                </a:solidFill>
+                <a:latin typeface="+mn-lt"/>
+                <a:ea typeface="+mn-ea"/>
+                <a:cs typeface="+mn-cs"/>
+              </a:defRPr>
+            </a:lvl4pPr>
+            <a:lvl5pPr marL="1828800" algn="l" defTabSz="914400" rtl="0" eaLnBrk="1" latinLnBrk="0" hangingPunct="1">
+              <a:defRPr sz="1800" kern="1200">
+                <a:solidFill>
+                  <a:schemeClr val="tx1"/>
+                </a:solidFill>
+                <a:latin typeface="+mn-lt"/>
+                <a:ea typeface="+mn-ea"/>
+                <a:cs typeface="+mn-cs"/>
+              </a:defRPr>
+            </a:lvl5pPr>
+            <a:lvl6pPr marL="2286000" algn="l" defTabSz="914400" rtl="0" eaLnBrk="1" latinLnBrk="0" hangingPunct="1">
+              <a:defRPr sz="1800" kern="1200">
+                <a:solidFill>
+                  <a:schemeClr val="tx1"/>
+                </a:solidFill>
+                <a:latin typeface="+mn-lt"/>
+                <a:ea typeface="+mn-ea"/>
+                <a:cs typeface="+mn-cs"/>
+              </a:defRPr>
+            </a:lvl6pPr>
+            <a:lvl7pPr marL="2743200" algn="l" defTabSz="914400" rtl="0" eaLnBrk="1" latinLnBrk="0" hangingPunct="1">
+              <a:defRPr sz="1800" kern="1200">
+                <a:solidFill>
+                  <a:schemeClr val="tx1"/>
+                </a:solidFill>
+                <a:latin typeface="+mn-lt"/>
+                <a:ea typeface="+mn-ea"/>
+                <a:cs typeface="+mn-cs"/>
+              </a:defRPr>
+            </a:lvl7pPr>
+            <a:lvl8pPr marL="3200400" algn="l" defTabSz="914400" rtl="0" eaLnBrk="1" latinLnBrk="0" hangingPunct="1">
+              <a:defRPr sz="1800" kern="1200">
+                <a:solidFill>
+                  <a:schemeClr val="tx1"/>
+                </a:solidFill>
+                <a:latin typeface="+mn-lt"/>
+                <a:ea typeface="+mn-ea"/>
+                <a:cs typeface="+mn-cs"/>
+              </a:defRPr>
+            </a:lvl8pPr>
+            <a:lvl9pPr marL="3657600" algn="l" defTabSz="914400" rtl="0" eaLnBrk="1" latinLnBrk="0" hangingPunct="1">
+              <a:defRPr sz="1800" kern="1200">
+                <a:solidFill>
+                  <a:schemeClr val="tx1"/>
+                </a:solidFill>
+                <a:latin typeface="+mn-lt"/>
+                <a:ea typeface="+mn-ea"/>
+                <a:cs typeface="+mn-cs"/>
+              </a:defRPr>
+            </a:lvl9pPr>
+          </a:lstStyle>
+          <a:p>
+            <a:pPr algn="ctr"/>
+            <a:r>
+              <a:rPr lang="en-US" altLang="zh-CN" sz="5400" b="1" cap="none" spc="0" dirty="0" smtClean="0">
+                <a:ln w="1905"/>
+                <a:gradFill>
+                  <a:gsLst>
+                    <a:gs pos="0">
+                      <a:schemeClr val="accent6">
+                        <a:shade val="20000"/>
+                        <a:satMod val="200000"/>
+                      </a:schemeClr>
+                    </a:gs>
+                    <a:gs pos="78000">
+                      <a:schemeClr val="accent6">
+                        <a:tint val="90000"/>
+                        <a:shade val="89000"/>
+                        <a:satMod val="220000"/>
+                      </a:schemeClr>
+                    </a:gs>
+                    <a:gs pos="100000">
+                      <a:schemeClr val="accent6">
+                        <a:tint val="12000"/>
+                        <a:satMod val="255000"/>
+                      </a:schemeClr>
+                    </a:gs>
+                  </a:gsLst>
+                  <a:lin ang="5400000"/>
+                </a:gradFill>
+                <a:effectLst>
+                  <a:innerShdw blurRad="69850" dist="43180" dir="5400000">
+                    <a:srgbClr val="000000">
+                      <a:alpha val="65000"/>
+                    </a:srgbClr>
+                  </a:innerShdw>
+                </a:effectLst>
+              </a:rPr>
+              <a:t>28</a:t>
+            </a:r>
+            <a:endParaRPr lang="zh-CN" altLang="en-US" sz="5400" b="1" cap="none" spc="0" dirty="0">
+              <a:ln w="1905"/>
+              <a:gradFill>
+                <a:gsLst>
+                  <a:gs pos="0">
+                    <a:schemeClr val="accent6">
+                      <a:shade val="20000"/>
+                      <a:satMod val="200000"/>
+                    </a:schemeClr>
+                  </a:gs>
+                  <a:gs pos="78000">
+                    <a:schemeClr val="accent6">
+                      <a:tint val="90000"/>
+                      <a:shade val="89000"/>
+                      <a:satMod val="220000"/>
+                    </a:schemeClr>
+                  </a:gs>
+                  <a:gs pos="100000">
+                    <a:schemeClr val="accent6">
+                      <a:tint val="12000"/>
+                      <a:satMod val="255000"/>
+                    </a:schemeClr>
+                  </a:gs>
+                </a:gsLst>
+                <a:lin ang="5400000"/>
+              </a:gradFill>
+              <a:effectLst>
+                <a:innerShdw blurRad="69850" dist="43180" dir="5400000">
+                  <a:srgbClr val="000000">
+                    <a:alpha val="65000"/>
+                  </a:srgbClr>
+                </a:innerShdw>
+              </a:effectLst>
+            </a:endParaRPr>
+          </a:p>
+        </p:txBody>
+      </p:sp>
     </p:spTree>
   </p:cSld>
   <p:clrMapOvr>
     <a:masterClrMapping/>
   </p:clrMapOvr>
   <mc:AlternateContent xmlns:mc="http://schemas.openxmlformats.org/markup-compatibility/2006">
-    <mc:Choice xmlns:p14="http://schemas.microsoft.com/office/powerpoint/2010/main" xmlns="" Requires="p14">
+    <mc:Choice xmlns="" xmlns:p14="http://schemas.microsoft.com/office/powerpoint/2010/main" Requires="p14">
       <p:transition spd="med" p14:dur="700">
         <p:fade/>
       </p:transition>
@@ -17823,12 +21325,8 @@
               <a:t>Git</a:t>
             </a:r>
             <a:r>
-              <a:rPr lang="en-US" altLang="zh-CN" dirty="0" err="1" smtClean="0"/>
-              <a:t>hub</a:t>
-            </a:r>
-            <a:r>
               <a:rPr lang="zh-CN" altLang="en-US" dirty="0" smtClean="0"/>
-              <a:t>的使用</a:t>
+              <a:t>常用命令详解</a:t>
             </a:r>
             <a:endParaRPr lang="zh-CN" altLang="en-US" dirty="0"/>
           </a:p>
@@ -18152,14 +21650,7 @@
                 <a:latin typeface="Microsoft YaHei UI" panose="020B0503020204020204" pitchFamily="34" charset="-122"/>
                 <a:ea typeface="Microsoft YaHei UI" panose="020B0503020204020204" pitchFamily="34" charset="-122"/>
               </a:rPr>
-              <a:t>可</a:t>
-            </a:r>
-            <a:r>
-              <a:rPr lang="zh-CN" altLang="en-US" sz="1600" dirty="0" smtClean="0">
-                <a:latin typeface="Microsoft YaHei UI" panose="020B0503020204020204" pitchFamily="34" charset="-122"/>
-                <a:ea typeface="Microsoft YaHei UI" panose="020B0503020204020204" pitchFamily="34" charset="-122"/>
-              </a:rPr>
-              <a:t>对本身忽略</a:t>
+              <a:t>可对本身忽略</a:t>
             </a:r>
             <a:endParaRPr lang="en-US" altLang="zh-CN" sz="1600" dirty="0" smtClean="0">
               <a:latin typeface="Microsoft YaHei UI" panose="020B0503020204020204" pitchFamily="34" charset="-122"/>
@@ -18248,13 +21739,204 @@
           </a:ln>
         </p:spPr>
       </p:pic>
+      <p:sp>
+        <p:nvSpPr>
+          <p:cNvPr id="8" name="矩形 7"/>
+          <p:cNvSpPr/>
+          <p:nvPr/>
+        </p:nvSpPr>
+        <p:spPr>
+          <a:xfrm>
+            <a:off x="10895012" y="5934670"/>
+            <a:ext cx="992579" cy="923330"/>
+          </a:xfrm>
+          <a:prstGeom prst="rect">
+            <a:avLst/>
+          </a:prstGeom>
+          <a:noFill/>
+        </p:spPr>
+        <p:txBody>
+          <a:bodyPr wrap="none" lIns="91440" tIns="45720" rIns="91440" bIns="45720">
+            <a:spAutoFit/>
+          </a:bodyPr>
+          <a:lstStyle>
+            <a:defPPr>
+              <a:defRPr lang="en-US"/>
+            </a:defPPr>
+            <a:lvl1pPr marL="0" algn="l" defTabSz="914400" rtl="0" eaLnBrk="1" latinLnBrk="0" hangingPunct="1">
+              <a:defRPr sz="1800" kern="1200">
+                <a:solidFill>
+                  <a:schemeClr val="tx1"/>
+                </a:solidFill>
+                <a:latin typeface="+mn-lt"/>
+                <a:ea typeface="+mn-ea"/>
+                <a:cs typeface="+mn-cs"/>
+              </a:defRPr>
+            </a:lvl1pPr>
+            <a:lvl2pPr marL="457200" algn="l" defTabSz="914400" rtl="0" eaLnBrk="1" latinLnBrk="0" hangingPunct="1">
+              <a:defRPr sz="1800" kern="1200">
+                <a:solidFill>
+                  <a:schemeClr val="tx1"/>
+                </a:solidFill>
+                <a:latin typeface="+mn-lt"/>
+                <a:ea typeface="+mn-ea"/>
+                <a:cs typeface="+mn-cs"/>
+              </a:defRPr>
+            </a:lvl2pPr>
+            <a:lvl3pPr marL="914400" algn="l" defTabSz="914400" rtl="0" eaLnBrk="1" latinLnBrk="0" hangingPunct="1">
+              <a:defRPr sz="1800" kern="1200">
+                <a:solidFill>
+                  <a:schemeClr val="tx1"/>
+                </a:solidFill>
+                <a:latin typeface="+mn-lt"/>
+                <a:ea typeface="+mn-ea"/>
+                <a:cs typeface="+mn-cs"/>
+              </a:defRPr>
+            </a:lvl3pPr>
+            <a:lvl4pPr marL="1371600" algn="l" defTabSz="914400" rtl="0" eaLnBrk="1" latinLnBrk="0" hangingPunct="1">
+              <a:defRPr sz="1800" kern="1200">
+                <a:solidFill>
+                  <a:schemeClr val="tx1"/>
+                </a:solidFill>
+                <a:latin typeface="+mn-lt"/>
+                <a:ea typeface="+mn-ea"/>
+                <a:cs typeface="+mn-cs"/>
+              </a:defRPr>
+            </a:lvl4pPr>
+            <a:lvl5pPr marL="1828800" algn="l" defTabSz="914400" rtl="0" eaLnBrk="1" latinLnBrk="0" hangingPunct="1">
+              <a:defRPr sz="1800" kern="1200">
+                <a:solidFill>
+                  <a:schemeClr val="tx1"/>
+                </a:solidFill>
+                <a:latin typeface="+mn-lt"/>
+                <a:ea typeface="+mn-ea"/>
+                <a:cs typeface="+mn-cs"/>
+              </a:defRPr>
+            </a:lvl5pPr>
+            <a:lvl6pPr marL="2286000" algn="l" defTabSz="914400" rtl="0" eaLnBrk="1" latinLnBrk="0" hangingPunct="1">
+              <a:defRPr sz="1800" kern="1200">
+                <a:solidFill>
+                  <a:schemeClr val="tx1"/>
+                </a:solidFill>
+                <a:latin typeface="+mn-lt"/>
+                <a:ea typeface="+mn-ea"/>
+                <a:cs typeface="+mn-cs"/>
+              </a:defRPr>
+            </a:lvl6pPr>
+            <a:lvl7pPr marL="2743200" algn="l" defTabSz="914400" rtl="0" eaLnBrk="1" latinLnBrk="0" hangingPunct="1">
+              <a:defRPr sz="1800" kern="1200">
+                <a:solidFill>
+                  <a:schemeClr val="tx1"/>
+                </a:solidFill>
+                <a:latin typeface="+mn-lt"/>
+                <a:ea typeface="+mn-ea"/>
+                <a:cs typeface="+mn-cs"/>
+              </a:defRPr>
+            </a:lvl7pPr>
+            <a:lvl8pPr marL="3200400" algn="l" defTabSz="914400" rtl="0" eaLnBrk="1" latinLnBrk="0" hangingPunct="1">
+              <a:defRPr sz="1800" kern="1200">
+                <a:solidFill>
+                  <a:schemeClr val="tx1"/>
+                </a:solidFill>
+                <a:latin typeface="+mn-lt"/>
+                <a:ea typeface="+mn-ea"/>
+                <a:cs typeface="+mn-cs"/>
+              </a:defRPr>
+            </a:lvl8pPr>
+            <a:lvl9pPr marL="3657600" algn="l" defTabSz="914400" rtl="0" eaLnBrk="1" latinLnBrk="0" hangingPunct="1">
+              <a:defRPr sz="1800" kern="1200">
+                <a:solidFill>
+                  <a:schemeClr val="tx1"/>
+                </a:solidFill>
+                <a:latin typeface="+mn-lt"/>
+                <a:ea typeface="+mn-ea"/>
+                <a:cs typeface="+mn-cs"/>
+              </a:defRPr>
+            </a:lvl9pPr>
+          </a:lstStyle>
+          <a:p>
+            <a:pPr algn="ctr"/>
+            <a:r>
+              <a:rPr lang="en-US" altLang="zh-CN" sz="5400" b="1" cap="none" spc="0" dirty="0" smtClean="0">
+                <a:ln w="1905"/>
+                <a:gradFill>
+                  <a:gsLst>
+                    <a:gs pos="0">
+                      <a:schemeClr val="accent6">
+                        <a:shade val="20000"/>
+                        <a:satMod val="200000"/>
+                      </a:schemeClr>
+                    </a:gs>
+                    <a:gs pos="78000">
+                      <a:schemeClr val="accent6">
+                        <a:tint val="90000"/>
+                        <a:shade val="89000"/>
+                        <a:satMod val="220000"/>
+                      </a:schemeClr>
+                    </a:gs>
+                    <a:gs pos="100000">
+                      <a:schemeClr val="accent6">
+                        <a:tint val="12000"/>
+                        <a:satMod val="255000"/>
+                      </a:schemeClr>
+                    </a:gs>
+                  </a:gsLst>
+                  <a:lin ang="5400000"/>
+                </a:gradFill>
+                <a:effectLst>
+                  <a:innerShdw blurRad="69850" dist="43180" dir="5400000">
+                    <a:srgbClr val="000000">
+                      <a:alpha val="65000"/>
+                    </a:srgbClr>
+                  </a:innerShdw>
+                </a:effectLst>
+              </a:rPr>
+              <a:t>29</a:t>
+            </a:r>
+            <a:endParaRPr lang="zh-CN" altLang="en-US" sz="5400" b="1" cap="none" spc="0" dirty="0">
+              <a:ln w="1905"/>
+              <a:gradFill>
+                <a:gsLst>
+                  <a:gs pos="0">
+                    <a:schemeClr val="accent6">
+                      <a:shade val="20000"/>
+                      <a:satMod val="200000"/>
+                    </a:schemeClr>
+                  </a:gs>
+                  <a:gs pos="78000">
+                    <a:schemeClr val="accent6">
+                      <a:tint val="90000"/>
+                      <a:shade val="89000"/>
+                      <a:satMod val="220000"/>
+                    </a:schemeClr>
+                  </a:gs>
+                  <a:gs pos="100000">
+                    <a:schemeClr val="accent6">
+                      <a:tint val="12000"/>
+                      <a:satMod val="255000"/>
+                    </a:schemeClr>
+                  </a:gs>
+                </a:gsLst>
+                <a:lin ang="5400000"/>
+              </a:gradFill>
+              <a:effectLst>
+                <a:innerShdw blurRad="69850" dist="43180" dir="5400000">
+                  <a:srgbClr val="000000">
+                    <a:alpha val="65000"/>
+                  </a:srgbClr>
+                </a:innerShdw>
+              </a:effectLst>
+            </a:endParaRPr>
+          </a:p>
+        </p:txBody>
+      </p:sp>
     </p:spTree>
   </p:cSld>
   <p:clrMapOvr>
     <a:masterClrMapping/>
   </p:clrMapOvr>
   <mc:AlternateContent xmlns:mc="http://schemas.openxmlformats.org/markup-compatibility/2006">
-    <mc:Choice xmlns:p14="http://schemas.microsoft.com/office/powerpoint/2010/main" xmlns="" Requires="p14">
+    <mc:Choice xmlns="" xmlns:p14="http://schemas.microsoft.com/office/powerpoint/2010/main" Requires="p14">
       <p:transition spd="med" p14:dur="700">
         <p:fade/>
       </p:transition>
@@ -18481,7 +22163,7 @@
         </p:nvSpPr>
         <p:spPr>
           <a:xfrm>
-            <a:off x="5865812" y="1905000"/>
+            <a:off x="5865812" y="1524000"/>
             <a:ext cx="6560612" cy="1200329"/>
           </a:xfrm>
           <a:prstGeom prst="rect">
@@ -18499,7 +22181,13 @@
               <a:rPr lang="zh-CN" altLang="en-US" dirty="0" smtClean="0">
                 <a:ea typeface="Microsoft YaHei UI"/>
               </a:rPr>
-              <a:t>写系统手册一类比较大的文档，改到一定程度再另存为</a:t>
+              <a:t>写</a:t>
+            </a:r>
+            <a:r>
+              <a:rPr lang="zh-CN" altLang="en-US" dirty="0" smtClean="0">
+                <a:ea typeface="Microsoft YaHei UI"/>
+              </a:rPr>
+              <a:t>系统手册一类比较大的文档，改到一定程度再另存为</a:t>
             </a:r>
             <a:endParaRPr lang="en-US" altLang="zh-CN" dirty="0" smtClean="0">
               <a:ea typeface="Microsoft YaHei UI"/>
@@ -18549,7 +22237,7 @@
         <p:spPr>
           <a:xfrm>
             <a:off x="3351212" y="5715000"/>
-            <a:ext cx="8458201" cy="369332"/>
+            <a:ext cx="8458201" cy="923330"/>
           </a:xfrm>
           <a:prstGeom prst="rect">
             <a:avLst/>
@@ -18566,18 +22254,155 @@
               <a:rPr lang="zh-CN" altLang="en-US" dirty="0" smtClean="0">
                 <a:ea typeface="Microsoft YaHei UI"/>
               </a:rPr>
-              <a:t>这样，你就结束了手动管理多个“版本”的史前时代，进入到版本控制的新纪元。</a:t>
-            </a:r>
+              <a:t>这样，你就结束了手动管理多个“版本”的史前时代，进入到版本控制的新纪元</a:t>
+            </a:r>
+            <a:r>
+              <a:rPr lang="zh-CN" altLang="en-US" dirty="0" smtClean="0">
+                <a:ea typeface="Microsoft YaHei UI"/>
+              </a:rPr>
+              <a:t>。</a:t>
+            </a:r>
+            <a:endParaRPr lang="en-US" altLang="zh-CN" dirty="0" smtClean="0">
+              <a:ea typeface="Microsoft YaHei UI"/>
+            </a:endParaRPr>
+          </a:p>
+          <a:p>
+            <a:r>
+              <a:rPr lang="en-US" altLang="zh-CN" dirty="0" smtClean="0">
+                <a:ea typeface="Microsoft YaHei UI"/>
+              </a:rPr>
+              <a:t>VCS</a:t>
+            </a:r>
+            <a:r>
+              <a:rPr lang="zh-CN" altLang="en-US" dirty="0" smtClean="0">
+                <a:ea typeface="Microsoft YaHei UI"/>
+              </a:rPr>
+              <a:t>（</a:t>
+            </a:r>
+            <a:r>
+              <a:rPr lang="en-US" altLang="zh-CN" dirty="0" smtClean="0">
+                <a:ea typeface="Microsoft YaHei UI"/>
+              </a:rPr>
+              <a:t>Version  Control  System</a:t>
+            </a:r>
+            <a:r>
+              <a:rPr lang="zh-CN" altLang="en-US" dirty="0" smtClean="0">
+                <a:ea typeface="Microsoft YaHei UI"/>
+              </a:rPr>
+              <a:t>）</a:t>
+            </a:r>
+            <a:endParaRPr lang="en-US" altLang="zh-CN" dirty="0" smtClean="0">
+              <a:ea typeface="Microsoft YaHei UI"/>
+            </a:endParaRPr>
+          </a:p>
+          <a:p>
             <a:endParaRPr lang="zh-CN" altLang="en-US" dirty="0">
               <a:ea typeface="Microsoft YaHei UI"/>
             </a:endParaRPr>
           </a:p>
         </p:txBody>
       </p:sp>
+      <p:sp>
+        <p:nvSpPr>
+          <p:cNvPr id="11" name="矩形 10"/>
+          <p:cNvSpPr/>
+          <p:nvPr/>
+        </p:nvSpPr>
+        <p:spPr>
+          <a:xfrm>
+            <a:off x="11276012" y="5934670"/>
+            <a:ext cx="588623" cy="923330"/>
+          </a:xfrm>
+          <a:prstGeom prst="rect">
+            <a:avLst/>
+          </a:prstGeom>
+          <a:noFill/>
+        </p:spPr>
+        <p:txBody>
+          <a:bodyPr wrap="none" lIns="91440" tIns="45720" rIns="91440" bIns="45720">
+            <a:spAutoFit/>
+          </a:bodyPr>
+          <a:lstStyle/>
+          <a:p>
+            <a:pPr algn="ctr"/>
+            <a:r>
+              <a:rPr lang="en-US" altLang="zh-CN" sz="5400" b="1" cap="none" spc="0" dirty="0" smtClean="0">
+                <a:ln w="1905"/>
+                <a:gradFill>
+                  <a:gsLst>
+                    <a:gs pos="0">
+                      <a:schemeClr val="accent6">
+                        <a:shade val="20000"/>
+                        <a:satMod val="200000"/>
+                      </a:schemeClr>
+                    </a:gs>
+                    <a:gs pos="78000">
+                      <a:schemeClr val="accent6">
+                        <a:tint val="90000"/>
+                        <a:shade val="89000"/>
+                        <a:satMod val="220000"/>
+                      </a:schemeClr>
+                    </a:gs>
+                    <a:gs pos="100000">
+                      <a:schemeClr val="accent6">
+                        <a:tint val="12000"/>
+                        <a:satMod val="255000"/>
+                      </a:schemeClr>
+                    </a:gs>
+                  </a:gsLst>
+                  <a:lin ang="5400000"/>
+                </a:gradFill>
+                <a:effectLst>
+                  <a:innerShdw blurRad="69850" dist="43180" dir="5400000">
+                    <a:srgbClr val="000000">
+                      <a:alpha val="65000"/>
+                    </a:srgbClr>
+                  </a:innerShdw>
+                </a:effectLst>
+              </a:rPr>
+              <a:t>3</a:t>
+            </a:r>
+            <a:endParaRPr lang="zh-CN" altLang="en-US" sz="5400" b="1" cap="none" spc="0" dirty="0">
+              <a:ln w="1905"/>
+              <a:gradFill>
+                <a:gsLst>
+                  <a:gs pos="0">
+                    <a:schemeClr val="accent6">
+                      <a:shade val="20000"/>
+                      <a:satMod val="200000"/>
+                    </a:schemeClr>
+                  </a:gs>
+                  <a:gs pos="78000">
+                    <a:schemeClr val="accent6">
+                      <a:tint val="90000"/>
+                      <a:shade val="89000"/>
+                      <a:satMod val="220000"/>
+                    </a:schemeClr>
+                  </a:gs>
+                  <a:gs pos="100000">
+                    <a:schemeClr val="accent6">
+                      <a:tint val="12000"/>
+                      <a:satMod val="255000"/>
+                    </a:schemeClr>
+                  </a:gs>
+                </a:gsLst>
+                <a:lin ang="5400000"/>
+              </a:gradFill>
+              <a:effectLst>
+                <a:innerShdw blurRad="69850" dist="43180" dir="5400000">
+                  <a:srgbClr val="000000">
+                    <a:alpha val="65000"/>
+                  </a:srgbClr>
+                </a:innerShdw>
+              </a:effectLst>
+            </a:endParaRPr>
+          </a:p>
+        </p:txBody>
+      </p:sp>
     </p:spTree>
     <p:extLst>
       <p:ext uri="{BB962C8B-B14F-4D97-AF65-F5344CB8AC3E}">
-        <p14:creationId xmlns:p14="http://schemas.microsoft.com/office/powerpoint/2010/main" xmlns="" val="2237405988"/>
+        <p14:creationId xmlns="" xmlns:p14="http://schemas.microsoft.com/office/powerpoint/2010/main" val="2237405988"/>
       </p:ext>
     </p:extLst>
   </p:cSld>
@@ -18585,7 +22410,7 @@
     <a:masterClrMapping/>
   </p:clrMapOvr>
   <mc:AlternateContent xmlns:mc="http://schemas.openxmlformats.org/markup-compatibility/2006">
-    <mc:Choice xmlns:p14="http://schemas.microsoft.com/office/powerpoint/2010/main" xmlns="" Requires="p14">
+    <mc:Choice xmlns="" xmlns:p14="http://schemas.microsoft.com/office/powerpoint/2010/main" Requires="p14">
       <p:transition spd="med" p14:dur="700">
         <p:fade/>
       </p:transition>
@@ -18643,12 +22468,8 @@
               <a:t>Git</a:t>
             </a:r>
             <a:r>
-              <a:rPr lang="en-US" altLang="zh-CN" dirty="0" err="1" smtClean="0"/>
-              <a:t>hub</a:t>
-            </a:r>
-            <a:r>
               <a:rPr lang="zh-CN" altLang="en-US" dirty="0" smtClean="0"/>
-              <a:t>的使用</a:t>
+              <a:t>常用命令详解</a:t>
             </a:r>
             <a:endParaRPr lang="zh-CN" altLang="en-US" dirty="0"/>
           </a:p>
@@ -18891,11 +22712,7 @@
             </a:r>
             <a:r>
               <a:rPr lang="en-US" altLang="zh-CN" sz="1600" dirty="0" smtClean="0"/>
-              <a:t> --global alias.st </a:t>
-            </a:r>
-            <a:r>
-              <a:rPr lang="en-US" altLang="zh-CN" sz="1600" dirty="0" smtClean="0"/>
-              <a:t>status</a:t>
+              <a:t> --global alias.st status</a:t>
             </a:r>
             <a:endParaRPr lang="en-US" altLang="zh-CN" sz="1600" dirty="0" smtClean="0">
               <a:latin typeface="Microsoft YaHei UI" panose="020B0503020204020204" pitchFamily="34" charset="-122"/>
@@ -18942,11 +22759,7 @@
             </a:r>
             <a:r>
               <a:rPr lang="en-US" altLang="zh-CN" sz="1600" dirty="0" smtClean="0"/>
-              <a:t> </a:t>
-            </a:r>
-            <a:r>
-              <a:rPr lang="en-US" altLang="zh-CN" sz="1600" dirty="0" smtClean="0"/>
-              <a:t>‘reset HEAD’</a:t>
+              <a:t> ‘reset HEAD’</a:t>
             </a:r>
           </a:p>
           <a:p>
@@ -18981,11 +22794,7 @@
             </a:r>
             <a:r>
               <a:rPr lang="en-US" altLang="zh-CN" sz="1600" dirty="0" smtClean="0"/>
-              <a:t> </a:t>
-            </a:r>
-            <a:r>
-              <a:rPr lang="en-US" altLang="zh-CN" sz="1600" dirty="0" smtClean="0"/>
-              <a:t>test.py</a:t>
+              <a:t> test.py</a:t>
             </a:r>
           </a:p>
           <a:p>
@@ -19012,11 +22821,7 @@
             </a:r>
             <a:r>
               <a:rPr lang="en-US" altLang="zh-CN" sz="1600" dirty="0" smtClean="0"/>
-              <a:t> reset HEAD </a:t>
-            </a:r>
-            <a:r>
-              <a:rPr lang="en-US" altLang="zh-CN" sz="1600" dirty="0" smtClean="0"/>
-              <a:t>test.py</a:t>
+              <a:t> reset HEAD test.py</a:t>
             </a:r>
           </a:p>
           <a:p>
@@ -19189,13 +22994,204 @@
           </a:ln>
         </p:spPr>
       </p:pic>
+      <p:sp>
+        <p:nvSpPr>
+          <p:cNvPr id="8" name="矩形 7"/>
+          <p:cNvSpPr/>
+          <p:nvPr/>
+        </p:nvSpPr>
+        <p:spPr>
+          <a:xfrm>
+            <a:off x="10895012" y="5934670"/>
+            <a:ext cx="992579" cy="923330"/>
+          </a:xfrm>
+          <a:prstGeom prst="rect">
+            <a:avLst/>
+          </a:prstGeom>
+          <a:noFill/>
+        </p:spPr>
+        <p:txBody>
+          <a:bodyPr wrap="none" lIns="91440" tIns="45720" rIns="91440" bIns="45720">
+            <a:spAutoFit/>
+          </a:bodyPr>
+          <a:lstStyle>
+            <a:defPPr>
+              <a:defRPr lang="en-US"/>
+            </a:defPPr>
+            <a:lvl1pPr marL="0" algn="l" defTabSz="914400" rtl="0" eaLnBrk="1" latinLnBrk="0" hangingPunct="1">
+              <a:defRPr sz="1800" kern="1200">
+                <a:solidFill>
+                  <a:schemeClr val="tx1"/>
+                </a:solidFill>
+                <a:latin typeface="+mn-lt"/>
+                <a:ea typeface="+mn-ea"/>
+                <a:cs typeface="+mn-cs"/>
+              </a:defRPr>
+            </a:lvl1pPr>
+            <a:lvl2pPr marL="457200" algn="l" defTabSz="914400" rtl="0" eaLnBrk="1" latinLnBrk="0" hangingPunct="1">
+              <a:defRPr sz="1800" kern="1200">
+                <a:solidFill>
+                  <a:schemeClr val="tx1"/>
+                </a:solidFill>
+                <a:latin typeface="+mn-lt"/>
+                <a:ea typeface="+mn-ea"/>
+                <a:cs typeface="+mn-cs"/>
+              </a:defRPr>
+            </a:lvl2pPr>
+            <a:lvl3pPr marL="914400" algn="l" defTabSz="914400" rtl="0" eaLnBrk="1" latinLnBrk="0" hangingPunct="1">
+              <a:defRPr sz="1800" kern="1200">
+                <a:solidFill>
+                  <a:schemeClr val="tx1"/>
+                </a:solidFill>
+                <a:latin typeface="+mn-lt"/>
+                <a:ea typeface="+mn-ea"/>
+                <a:cs typeface="+mn-cs"/>
+              </a:defRPr>
+            </a:lvl3pPr>
+            <a:lvl4pPr marL="1371600" algn="l" defTabSz="914400" rtl="0" eaLnBrk="1" latinLnBrk="0" hangingPunct="1">
+              <a:defRPr sz="1800" kern="1200">
+                <a:solidFill>
+                  <a:schemeClr val="tx1"/>
+                </a:solidFill>
+                <a:latin typeface="+mn-lt"/>
+                <a:ea typeface="+mn-ea"/>
+                <a:cs typeface="+mn-cs"/>
+              </a:defRPr>
+            </a:lvl4pPr>
+            <a:lvl5pPr marL="1828800" algn="l" defTabSz="914400" rtl="0" eaLnBrk="1" latinLnBrk="0" hangingPunct="1">
+              <a:defRPr sz="1800" kern="1200">
+                <a:solidFill>
+                  <a:schemeClr val="tx1"/>
+                </a:solidFill>
+                <a:latin typeface="+mn-lt"/>
+                <a:ea typeface="+mn-ea"/>
+                <a:cs typeface="+mn-cs"/>
+              </a:defRPr>
+            </a:lvl5pPr>
+            <a:lvl6pPr marL="2286000" algn="l" defTabSz="914400" rtl="0" eaLnBrk="1" latinLnBrk="0" hangingPunct="1">
+              <a:defRPr sz="1800" kern="1200">
+                <a:solidFill>
+                  <a:schemeClr val="tx1"/>
+                </a:solidFill>
+                <a:latin typeface="+mn-lt"/>
+                <a:ea typeface="+mn-ea"/>
+                <a:cs typeface="+mn-cs"/>
+              </a:defRPr>
+            </a:lvl6pPr>
+            <a:lvl7pPr marL="2743200" algn="l" defTabSz="914400" rtl="0" eaLnBrk="1" latinLnBrk="0" hangingPunct="1">
+              <a:defRPr sz="1800" kern="1200">
+                <a:solidFill>
+                  <a:schemeClr val="tx1"/>
+                </a:solidFill>
+                <a:latin typeface="+mn-lt"/>
+                <a:ea typeface="+mn-ea"/>
+                <a:cs typeface="+mn-cs"/>
+              </a:defRPr>
+            </a:lvl7pPr>
+            <a:lvl8pPr marL="3200400" algn="l" defTabSz="914400" rtl="0" eaLnBrk="1" latinLnBrk="0" hangingPunct="1">
+              <a:defRPr sz="1800" kern="1200">
+                <a:solidFill>
+                  <a:schemeClr val="tx1"/>
+                </a:solidFill>
+                <a:latin typeface="+mn-lt"/>
+                <a:ea typeface="+mn-ea"/>
+                <a:cs typeface="+mn-cs"/>
+              </a:defRPr>
+            </a:lvl8pPr>
+            <a:lvl9pPr marL="3657600" algn="l" defTabSz="914400" rtl="0" eaLnBrk="1" latinLnBrk="0" hangingPunct="1">
+              <a:defRPr sz="1800" kern="1200">
+                <a:solidFill>
+                  <a:schemeClr val="tx1"/>
+                </a:solidFill>
+                <a:latin typeface="+mn-lt"/>
+                <a:ea typeface="+mn-ea"/>
+                <a:cs typeface="+mn-cs"/>
+              </a:defRPr>
+            </a:lvl9pPr>
+          </a:lstStyle>
+          <a:p>
+            <a:pPr algn="ctr"/>
+            <a:r>
+              <a:rPr lang="en-US" altLang="zh-CN" sz="5400" b="1" cap="none" spc="0" dirty="0" smtClean="0">
+                <a:ln w="1905"/>
+                <a:gradFill>
+                  <a:gsLst>
+                    <a:gs pos="0">
+                      <a:schemeClr val="accent6">
+                        <a:shade val="20000"/>
+                        <a:satMod val="200000"/>
+                      </a:schemeClr>
+                    </a:gs>
+                    <a:gs pos="78000">
+                      <a:schemeClr val="accent6">
+                        <a:tint val="90000"/>
+                        <a:shade val="89000"/>
+                        <a:satMod val="220000"/>
+                      </a:schemeClr>
+                    </a:gs>
+                    <a:gs pos="100000">
+                      <a:schemeClr val="accent6">
+                        <a:tint val="12000"/>
+                        <a:satMod val="255000"/>
+                      </a:schemeClr>
+                    </a:gs>
+                  </a:gsLst>
+                  <a:lin ang="5400000"/>
+                </a:gradFill>
+                <a:effectLst>
+                  <a:innerShdw blurRad="69850" dist="43180" dir="5400000">
+                    <a:srgbClr val="000000">
+                      <a:alpha val="65000"/>
+                    </a:srgbClr>
+                  </a:innerShdw>
+                </a:effectLst>
+              </a:rPr>
+              <a:t>30</a:t>
+            </a:r>
+            <a:endParaRPr lang="zh-CN" altLang="en-US" sz="5400" b="1" cap="none" spc="0" dirty="0">
+              <a:ln w="1905"/>
+              <a:gradFill>
+                <a:gsLst>
+                  <a:gs pos="0">
+                    <a:schemeClr val="accent6">
+                      <a:shade val="20000"/>
+                      <a:satMod val="200000"/>
+                    </a:schemeClr>
+                  </a:gs>
+                  <a:gs pos="78000">
+                    <a:schemeClr val="accent6">
+                      <a:tint val="90000"/>
+                      <a:shade val="89000"/>
+                      <a:satMod val="220000"/>
+                    </a:schemeClr>
+                  </a:gs>
+                  <a:gs pos="100000">
+                    <a:schemeClr val="accent6">
+                      <a:tint val="12000"/>
+                      <a:satMod val="255000"/>
+                    </a:schemeClr>
+                  </a:gs>
+                </a:gsLst>
+                <a:lin ang="5400000"/>
+              </a:gradFill>
+              <a:effectLst>
+                <a:innerShdw blurRad="69850" dist="43180" dir="5400000">
+                  <a:srgbClr val="000000">
+                    <a:alpha val="65000"/>
+                  </a:srgbClr>
+                </a:innerShdw>
+              </a:effectLst>
+            </a:endParaRPr>
+          </a:p>
+        </p:txBody>
+      </p:sp>
     </p:spTree>
   </p:cSld>
   <p:clrMapOvr>
     <a:masterClrMapping/>
   </p:clrMapOvr>
   <mc:AlternateContent xmlns:mc="http://schemas.openxmlformats.org/markup-compatibility/2006">
-    <mc:Choice xmlns:p14="http://schemas.microsoft.com/office/powerpoint/2010/main" xmlns="" Requires="p14">
+    <mc:Choice xmlns="" xmlns:p14="http://schemas.microsoft.com/office/powerpoint/2010/main" Requires="p14">
       <p:transition spd="med" p14:dur="700">
         <p:fade/>
       </p:transition>
@@ -19265,7 +23261,7 @@
         <p:spPr>
           <a:xfrm>
             <a:off x="1751012" y="1828800"/>
-            <a:ext cx="9753600" cy="2677656"/>
+            <a:ext cx="9753600" cy="3785652"/>
           </a:xfrm>
           <a:prstGeom prst="rect">
             <a:avLst/>
@@ -19279,13 +23275,13 @@
           <a:lstStyle/>
           <a:p>
             <a:r>
-              <a:rPr lang="en-US" altLang="zh-CN" sz="2400" dirty="0" smtClean="0">
-                <a:hlinkClick r:id="rId2"/>
-              </a:rPr>
-              <a:t>http://www.git-scm.com/book/zh/v1</a:t>
-            </a:r>
-          </a:p>
-          <a:p>
+              <a:rPr lang="en-US" altLang="zh-CN" sz="2400" dirty="0" err="1" smtClean="0"/>
+              <a:t>git</a:t>
+            </a:r>
+            <a:r>
+              <a:rPr lang="zh-CN" altLang="en-US" sz="2400" dirty="0" smtClean="0"/>
+              <a:t>官网教程：</a:t>
+            </a:r>
             <a:r>
               <a:rPr lang="en-US" altLang="zh-CN" sz="2400" dirty="0" smtClean="0">
                 <a:hlinkClick r:id="rId2"/>
@@ -19296,46 +23292,277 @@
               <a:rPr lang="en-US" altLang="zh-CN" sz="2400" dirty="0" smtClean="0">
                 <a:hlinkClick r:id="rId2"/>
               </a:rPr>
-              <a:t>://</a:t>
+              <a:t>://www.git-scm.com/book/zh/v1</a:t>
+            </a:r>
+          </a:p>
+          <a:p>
+            <a:r>
+              <a:rPr lang="en-US" altLang="zh-CN" sz="2400" dirty="0" err="1" smtClean="0"/>
+              <a:t>git</a:t>
+            </a:r>
+            <a:r>
+              <a:rPr lang="zh-CN" altLang="en-US" sz="2400" dirty="0" smtClean="0"/>
+              <a:t>命令的详细实例和教程： </a:t>
             </a:r>
             <a:r>
               <a:rPr lang="en-US" altLang="zh-CN" sz="2400" dirty="0" smtClean="0">
                 <a:hlinkClick r:id="rId2"/>
               </a:rPr>
-              <a:t>www.yiibai.com/git/home.html</a:t>
+              <a:t>http</a:t>
+            </a:r>
+            <a:r>
+              <a:rPr lang="en-US" altLang="zh-CN" sz="2400" dirty="0" smtClean="0">
+                <a:hlinkClick r:id="rId2"/>
+              </a:rPr>
+              <a:t>://www.yiibai.com/git/home.html</a:t>
             </a:r>
             <a:endParaRPr lang="en-US" altLang="zh-CN" sz="2400" dirty="0" smtClean="0"/>
           </a:p>
           <a:p>
+            <a:r>
+              <a:rPr lang="en-US" altLang="zh-CN" sz="2400" dirty="0" err="1" smtClean="0"/>
+              <a:t>git</a:t>
+            </a:r>
+            <a:r>
+              <a:rPr lang="zh-CN" altLang="en-US" sz="2400" dirty="0" smtClean="0"/>
+              <a:t>入门教程：</a:t>
+            </a:r>
             <a:r>
               <a:rPr lang="en-US" altLang="zh-CN" sz="2400" dirty="0" smtClean="0">
                 <a:hlinkClick r:id="rId3"/>
               </a:rPr>
-              <a:t>http://</a:t>
-            </a:r>
-            <a:r>
-              <a:rPr lang="en-US" altLang="zh-CN" sz="2400" dirty="0" smtClean="0">
-                <a:hlinkClick r:id="rId3"/>
+              <a:t>http://www.liaoxuefeng.com/wiki/0013739516305929606dd18361248578c67b8067c8c017b000</a:t>
+            </a:r>
+            <a:endParaRPr lang="en-US" altLang="zh-CN" sz="2400" dirty="0" smtClean="0"/>
+          </a:p>
+          <a:p>
+            <a:endParaRPr lang="en-US" altLang="zh-CN" sz="2400" dirty="0" smtClean="0"/>
+          </a:p>
+          <a:p>
+            <a:r>
+              <a:rPr lang="zh-CN" altLang="en-US" sz="2400" dirty="0" smtClean="0"/>
+              <a:t>我的</a:t>
+            </a:r>
+            <a:r>
+              <a:rPr lang="en-US" altLang="zh-CN" sz="2400" dirty="0" err="1" smtClean="0"/>
+              <a:t>github</a:t>
+            </a:r>
+            <a:r>
+              <a:rPr lang="zh-CN" altLang="en-US" sz="2400" dirty="0" smtClean="0"/>
+              <a:t>项目地址：</a:t>
+            </a:r>
+            <a:r>
+              <a:rPr lang="en-US" altLang="zh-CN" sz="2400" dirty="0" smtClean="0"/>
+              <a:t> https://github.com/xami</a:t>
+            </a:r>
+            <a:endParaRPr lang="en-US" altLang="zh-CN" sz="2400" dirty="0" smtClean="0"/>
+          </a:p>
+          <a:p>
+            <a:endParaRPr lang="en-US" altLang="zh-CN" sz="2400" dirty="0" smtClean="0"/>
+          </a:p>
+          <a:p>
+            <a:endParaRPr lang="en-US" altLang="zh-CN" sz="2400" dirty="0" smtClean="0"/>
+          </a:p>
+          <a:p>
+            <a:endParaRPr lang="zh-CN" altLang="en-US" sz="2400" dirty="0"/>
+          </a:p>
+        </p:txBody>
+      </p:sp>
+      <p:sp>
+        <p:nvSpPr>
+          <p:cNvPr id="4" name="矩形 3"/>
+          <p:cNvSpPr/>
+          <p:nvPr/>
+        </p:nvSpPr>
+        <p:spPr>
+          <a:xfrm>
+            <a:off x="10907195" y="5934670"/>
+            <a:ext cx="968214" cy="923330"/>
+          </a:xfrm>
+          <a:prstGeom prst="rect">
+            <a:avLst/>
+          </a:prstGeom>
+          <a:noFill/>
+        </p:spPr>
+        <p:txBody>
+          <a:bodyPr wrap="none" lIns="91440" tIns="45720" rIns="91440" bIns="45720">
+            <a:spAutoFit/>
+          </a:bodyPr>
+          <a:lstStyle>
+            <a:defPPr>
+              <a:defRPr lang="en-US"/>
+            </a:defPPr>
+            <a:lvl1pPr marL="0" algn="l" defTabSz="914400" rtl="0" eaLnBrk="1" latinLnBrk="0" hangingPunct="1">
+              <a:defRPr sz="1800" kern="1200">
+                <a:solidFill>
+                  <a:schemeClr val="tx1"/>
+                </a:solidFill>
+                <a:latin typeface="+mn-lt"/>
+                <a:ea typeface="+mn-ea"/>
+                <a:cs typeface="+mn-cs"/>
+              </a:defRPr>
+            </a:lvl1pPr>
+            <a:lvl2pPr marL="457200" algn="l" defTabSz="914400" rtl="0" eaLnBrk="1" latinLnBrk="0" hangingPunct="1">
+              <a:defRPr sz="1800" kern="1200">
+                <a:solidFill>
+                  <a:schemeClr val="tx1"/>
+                </a:solidFill>
+                <a:latin typeface="+mn-lt"/>
+                <a:ea typeface="+mn-ea"/>
+                <a:cs typeface="+mn-cs"/>
+              </a:defRPr>
+            </a:lvl2pPr>
+            <a:lvl3pPr marL="914400" algn="l" defTabSz="914400" rtl="0" eaLnBrk="1" latinLnBrk="0" hangingPunct="1">
+              <a:defRPr sz="1800" kern="1200">
+                <a:solidFill>
+                  <a:schemeClr val="tx1"/>
+                </a:solidFill>
+                <a:latin typeface="+mn-lt"/>
+                <a:ea typeface="+mn-ea"/>
+                <a:cs typeface="+mn-cs"/>
+              </a:defRPr>
+            </a:lvl3pPr>
+            <a:lvl4pPr marL="1371600" algn="l" defTabSz="914400" rtl="0" eaLnBrk="1" latinLnBrk="0" hangingPunct="1">
+              <a:defRPr sz="1800" kern="1200">
+                <a:solidFill>
+                  <a:schemeClr val="tx1"/>
+                </a:solidFill>
+                <a:latin typeface="+mn-lt"/>
+                <a:ea typeface="+mn-ea"/>
+                <a:cs typeface="+mn-cs"/>
+              </a:defRPr>
+            </a:lvl4pPr>
+            <a:lvl5pPr marL="1828800" algn="l" defTabSz="914400" rtl="0" eaLnBrk="1" latinLnBrk="0" hangingPunct="1">
+              <a:defRPr sz="1800" kern="1200">
+                <a:solidFill>
+                  <a:schemeClr val="tx1"/>
+                </a:solidFill>
+                <a:latin typeface="+mn-lt"/>
+                <a:ea typeface="+mn-ea"/>
+                <a:cs typeface="+mn-cs"/>
+              </a:defRPr>
+            </a:lvl5pPr>
+            <a:lvl6pPr marL="2286000" algn="l" defTabSz="914400" rtl="0" eaLnBrk="1" latinLnBrk="0" hangingPunct="1">
+              <a:defRPr sz="1800" kern="1200">
+                <a:solidFill>
+                  <a:schemeClr val="tx1"/>
+                </a:solidFill>
+                <a:latin typeface="+mn-lt"/>
+                <a:ea typeface="+mn-ea"/>
+                <a:cs typeface="+mn-cs"/>
+              </a:defRPr>
+            </a:lvl6pPr>
+            <a:lvl7pPr marL="2743200" algn="l" defTabSz="914400" rtl="0" eaLnBrk="1" latinLnBrk="0" hangingPunct="1">
+              <a:defRPr sz="1800" kern="1200">
+                <a:solidFill>
+                  <a:schemeClr val="tx1"/>
+                </a:solidFill>
+                <a:latin typeface="+mn-lt"/>
+                <a:ea typeface="+mn-ea"/>
+                <a:cs typeface="+mn-cs"/>
+              </a:defRPr>
+            </a:lvl7pPr>
+            <a:lvl8pPr marL="3200400" algn="l" defTabSz="914400" rtl="0" eaLnBrk="1" latinLnBrk="0" hangingPunct="1">
+              <a:defRPr sz="1800" kern="1200">
+                <a:solidFill>
+                  <a:schemeClr val="tx1"/>
+                </a:solidFill>
+                <a:latin typeface="+mn-lt"/>
+                <a:ea typeface="+mn-ea"/>
+                <a:cs typeface="+mn-cs"/>
+              </a:defRPr>
+            </a:lvl8pPr>
+            <a:lvl9pPr marL="3657600" algn="l" defTabSz="914400" rtl="0" eaLnBrk="1" latinLnBrk="0" hangingPunct="1">
+              <a:defRPr sz="1800" kern="1200">
+                <a:solidFill>
+                  <a:schemeClr val="tx1"/>
+                </a:solidFill>
+                <a:latin typeface="+mn-lt"/>
+                <a:ea typeface="+mn-ea"/>
+                <a:cs typeface="+mn-cs"/>
+              </a:defRPr>
+            </a:lvl9pPr>
+          </a:lstStyle>
+          <a:p>
+            <a:pPr algn="ctr"/>
+            <a:r>
+              <a:rPr lang="en-US" altLang="zh-CN" sz="5400" b="1" cap="none" spc="0" dirty="0" smtClean="0">
+                <a:ln w="1905"/>
+                <a:gradFill>
+                  <a:gsLst>
+                    <a:gs pos="0">
+                      <a:schemeClr val="accent6">
+                        <a:shade val="20000"/>
+                        <a:satMod val="200000"/>
+                      </a:schemeClr>
+                    </a:gs>
+                    <a:gs pos="78000">
+                      <a:schemeClr val="accent6">
+                        <a:tint val="90000"/>
+                        <a:shade val="89000"/>
+                        <a:satMod val="220000"/>
+                      </a:schemeClr>
+                    </a:gs>
+                    <a:gs pos="100000">
+                      <a:schemeClr val="accent6">
+                        <a:tint val="12000"/>
+                        <a:satMod val="255000"/>
+                      </a:schemeClr>
+                    </a:gs>
+                  </a:gsLst>
+                  <a:lin ang="5400000"/>
+                </a:gradFill>
+                <a:effectLst>
+                  <a:innerShdw blurRad="69850" dist="43180" dir="5400000">
+                    <a:srgbClr val="000000">
+                      <a:alpha val="65000"/>
+                    </a:srgbClr>
+                  </a:innerShdw>
+                </a:effectLst>
               </a:rPr>
-              <a:t>www.liaoxuefeng.com/wiki/0013739516305929606dd18361248578c67b8067c8c017b000</a:t>
-            </a:r>
-            <a:endParaRPr lang="en-US" altLang="zh-CN" sz="2400" dirty="0" smtClean="0"/>
-          </a:p>
-          <a:p>
-            <a:endParaRPr lang="en-US" altLang="zh-CN" sz="2400" dirty="0" smtClean="0"/>
-          </a:p>
-          <a:p>
-            <a:endParaRPr lang="en-US" altLang="zh-CN" sz="2400" dirty="0" smtClean="0"/>
-          </a:p>
-          <a:p>
-            <a:endParaRPr lang="zh-CN" altLang="en-US" sz="2400" dirty="0"/>
+              <a:t>31</a:t>
+            </a:r>
+            <a:endParaRPr lang="zh-CN" altLang="en-US" sz="5400" b="1" cap="none" spc="0" dirty="0">
+              <a:ln w="1905"/>
+              <a:gradFill>
+                <a:gsLst>
+                  <a:gs pos="0">
+                    <a:schemeClr val="accent6">
+                      <a:shade val="20000"/>
+                      <a:satMod val="200000"/>
+                    </a:schemeClr>
+                  </a:gs>
+                  <a:gs pos="78000">
+                    <a:schemeClr val="accent6">
+                      <a:tint val="90000"/>
+                      <a:shade val="89000"/>
+                      <a:satMod val="220000"/>
+                    </a:schemeClr>
+                  </a:gs>
+                  <a:gs pos="100000">
+                    <a:schemeClr val="accent6">
+                      <a:tint val="12000"/>
+                      <a:satMod val="255000"/>
+                    </a:schemeClr>
+                  </a:gs>
+                </a:gsLst>
+                <a:lin ang="5400000"/>
+              </a:gradFill>
+              <a:effectLst>
+                <a:innerShdw blurRad="69850" dist="43180" dir="5400000">
+                  <a:srgbClr val="000000">
+                    <a:alpha val="65000"/>
+                  </a:srgbClr>
+                </a:innerShdw>
+              </a:effectLst>
+            </a:endParaRPr>
           </a:p>
         </p:txBody>
       </p:sp>
     </p:spTree>
     <p:extLst>
       <p:ext uri="{BB962C8B-B14F-4D97-AF65-F5344CB8AC3E}">
-        <p14:creationId xmlns:p14="http://schemas.microsoft.com/office/powerpoint/2010/main" xmlns="" val="2237405988"/>
+        <p14:creationId xmlns="" xmlns:p14="http://schemas.microsoft.com/office/powerpoint/2010/main" val="2237405988"/>
       </p:ext>
     </p:extLst>
   </p:cSld>
@@ -19343,7 +23570,7 @@
     <a:masterClrMapping/>
   </p:clrMapOvr>
   <mc:AlternateContent xmlns:mc="http://schemas.openxmlformats.org/markup-compatibility/2006">
-    <mc:Choice xmlns:p14="http://schemas.microsoft.com/office/powerpoint/2010/main" xmlns="" Requires="p14">
+    <mc:Choice xmlns="" xmlns:p14="http://schemas.microsoft.com/office/powerpoint/2010/main" Requires="p14">
       <p:transition spd="med" p14:dur="700">
         <p:fade/>
       </p:transition>
@@ -20053,10 +24280,107 @@
           </a:p>
         </p:txBody>
       </p:sp>
+      <p:sp>
+        <p:nvSpPr>
+          <p:cNvPr id="19" name="矩形 18"/>
+          <p:cNvSpPr/>
+          <p:nvPr/>
+        </p:nvSpPr>
+        <p:spPr>
+          <a:xfrm>
+            <a:off x="11276012" y="5934670"/>
+            <a:ext cx="588623" cy="923330"/>
+          </a:xfrm>
+          <a:prstGeom prst="rect">
+            <a:avLst/>
+          </a:prstGeom>
+          <a:noFill/>
+        </p:spPr>
+        <p:txBody>
+          <a:bodyPr wrap="none" lIns="91440" tIns="45720" rIns="91440" bIns="45720">
+            <a:spAutoFit/>
+          </a:bodyPr>
+          <a:lstStyle/>
+          <a:p>
+            <a:pPr algn="ctr"/>
+            <a:r>
+              <a:rPr lang="en-US" altLang="zh-CN" sz="5400" b="1" cap="none" spc="0" dirty="0" smtClean="0">
+                <a:ln w="1905"/>
+                <a:gradFill>
+                  <a:gsLst>
+                    <a:gs pos="0">
+                      <a:schemeClr val="accent6">
+                        <a:shade val="20000"/>
+                        <a:satMod val="200000"/>
+                      </a:schemeClr>
+                    </a:gs>
+                    <a:gs pos="78000">
+                      <a:schemeClr val="accent6">
+                        <a:tint val="90000"/>
+                        <a:shade val="89000"/>
+                        <a:satMod val="220000"/>
+                      </a:schemeClr>
+                    </a:gs>
+                    <a:gs pos="100000">
+                      <a:schemeClr val="accent6">
+                        <a:tint val="12000"/>
+                        <a:satMod val="255000"/>
+                      </a:schemeClr>
+                    </a:gs>
+                  </a:gsLst>
+                  <a:lin ang="5400000"/>
+                </a:gradFill>
+                <a:effectLst>
+                  <a:innerShdw blurRad="69850" dist="43180" dir="5400000">
+                    <a:srgbClr val="000000">
+                      <a:alpha val="65000"/>
+                    </a:srgbClr>
+                  </a:innerShdw>
+                </a:effectLst>
+              </a:rPr>
+              <a:t>4</a:t>
+            </a:r>
+            <a:endParaRPr lang="zh-CN" altLang="en-US" sz="5400" b="1" cap="none" spc="0" dirty="0">
+              <a:ln w="1905"/>
+              <a:gradFill>
+                <a:gsLst>
+                  <a:gs pos="0">
+                    <a:schemeClr val="accent6">
+                      <a:shade val="20000"/>
+                      <a:satMod val="200000"/>
+                    </a:schemeClr>
+                  </a:gs>
+                  <a:gs pos="78000">
+                    <a:schemeClr val="accent6">
+                      <a:tint val="90000"/>
+                      <a:shade val="89000"/>
+                      <a:satMod val="220000"/>
+                    </a:schemeClr>
+                  </a:gs>
+                  <a:gs pos="100000">
+                    <a:schemeClr val="accent6">
+                      <a:tint val="12000"/>
+                      <a:satMod val="255000"/>
+                    </a:schemeClr>
+                  </a:gs>
+                </a:gsLst>
+                <a:lin ang="5400000"/>
+              </a:gradFill>
+              <a:effectLst>
+                <a:innerShdw blurRad="69850" dist="43180" dir="5400000">
+                  <a:srgbClr val="000000">
+                    <a:alpha val="65000"/>
+                  </a:srgbClr>
+                </a:innerShdw>
+              </a:effectLst>
+            </a:endParaRPr>
+          </a:p>
+        </p:txBody>
+      </p:sp>
     </p:spTree>
     <p:extLst>
       <p:ext uri="{BB962C8B-B14F-4D97-AF65-F5344CB8AC3E}">
-        <p14:creationId xmlns:p14="http://schemas.microsoft.com/office/powerpoint/2010/main" xmlns="" val="813896505"/>
+        <p14:creationId xmlns="" xmlns:p14="http://schemas.microsoft.com/office/powerpoint/2010/main" val="813896505"/>
       </p:ext>
     </p:extLst>
   </p:cSld>
@@ -20064,7 +24388,7 @@
     <a:masterClrMapping/>
   </p:clrMapOvr>
   <mc:AlternateContent xmlns:mc="http://schemas.openxmlformats.org/markup-compatibility/2006">
-    <mc:Choice xmlns:p14="http://schemas.microsoft.com/office/powerpoint/2010/main" xmlns="" Requires="p14">
+    <mc:Choice xmlns="" xmlns:p14="http://schemas.microsoft.com/office/powerpoint/2010/main" Requires="p14">
       <p:transition spd="med" p14:dur="700">
         <p:fade/>
       </p:transition>
@@ -20863,10 +25187,107 @@
           </a:p>
         </p:txBody>
       </p:sp>
+      <p:sp>
+        <p:nvSpPr>
+          <p:cNvPr id="21" name="矩形 20"/>
+          <p:cNvSpPr/>
+          <p:nvPr/>
+        </p:nvSpPr>
+        <p:spPr>
+          <a:xfrm>
+            <a:off x="11276012" y="5934670"/>
+            <a:ext cx="588623" cy="923330"/>
+          </a:xfrm>
+          <a:prstGeom prst="rect">
+            <a:avLst/>
+          </a:prstGeom>
+          <a:noFill/>
+        </p:spPr>
+        <p:txBody>
+          <a:bodyPr wrap="none" lIns="91440" tIns="45720" rIns="91440" bIns="45720">
+            <a:spAutoFit/>
+          </a:bodyPr>
+          <a:lstStyle/>
+          <a:p>
+            <a:pPr algn="ctr"/>
+            <a:r>
+              <a:rPr lang="en-US" altLang="zh-CN" sz="5400" b="1" cap="none" spc="0" dirty="0" smtClean="0">
+                <a:ln w="1905"/>
+                <a:gradFill>
+                  <a:gsLst>
+                    <a:gs pos="0">
+                      <a:schemeClr val="accent6">
+                        <a:shade val="20000"/>
+                        <a:satMod val="200000"/>
+                      </a:schemeClr>
+                    </a:gs>
+                    <a:gs pos="78000">
+                      <a:schemeClr val="accent6">
+                        <a:tint val="90000"/>
+                        <a:shade val="89000"/>
+                        <a:satMod val="220000"/>
+                      </a:schemeClr>
+                    </a:gs>
+                    <a:gs pos="100000">
+                      <a:schemeClr val="accent6">
+                        <a:tint val="12000"/>
+                        <a:satMod val="255000"/>
+                      </a:schemeClr>
+                    </a:gs>
+                  </a:gsLst>
+                  <a:lin ang="5400000"/>
+                </a:gradFill>
+                <a:effectLst>
+                  <a:innerShdw blurRad="69850" dist="43180" dir="5400000">
+                    <a:srgbClr val="000000">
+                      <a:alpha val="65000"/>
+                    </a:srgbClr>
+                  </a:innerShdw>
+                </a:effectLst>
+              </a:rPr>
+              <a:t>5</a:t>
+            </a:r>
+            <a:endParaRPr lang="zh-CN" altLang="en-US" sz="5400" b="1" cap="none" spc="0" dirty="0">
+              <a:ln w="1905"/>
+              <a:gradFill>
+                <a:gsLst>
+                  <a:gs pos="0">
+                    <a:schemeClr val="accent6">
+                      <a:shade val="20000"/>
+                      <a:satMod val="200000"/>
+                    </a:schemeClr>
+                  </a:gs>
+                  <a:gs pos="78000">
+                    <a:schemeClr val="accent6">
+                      <a:tint val="90000"/>
+                      <a:shade val="89000"/>
+                      <a:satMod val="220000"/>
+                    </a:schemeClr>
+                  </a:gs>
+                  <a:gs pos="100000">
+                    <a:schemeClr val="accent6">
+                      <a:tint val="12000"/>
+                      <a:satMod val="255000"/>
+                    </a:schemeClr>
+                  </a:gs>
+                </a:gsLst>
+                <a:lin ang="5400000"/>
+              </a:gradFill>
+              <a:effectLst>
+                <a:innerShdw blurRad="69850" dist="43180" dir="5400000">
+                  <a:srgbClr val="000000">
+                    <a:alpha val="65000"/>
+                  </a:srgbClr>
+                </a:innerShdw>
+              </a:effectLst>
+            </a:endParaRPr>
+          </a:p>
+        </p:txBody>
+      </p:sp>
     </p:spTree>
     <p:extLst>
       <p:ext uri="{BB962C8B-B14F-4D97-AF65-F5344CB8AC3E}">
-        <p14:creationId xmlns:p14="http://schemas.microsoft.com/office/powerpoint/2010/main" xmlns="" val="2237405988"/>
+        <p14:creationId xmlns="" xmlns:p14="http://schemas.microsoft.com/office/powerpoint/2010/main" val="2237405988"/>
       </p:ext>
     </p:extLst>
   </p:cSld>
@@ -20874,7 +25295,7 @@
     <a:overrideClrMapping bg1="lt1" tx1="dk1" bg2="lt2" tx2="dk2" accent1="accent1" accent2="accent2" accent3="accent3" accent4="accent4" accent5="accent5" accent6="accent6" hlink="hlink" folHlink="folHlink"/>
   </p:clrMapOvr>
   <mc:AlternateContent xmlns:mc="http://schemas.openxmlformats.org/markup-compatibility/2006">
-    <mc:Choice xmlns:p14="http://schemas.microsoft.com/office/powerpoint/2010/main" xmlns="" Requires="p14">
+    <mc:Choice xmlns="" xmlns:p14="http://schemas.microsoft.com/office/powerpoint/2010/main" Requires="p14">
       <p:transition spd="med" p14:dur="700">
         <p:fade/>
       </p:transition>
@@ -20986,7 +25407,7 @@
           <p:nvPr/>
         </p:nvPicPr>
         <p:blipFill>
-          <a:blip r:embed="rId3" cstate="print"/>
+          <a:blip r:embed="rId4" cstate="print"/>
           <a:srcRect/>
           <a:stretch>
             <a:fillRect/>
@@ -21012,7 +25433,7 @@
           <p:nvPr/>
         </p:nvPicPr>
         <p:blipFill>
-          <a:blip r:embed="rId4" cstate="print"/>
+          <a:blip r:embed="rId5" cstate="print"/>
           <a:srcRect/>
           <a:stretch>
             <a:fillRect/>
@@ -21173,10 +25594,107 @@
           </a:p>
         </p:txBody>
       </p:sp>
+      <p:sp>
+        <p:nvSpPr>
+          <p:cNvPr id="8" name="矩形 7"/>
+          <p:cNvSpPr/>
+          <p:nvPr/>
+        </p:nvSpPr>
+        <p:spPr>
+          <a:xfrm>
+            <a:off x="11276012" y="5934670"/>
+            <a:ext cx="588623" cy="923330"/>
+          </a:xfrm>
+          <a:prstGeom prst="rect">
+            <a:avLst/>
+          </a:prstGeom>
+          <a:noFill/>
+        </p:spPr>
+        <p:txBody>
+          <a:bodyPr wrap="none" lIns="91440" tIns="45720" rIns="91440" bIns="45720">
+            <a:spAutoFit/>
+          </a:bodyPr>
+          <a:lstStyle/>
+          <a:p>
+            <a:pPr algn="ctr"/>
+            <a:r>
+              <a:rPr lang="en-US" altLang="zh-CN" sz="5400" b="1" cap="none" spc="0" dirty="0" smtClean="0">
+                <a:ln w="1905"/>
+                <a:gradFill>
+                  <a:gsLst>
+                    <a:gs pos="0">
+                      <a:schemeClr val="accent6">
+                        <a:shade val="20000"/>
+                        <a:satMod val="200000"/>
+                      </a:schemeClr>
+                    </a:gs>
+                    <a:gs pos="78000">
+                      <a:schemeClr val="accent6">
+                        <a:tint val="90000"/>
+                        <a:shade val="89000"/>
+                        <a:satMod val="220000"/>
+                      </a:schemeClr>
+                    </a:gs>
+                    <a:gs pos="100000">
+                      <a:schemeClr val="accent6">
+                        <a:tint val="12000"/>
+                        <a:satMod val="255000"/>
+                      </a:schemeClr>
+                    </a:gs>
+                  </a:gsLst>
+                  <a:lin ang="5400000"/>
+                </a:gradFill>
+                <a:effectLst>
+                  <a:innerShdw blurRad="69850" dist="43180" dir="5400000">
+                    <a:srgbClr val="000000">
+                      <a:alpha val="65000"/>
+                    </a:srgbClr>
+                  </a:innerShdw>
+                </a:effectLst>
+              </a:rPr>
+              <a:t>6</a:t>
+            </a:r>
+            <a:endParaRPr lang="zh-CN" altLang="en-US" sz="5400" b="1" cap="none" spc="0" dirty="0">
+              <a:ln w="1905"/>
+              <a:gradFill>
+                <a:gsLst>
+                  <a:gs pos="0">
+                    <a:schemeClr val="accent6">
+                      <a:shade val="20000"/>
+                      <a:satMod val="200000"/>
+                    </a:schemeClr>
+                  </a:gs>
+                  <a:gs pos="78000">
+                    <a:schemeClr val="accent6">
+                      <a:tint val="90000"/>
+                      <a:shade val="89000"/>
+                      <a:satMod val="220000"/>
+                    </a:schemeClr>
+                  </a:gs>
+                  <a:gs pos="100000">
+                    <a:schemeClr val="accent6">
+                      <a:tint val="12000"/>
+                      <a:satMod val="255000"/>
+                    </a:schemeClr>
+                  </a:gs>
+                </a:gsLst>
+                <a:lin ang="5400000"/>
+              </a:gradFill>
+              <a:effectLst>
+                <a:innerShdw blurRad="69850" dist="43180" dir="5400000">
+                  <a:srgbClr val="000000">
+                    <a:alpha val="65000"/>
+                  </a:srgbClr>
+                </a:innerShdw>
+              </a:effectLst>
+            </a:endParaRPr>
+          </a:p>
+        </p:txBody>
+      </p:sp>
     </p:spTree>
     <p:extLst>
       <p:ext uri="{BB962C8B-B14F-4D97-AF65-F5344CB8AC3E}">
-        <p14:creationId xmlns:p14="http://schemas.microsoft.com/office/powerpoint/2010/main" xmlns="" val="2237405988"/>
+        <p14:creationId xmlns="" xmlns:p14="http://schemas.microsoft.com/office/powerpoint/2010/main" val="2237405988"/>
       </p:ext>
     </p:extLst>
   </p:cSld>
@@ -21184,7 +25702,7 @@
     <a:overrideClrMapping bg1="lt1" tx1="dk1" bg2="lt2" tx2="dk2" accent1="accent1" accent2="accent2" accent3="accent3" accent4="accent4" accent5="accent5" accent6="accent6" hlink="hlink" folHlink="folHlink"/>
   </p:clrMapOvr>
   <mc:AlternateContent xmlns:mc="http://schemas.openxmlformats.org/markup-compatibility/2006">
-    <mc:Choice xmlns:p14="http://schemas.microsoft.com/office/powerpoint/2010/main" xmlns="" Requires="p14">
+    <mc:Choice xmlns="" xmlns:p14="http://schemas.microsoft.com/office/powerpoint/2010/main" Requires="p14">
       <p:transition spd="med" p14:dur="700">
         <p:fade/>
       </p:transition>
@@ -21970,10 +26488,107 @@
           <a:noFill/>
         </p:spPr>
       </p:pic>
+      <p:sp>
+        <p:nvSpPr>
+          <p:cNvPr id="6" name="矩形 5"/>
+          <p:cNvSpPr/>
+          <p:nvPr/>
+        </p:nvSpPr>
+        <p:spPr>
+          <a:xfrm>
+            <a:off x="11276012" y="5934670"/>
+            <a:ext cx="588623" cy="923330"/>
+          </a:xfrm>
+          <a:prstGeom prst="rect">
+            <a:avLst/>
+          </a:prstGeom>
+          <a:noFill/>
+        </p:spPr>
+        <p:txBody>
+          <a:bodyPr wrap="none" lIns="91440" tIns="45720" rIns="91440" bIns="45720">
+            <a:spAutoFit/>
+          </a:bodyPr>
+          <a:lstStyle/>
+          <a:p>
+            <a:pPr algn="ctr"/>
+            <a:r>
+              <a:rPr lang="en-US" altLang="zh-CN" sz="5400" b="1" cap="none" spc="0" dirty="0" smtClean="0">
+                <a:ln w="1905"/>
+                <a:gradFill>
+                  <a:gsLst>
+                    <a:gs pos="0">
+                      <a:schemeClr val="accent6">
+                        <a:shade val="20000"/>
+                        <a:satMod val="200000"/>
+                      </a:schemeClr>
+                    </a:gs>
+                    <a:gs pos="78000">
+                      <a:schemeClr val="accent6">
+                        <a:tint val="90000"/>
+                        <a:shade val="89000"/>
+                        <a:satMod val="220000"/>
+                      </a:schemeClr>
+                    </a:gs>
+                    <a:gs pos="100000">
+                      <a:schemeClr val="accent6">
+                        <a:tint val="12000"/>
+                        <a:satMod val="255000"/>
+                      </a:schemeClr>
+                    </a:gs>
+                  </a:gsLst>
+                  <a:lin ang="5400000"/>
+                </a:gradFill>
+                <a:effectLst>
+                  <a:innerShdw blurRad="69850" dist="43180" dir="5400000">
+                    <a:srgbClr val="000000">
+                      <a:alpha val="65000"/>
+                    </a:srgbClr>
+                  </a:innerShdw>
+                </a:effectLst>
+              </a:rPr>
+              <a:t>7</a:t>
+            </a:r>
+            <a:endParaRPr lang="zh-CN" altLang="en-US" sz="5400" b="1" cap="none" spc="0" dirty="0">
+              <a:ln w="1905"/>
+              <a:gradFill>
+                <a:gsLst>
+                  <a:gs pos="0">
+                    <a:schemeClr val="accent6">
+                      <a:shade val="20000"/>
+                      <a:satMod val="200000"/>
+                    </a:schemeClr>
+                  </a:gs>
+                  <a:gs pos="78000">
+                    <a:schemeClr val="accent6">
+                      <a:tint val="90000"/>
+                      <a:shade val="89000"/>
+                      <a:satMod val="220000"/>
+                    </a:schemeClr>
+                  </a:gs>
+                  <a:gs pos="100000">
+                    <a:schemeClr val="accent6">
+                      <a:tint val="12000"/>
+                      <a:satMod val="255000"/>
+                    </a:schemeClr>
+                  </a:gs>
+                </a:gsLst>
+                <a:lin ang="5400000"/>
+              </a:gradFill>
+              <a:effectLst>
+                <a:innerShdw blurRad="69850" dist="43180" dir="5400000">
+                  <a:srgbClr val="000000">
+                    <a:alpha val="65000"/>
+                  </a:srgbClr>
+                </a:innerShdw>
+              </a:effectLst>
+            </a:endParaRPr>
+          </a:p>
+        </p:txBody>
+      </p:sp>
     </p:spTree>
     <p:extLst>
       <p:ext uri="{BB962C8B-B14F-4D97-AF65-F5344CB8AC3E}">
-        <p14:creationId xmlns:p14="http://schemas.microsoft.com/office/powerpoint/2010/main" xmlns="" val="2237405988"/>
+        <p14:creationId xmlns="" xmlns:p14="http://schemas.microsoft.com/office/powerpoint/2010/main" val="2237405988"/>
       </p:ext>
     </p:extLst>
   </p:cSld>
@@ -21981,7 +26596,7 @@
     <a:masterClrMapping/>
   </p:clrMapOvr>
   <mc:AlternateContent xmlns:mc="http://schemas.openxmlformats.org/markup-compatibility/2006">
-    <mc:Choice xmlns:p14="http://schemas.microsoft.com/office/powerpoint/2010/main" xmlns="" Requires="p14">
+    <mc:Choice xmlns="" xmlns:p14="http://schemas.microsoft.com/office/powerpoint/2010/main" Requires="p14">
       <p:transition spd="med" p14:dur="700">
         <p:fade/>
       </p:transition>
@@ -22241,10 +26856,107 @@
           </a:p>
         </p:txBody>
       </p:sp>
+      <p:sp>
+        <p:nvSpPr>
+          <p:cNvPr id="7" name="矩形 6"/>
+          <p:cNvSpPr/>
+          <p:nvPr/>
+        </p:nvSpPr>
+        <p:spPr>
+          <a:xfrm>
+            <a:off x="11276012" y="5934670"/>
+            <a:ext cx="588623" cy="923330"/>
+          </a:xfrm>
+          <a:prstGeom prst="rect">
+            <a:avLst/>
+          </a:prstGeom>
+          <a:noFill/>
+        </p:spPr>
+        <p:txBody>
+          <a:bodyPr wrap="none" lIns="91440" tIns="45720" rIns="91440" bIns="45720">
+            <a:spAutoFit/>
+          </a:bodyPr>
+          <a:lstStyle/>
+          <a:p>
+            <a:pPr algn="ctr"/>
+            <a:r>
+              <a:rPr lang="en-US" altLang="zh-CN" sz="5400" b="1" cap="none" spc="0" dirty="0" smtClean="0">
+                <a:ln w="1905"/>
+                <a:gradFill>
+                  <a:gsLst>
+                    <a:gs pos="0">
+                      <a:schemeClr val="accent6">
+                        <a:shade val="20000"/>
+                        <a:satMod val="200000"/>
+                      </a:schemeClr>
+                    </a:gs>
+                    <a:gs pos="78000">
+                      <a:schemeClr val="accent6">
+                        <a:tint val="90000"/>
+                        <a:shade val="89000"/>
+                        <a:satMod val="220000"/>
+                      </a:schemeClr>
+                    </a:gs>
+                    <a:gs pos="100000">
+                      <a:schemeClr val="accent6">
+                        <a:tint val="12000"/>
+                        <a:satMod val="255000"/>
+                      </a:schemeClr>
+                    </a:gs>
+                  </a:gsLst>
+                  <a:lin ang="5400000"/>
+                </a:gradFill>
+                <a:effectLst>
+                  <a:innerShdw blurRad="69850" dist="43180" dir="5400000">
+                    <a:srgbClr val="000000">
+                      <a:alpha val="65000"/>
+                    </a:srgbClr>
+                  </a:innerShdw>
+                </a:effectLst>
+              </a:rPr>
+              <a:t>8</a:t>
+            </a:r>
+            <a:endParaRPr lang="zh-CN" altLang="en-US" sz="5400" b="1" cap="none" spc="0" dirty="0">
+              <a:ln w="1905"/>
+              <a:gradFill>
+                <a:gsLst>
+                  <a:gs pos="0">
+                    <a:schemeClr val="accent6">
+                      <a:shade val="20000"/>
+                      <a:satMod val="200000"/>
+                    </a:schemeClr>
+                  </a:gs>
+                  <a:gs pos="78000">
+                    <a:schemeClr val="accent6">
+                      <a:tint val="90000"/>
+                      <a:shade val="89000"/>
+                      <a:satMod val="220000"/>
+                    </a:schemeClr>
+                  </a:gs>
+                  <a:gs pos="100000">
+                    <a:schemeClr val="accent6">
+                      <a:tint val="12000"/>
+                      <a:satMod val="255000"/>
+                    </a:schemeClr>
+                  </a:gs>
+                </a:gsLst>
+                <a:lin ang="5400000"/>
+              </a:gradFill>
+              <a:effectLst>
+                <a:innerShdw blurRad="69850" dist="43180" dir="5400000">
+                  <a:srgbClr val="000000">
+                    <a:alpha val="65000"/>
+                  </a:srgbClr>
+                </a:innerShdw>
+              </a:effectLst>
+            </a:endParaRPr>
+          </a:p>
+        </p:txBody>
+      </p:sp>
     </p:spTree>
     <p:extLst>
       <p:ext uri="{BB962C8B-B14F-4D97-AF65-F5344CB8AC3E}">
-        <p14:creationId xmlns:p14="http://schemas.microsoft.com/office/powerpoint/2010/main" xmlns="" val="813896505"/>
+        <p14:creationId xmlns="" xmlns:p14="http://schemas.microsoft.com/office/powerpoint/2010/main" val="813896505"/>
       </p:ext>
     </p:extLst>
   </p:cSld>
@@ -22252,7 +26964,7 @@
     <a:masterClrMapping/>
   </p:clrMapOvr>
   <mc:AlternateContent xmlns:mc="http://schemas.openxmlformats.org/markup-compatibility/2006">
-    <mc:Choice xmlns:p14="http://schemas.microsoft.com/office/powerpoint/2010/main" xmlns="" Requires="p14">
+    <mc:Choice xmlns="" xmlns:p14="http://schemas.microsoft.com/office/powerpoint/2010/main" Requires="p14">
       <p:transition spd="med" p14:dur="700">
         <p:fade/>
       </p:transition>
@@ -22511,10 +27223,107 @@
           </a:p>
         </p:txBody>
       </p:sp>
+      <p:sp>
+        <p:nvSpPr>
+          <p:cNvPr id="5" name="矩形 4"/>
+          <p:cNvSpPr/>
+          <p:nvPr/>
+        </p:nvSpPr>
+        <p:spPr>
+          <a:xfrm>
+            <a:off x="11276012" y="5934670"/>
+            <a:ext cx="588623" cy="923330"/>
+          </a:xfrm>
+          <a:prstGeom prst="rect">
+            <a:avLst/>
+          </a:prstGeom>
+          <a:noFill/>
+        </p:spPr>
+        <p:txBody>
+          <a:bodyPr wrap="none" lIns="91440" tIns="45720" rIns="91440" bIns="45720">
+            <a:spAutoFit/>
+          </a:bodyPr>
+          <a:lstStyle/>
+          <a:p>
+            <a:pPr algn="ctr"/>
+            <a:r>
+              <a:rPr lang="en-US" altLang="zh-CN" sz="5400" b="1" cap="none" spc="0" dirty="0" smtClean="0">
+                <a:ln w="1905"/>
+                <a:gradFill>
+                  <a:gsLst>
+                    <a:gs pos="0">
+                      <a:schemeClr val="accent6">
+                        <a:shade val="20000"/>
+                        <a:satMod val="200000"/>
+                      </a:schemeClr>
+                    </a:gs>
+                    <a:gs pos="78000">
+                      <a:schemeClr val="accent6">
+                        <a:tint val="90000"/>
+                        <a:shade val="89000"/>
+                        <a:satMod val="220000"/>
+                      </a:schemeClr>
+                    </a:gs>
+                    <a:gs pos="100000">
+                      <a:schemeClr val="accent6">
+                        <a:tint val="12000"/>
+                        <a:satMod val="255000"/>
+                      </a:schemeClr>
+                    </a:gs>
+                  </a:gsLst>
+                  <a:lin ang="5400000"/>
+                </a:gradFill>
+                <a:effectLst>
+                  <a:innerShdw blurRad="69850" dist="43180" dir="5400000">
+                    <a:srgbClr val="000000">
+                      <a:alpha val="65000"/>
+                    </a:srgbClr>
+                  </a:innerShdw>
+                </a:effectLst>
+              </a:rPr>
+              <a:t>9</a:t>
+            </a:r>
+            <a:endParaRPr lang="zh-CN" altLang="en-US" sz="5400" b="1" cap="none" spc="0" dirty="0">
+              <a:ln w="1905"/>
+              <a:gradFill>
+                <a:gsLst>
+                  <a:gs pos="0">
+                    <a:schemeClr val="accent6">
+                      <a:shade val="20000"/>
+                      <a:satMod val="200000"/>
+                    </a:schemeClr>
+                  </a:gs>
+                  <a:gs pos="78000">
+                    <a:schemeClr val="accent6">
+                      <a:tint val="90000"/>
+                      <a:shade val="89000"/>
+                      <a:satMod val="220000"/>
+                    </a:schemeClr>
+                  </a:gs>
+                  <a:gs pos="100000">
+                    <a:schemeClr val="accent6">
+                      <a:tint val="12000"/>
+                      <a:satMod val="255000"/>
+                    </a:schemeClr>
+                  </a:gs>
+                </a:gsLst>
+                <a:lin ang="5400000"/>
+              </a:gradFill>
+              <a:effectLst>
+                <a:innerShdw blurRad="69850" dist="43180" dir="5400000">
+                  <a:srgbClr val="000000">
+                    <a:alpha val="65000"/>
+                  </a:srgbClr>
+                </a:innerShdw>
+              </a:effectLst>
+            </a:endParaRPr>
+          </a:p>
+        </p:txBody>
+      </p:sp>
     </p:spTree>
     <p:extLst>
       <p:ext uri="{BB962C8B-B14F-4D97-AF65-F5344CB8AC3E}">
-        <p14:creationId xmlns:p14="http://schemas.microsoft.com/office/powerpoint/2010/main" xmlns="" val="813896505"/>
+        <p14:creationId xmlns="" xmlns:p14="http://schemas.microsoft.com/office/powerpoint/2010/main" val="813896505"/>
       </p:ext>
     </p:extLst>
   </p:cSld>
@@ -22522,7 +27331,7 @@
     <a:masterClrMapping/>
   </p:clrMapOvr>
   <mc:AlternateContent xmlns:mc="http://schemas.openxmlformats.org/markup-compatibility/2006">
-    <mc:Choice xmlns:p14="http://schemas.microsoft.com/office/powerpoint/2010/main" xmlns="" Requires="p14">
+    <mc:Choice xmlns="" xmlns:p14="http://schemas.microsoft.com/office/powerpoint/2010/main" Requires="p14">
       <p:transition spd="med" p14:dur="700">
         <p:fade/>
       </p:transition>
@@ -23218,21 +28027,6 @@
 </file>
 
 <file path=customXml/item1.xml><?xml version="1.0" encoding="utf-8"?>
-<p:properties xmlns:p="http://schemas.microsoft.com/office/2006/metadata/properties" xmlns:xsi="http://www.w3.org/2001/XMLSchema-instance" xmlns:pc="http://schemas.microsoft.com/office/infopath/2007/PartnerControls">
-  <documentManagement/>
-</p:properties>
-</file>
-
-<file path=customXml/item2.xml><?xml version="1.0" encoding="utf-8"?>
-<?mso-contentType ?>
-<FormTemplates xmlns="http://schemas.microsoft.com/sharepoint/v3/contenttype/forms">
-  <Display>DocumentLibraryForm</Display>
-  <Edit>DocumentLibraryForm</Edit>
-  <New>DocumentLibraryForm</New>
-</FormTemplates>
-</file>
-
-<file path=customXml/item3.xml><?xml version="1.0" encoding="utf-8"?>
 <ct:contentTypeSchema xmlns:ct="http://schemas.microsoft.com/office/2006/metadata/contentType" xmlns:ma="http://schemas.microsoft.com/office/2006/metadata/properties/metaAttributes" ct:_="" ma:_="" ma:contentTypeName="Document" ma:contentTypeID="0x0101007C1D5F340F01F94FA2FD29A5E6DC872E" ma:contentTypeVersion="0" ma:contentTypeDescription="Create a new document." ma:contentTypeScope="" ma:versionID="f583bd66513a361a730282b6a794e352">
   <xsd:schema xmlns:xsd="http://www.w3.org/2001/XMLSchema" xmlns:xs="http://www.w3.org/2001/XMLSchema" xmlns:p="http://schemas.microsoft.com/office/2006/metadata/properties" targetNamespace="http://schemas.microsoft.com/office/2006/metadata/properties" ma:root="true" ma:fieldsID="6841151cf538834e171094e4faaf2d73">
     <xsd:element name="properties">
@@ -23346,10 +28140,32 @@
 </ct:contentTypeSchema>
 </file>
 
+<file path=customXml/item2.xml><?xml version="1.0" encoding="utf-8"?>
+<?mso-contentType ?>
+<FormTemplates xmlns="http://schemas.microsoft.com/sharepoint/v3/contenttype/forms">
+  <Display>DocumentLibraryForm</Display>
+  <Edit>DocumentLibraryForm</Edit>
+  <New>DocumentLibraryForm</New>
+</FormTemplates>
+</file>
+
+<file path=customXml/item3.xml><?xml version="1.0" encoding="utf-8"?>
+<p:properties xmlns:p="http://schemas.microsoft.com/office/2006/metadata/properties" xmlns:xsi="http://www.w3.org/2001/XMLSchema-instance" xmlns:pc="http://schemas.microsoft.com/office/infopath/2007/PartnerControls">
+  <documentManagement/>
+</p:properties>
+</file>
+
 <file path=customXml/itemProps1.xml><?xml version="1.0" encoding="utf-8"?>
-<ds:datastoreItem xmlns:ds="http://schemas.openxmlformats.org/officeDocument/2006/customXml" ds:itemID="{20B895F5-7F43-4073-919C-BA6E32AC0200}">
+<ds:datastoreItem xmlns:ds="http://schemas.openxmlformats.org/officeDocument/2006/customXml" ds:itemID="{F28882EF-8483-452E-ADFB-02067D56F72B}">
   <ds:schemaRefs>
+    <ds:schemaRef ds:uri="http://schemas.microsoft.com/office/2006/metadata/contentType"/>
+    <ds:schemaRef ds:uri="http://schemas.microsoft.com/office/2006/metadata/properties/metaAttributes"/>
+    <ds:schemaRef ds:uri="http://www.w3.org/2001/XMLSchema"/>
     <ds:schemaRef ds:uri="http://schemas.microsoft.com/office/2006/metadata/properties"/>
+    <ds:schemaRef ds:uri="http://schemas.openxmlformats.org/package/2006/metadata/core-properties"/>
+    <ds:schemaRef ds:uri="http://purl.org/dc/elements/1.1/"/>
+    <ds:schemaRef ds:uri="http://purl.org/dc/terms/"/>
+    <ds:schemaRef ds:uri="http://schemas.microsoft.com/internal/obd"/>
     <ds:schemaRef ds:uri="http://schemas.microsoft.com/office/infopath/2007/PartnerControls"/>
   </ds:schemaRefs>
 </ds:datastoreItem>
@@ -23364,16 +28180,9 @@
 </file>
 
 <file path=customXml/itemProps3.xml><?xml version="1.0" encoding="utf-8"?>
-<ds:datastoreItem xmlns:ds="http://schemas.openxmlformats.org/officeDocument/2006/customXml" ds:itemID="{F28882EF-8483-452E-ADFB-02067D56F72B}">
+<ds:datastoreItem xmlns:ds="http://schemas.openxmlformats.org/officeDocument/2006/customXml" ds:itemID="{20B895F5-7F43-4073-919C-BA6E32AC0200}">
   <ds:schemaRefs>
-    <ds:schemaRef ds:uri="http://schemas.microsoft.com/office/2006/metadata/contentType"/>
-    <ds:schemaRef ds:uri="http://schemas.microsoft.com/office/2006/metadata/properties/metaAttributes"/>
-    <ds:schemaRef ds:uri="http://www.w3.org/2001/XMLSchema"/>
     <ds:schemaRef ds:uri="http://schemas.microsoft.com/office/2006/metadata/properties"/>
-    <ds:schemaRef ds:uri="http://schemas.openxmlformats.org/package/2006/metadata/core-properties"/>
-    <ds:schemaRef ds:uri="http://purl.org/dc/elements/1.1/"/>
-    <ds:schemaRef ds:uri="http://purl.org/dc/terms/"/>
-    <ds:schemaRef ds:uri="http://schemas.microsoft.com/internal/obd"/>
     <ds:schemaRef ds:uri="http://schemas.microsoft.com/office/infopath/2007/PartnerControls"/>
   </ds:schemaRefs>
 </ds:datastoreItem>
